--- a/documentation/NightWatch-Presentation.pptx
+++ b/documentation/NightWatch-Presentation.pptx
@@ -4,10 +4,22 @@
   <p:sldMasterIdLst>
     <p:sldMasterId id="2147483648" r:id="rId1"/>
   </p:sldMasterIdLst>
+  <p:notesMasterIdLst>
+    <p:notesMasterId r:id="rId14"/>
+  </p:notesMasterIdLst>
   <p:sldIdLst>
     <p:sldId id="256" r:id="rId2"/>
     <p:sldId id="257" r:id="rId3"/>
     <p:sldId id="258" r:id="rId4"/>
+    <p:sldId id="259" r:id="rId5"/>
+    <p:sldId id="260" r:id="rId6"/>
+    <p:sldId id="261" r:id="rId7"/>
+    <p:sldId id="262" r:id="rId8"/>
+    <p:sldId id="263" r:id="rId9"/>
+    <p:sldId id="264" r:id="rId10"/>
+    <p:sldId id="265" r:id="rId11"/>
+    <p:sldId id="266" r:id="rId12"/>
+    <p:sldId id="267" r:id="rId13"/>
   </p:sldIdLst>
   <p:sldSz cx="12192000" cy="6858000"/>
   <p:notesSz cx="6858000" cy="9144000"/>
@@ -114,6 +126,525 @@
 </p:presentation>
 </file>
 
+<file path=ppt/notesMasters/notesMaster1.xml><?xml version="1.0" encoding="utf-8"?>
+<p:notesMaster xmlns:a="http://schemas.openxmlformats.org/drawingml/2006/main" xmlns:r="http://schemas.openxmlformats.org/officeDocument/2006/relationships" xmlns:p="http://schemas.openxmlformats.org/presentationml/2006/main">
+  <p:cSld>
+    <p:bg>
+      <p:bgRef idx="1001">
+        <a:schemeClr val="bg1"/>
+      </p:bgRef>
+    </p:bg>
+    <p:spTree>
+      <p:nvGrpSpPr>
+        <p:cNvPr id="1" name=""/>
+        <p:cNvGrpSpPr/>
+        <p:nvPr/>
+      </p:nvGrpSpPr>
+      <p:grpSpPr>
+        <a:xfrm>
+          <a:off x="0" y="0"/>
+          <a:ext cx="0" cy="0"/>
+          <a:chOff x="0" y="0"/>
+          <a:chExt cx="0" cy="0"/>
+        </a:xfrm>
+      </p:grpSpPr>
+      <p:sp>
+        <p:nvSpPr>
+          <p:cNvPr id="2" name="Header Placeholder 1"/>
+          <p:cNvSpPr>
+            <a:spLocks noGrp="1"/>
+          </p:cNvSpPr>
+          <p:nvPr>
+            <p:ph type="hdr" sz="quarter"/>
+          </p:nvPr>
+        </p:nvSpPr>
+        <p:spPr>
+          <a:xfrm>
+            <a:off x="0" y="0"/>
+            <a:ext cx="2971800" cy="458788"/>
+          </a:xfrm>
+          <a:prstGeom prst="rect">
+            <a:avLst/>
+          </a:prstGeom>
+        </p:spPr>
+        <p:txBody>
+          <a:bodyPr vert="horz" lIns="91440" tIns="45720" rIns="91440" bIns="45720" rtlCol="0"/>
+          <a:lstStyle>
+            <a:lvl1pPr algn="l">
+              <a:defRPr sz="1200"/>
+            </a:lvl1pPr>
+          </a:lstStyle>
+          <a:p>
+            <a:endParaRPr lang="en-US" dirty="0"/>
+          </a:p>
+        </p:txBody>
+      </p:sp>
+      <p:sp>
+        <p:nvSpPr>
+          <p:cNvPr id="3" name="Date Placeholder 2"/>
+          <p:cNvSpPr>
+            <a:spLocks noGrp="1"/>
+          </p:cNvSpPr>
+          <p:nvPr>
+            <p:ph type="dt" idx="1"/>
+          </p:nvPr>
+        </p:nvSpPr>
+        <p:spPr>
+          <a:xfrm>
+            <a:off x="3884613" y="0"/>
+            <a:ext cx="2971800" cy="458788"/>
+          </a:xfrm>
+          <a:prstGeom prst="rect">
+            <a:avLst/>
+          </a:prstGeom>
+        </p:spPr>
+        <p:txBody>
+          <a:bodyPr vert="horz" lIns="91440" tIns="45720" rIns="91440" bIns="45720" rtlCol="0"/>
+          <a:lstStyle>
+            <a:lvl1pPr algn="r">
+              <a:defRPr sz="1200"/>
+            </a:lvl1pPr>
+          </a:lstStyle>
+          <a:p>
+            <a:fld id="{8E0BAA67-CB56-42F2-869E-C4542014ED58}" type="datetimeFigureOut">
+              <a:rPr lang="en-US" smtClean="0"/>
+              <a:t>4/16/2025</a:t>
+            </a:fld>
+            <a:endParaRPr lang="en-US" dirty="0"/>
+          </a:p>
+        </p:txBody>
+      </p:sp>
+      <p:sp>
+        <p:nvSpPr>
+          <p:cNvPr id="4" name="Slide Image Placeholder 3"/>
+          <p:cNvSpPr>
+            <a:spLocks noGrp="1" noRot="1" noChangeAspect="1"/>
+          </p:cNvSpPr>
+          <p:nvPr>
+            <p:ph type="sldImg" idx="2"/>
+          </p:nvPr>
+        </p:nvSpPr>
+        <p:spPr>
+          <a:xfrm>
+            <a:off x="685800" y="1143000"/>
+            <a:ext cx="5486400" cy="3086100"/>
+          </a:xfrm>
+          <a:prstGeom prst="rect">
+            <a:avLst/>
+          </a:prstGeom>
+          <a:noFill/>
+          <a:ln w="12700">
+            <a:solidFill>
+              <a:prstClr val="black"/>
+            </a:solidFill>
+          </a:ln>
+        </p:spPr>
+        <p:txBody>
+          <a:bodyPr vert="horz" lIns="91440" tIns="45720" rIns="91440" bIns="45720" rtlCol="0" anchor="ctr"/>
+          <a:lstStyle/>
+          <a:p>
+            <a:endParaRPr lang="en-US" dirty="0"/>
+          </a:p>
+        </p:txBody>
+      </p:sp>
+      <p:sp>
+        <p:nvSpPr>
+          <p:cNvPr id="5" name="Notes Placeholder 4"/>
+          <p:cNvSpPr>
+            <a:spLocks noGrp="1"/>
+          </p:cNvSpPr>
+          <p:nvPr>
+            <p:ph type="body" sz="quarter" idx="3"/>
+          </p:nvPr>
+        </p:nvSpPr>
+        <p:spPr>
+          <a:xfrm>
+            <a:off x="685800" y="4400550"/>
+            <a:ext cx="5486400" cy="3600450"/>
+          </a:xfrm>
+          <a:prstGeom prst="rect">
+            <a:avLst/>
+          </a:prstGeom>
+        </p:spPr>
+        <p:txBody>
+          <a:bodyPr vert="horz" lIns="91440" tIns="45720" rIns="91440" bIns="45720" rtlCol="0"/>
+          <a:lstStyle/>
+          <a:p>
+            <a:pPr lvl="0"/>
+            <a:r>
+              <a:rPr lang="en-US"/>
+              <a:t>Click to edit Master text styles</a:t>
+            </a:r>
+          </a:p>
+          <a:p>
+            <a:pPr lvl="1"/>
+            <a:r>
+              <a:rPr lang="en-US"/>
+              <a:t>Second level</a:t>
+            </a:r>
+          </a:p>
+          <a:p>
+            <a:pPr lvl="2"/>
+            <a:r>
+              <a:rPr lang="en-US"/>
+              <a:t>Third level</a:t>
+            </a:r>
+          </a:p>
+          <a:p>
+            <a:pPr lvl="3"/>
+            <a:r>
+              <a:rPr lang="en-US"/>
+              <a:t>Fourth level</a:t>
+            </a:r>
+          </a:p>
+          <a:p>
+            <a:pPr lvl="4"/>
+            <a:r>
+              <a:rPr lang="en-US"/>
+              <a:t>Fifth level</a:t>
+            </a:r>
+          </a:p>
+        </p:txBody>
+      </p:sp>
+      <p:sp>
+        <p:nvSpPr>
+          <p:cNvPr id="6" name="Footer Placeholder 5"/>
+          <p:cNvSpPr>
+            <a:spLocks noGrp="1"/>
+          </p:cNvSpPr>
+          <p:nvPr>
+            <p:ph type="ftr" sz="quarter" idx="4"/>
+          </p:nvPr>
+        </p:nvSpPr>
+        <p:spPr>
+          <a:xfrm>
+            <a:off x="0" y="8685213"/>
+            <a:ext cx="2971800" cy="458787"/>
+          </a:xfrm>
+          <a:prstGeom prst="rect">
+            <a:avLst/>
+          </a:prstGeom>
+        </p:spPr>
+        <p:txBody>
+          <a:bodyPr vert="horz" lIns="91440" tIns="45720" rIns="91440" bIns="45720" rtlCol="0" anchor="b"/>
+          <a:lstStyle>
+            <a:lvl1pPr algn="l">
+              <a:defRPr sz="1200"/>
+            </a:lvl1pPr>
+          </a:lstStyle>
+          <a:p>
+            <a:endParaRPr lang="en-US" dirty="0"/>
+          </a:p>
+        </p:txBody>
+      </p:sp>
+      <p:sp>
+        <p:nvSpPr>
+          <p:cNvPr id="7" name="Slide Number Placeholder 6"/>
+          <p:cNvSpPr>
+            <a:spLocks noGrp="1"/>
+          </p:cNvSpPr>
+          <p:nvPr>
+            <p:ph type="sldNum" sz="quarter" idx="5"/>
+          </p:nvPr>
+        </p:nvSpPr>
+        <p:spPr>
+          <a:xfrm>
+            <a:off x="3884613" y="8685213"/>
+            <a:ext cx="2971800" cy="458787"/>
+          </a:xfrm>
+          <a:prstGeom prst="rect">
+            <a:avLst/>
+          </a:prstGeom>
+        </p:spPr>
+        <p:txBody>
+          <a:bodyPr vert="horz" lIns="91440" tIns="45720" rIns="91440" bIns="45720" rtlCol="0" anchor="b"/>
+          <a:lstStyle>
+            <a:lvl1pPr algn="r">
+              <a:defRPr sz="1200"/>
+            </a:lvl1pPr>
+          </a:lstStyle>
+          <a:p>
+            <a:fld id="{197FE469-D97A-4B8A-BA65-5800812A629F}" type="slidenum">
+              <a:rPr lang="en-US" smtClean="0"/>
+              <a:t>‹#›</a:t>
+            </a:fld>
+            <a:endParaRPr lang="en-US" dirty="0"/>
+          </a:p>
+        </p:txBody>
+      </p:sp>
+    </p:spTree>
+    <p:extLst>
+      <p:ext uri="{BB962C8B-B14F-4D97-AF65-F5344CB8AC3E}">
+        <p14:creationId xmlns:p14="http://schemas.microsoft.com/office/powerpoint/2010/main" val="3352174665"/>
+      </p:ext>
+    </p:extLst>
+  </p:cSld>
+  <p:clrMap bg1="lt1" tx1="dk1" bg2="lt2" tx2="dk2" accent1="accent1" accent2="accent2" accent3="accent3" accent4="accent4" accent5="accent5" accent6="accent6" hlink="hlink" folHlink="folHlink"/>
+  <p:notesStyle>
+    <a:lvl1pPr marL="0" algn="l" defTabSz="914400" rtl="0" eaLnBrk="1" latinLnBrk="0" hangingPunct="1">
+      <a:defRPr sz="1200" kern="1200">
+        <a:solidFill>
+          <a:schemeClr val="tx1"/>
+        </a:solidFill>
+        <a:latin typeface="+mn-lt"/>
+        <a:ea typeface="+mn-ea"/>
+        <a:cs typeface="+mn-cs"/>
+      </a:defRPr>
+    </a:lvl1pPr>
+    <a:lvl2pPr marL="457200" algn="l" defTabSz="914400" rtl="0" eaLnBrk="1" latinLnBrk="0" hangingPunct="1">
+      <a:defRPr sz="1200" kern="1200">
+        <a:solidFill>
+          <a:schemeClr val="tx1"/>
+        </a:solidFill>
+        <a:latin typeface="+mn-lt"/>
+        <a:ea typeface="+mn-ea"/>
+        <a:cs typeface="+mn-cs"/>
+      </a:defRPr>
+    </a:lvl2pPr>
+    <a:lvl3pPr marL="914400" algn="l" defTabSz="914400" rtl="0" eaLnBrk="1" latinLnBrk="0" hangingPunct="1">
+      <a:defRPr sz="1200" kern="1200">
+        <a:solidFill>
+          <a:schemeClr val="tx1"/>
+        </a:solidFill>
+        <a:latin typeface="+mn-lt"/>
+        <a:ea typeface="+mn-ea"/>
+        <a:cs typeface="+mn-cs"/>
+      </a:defRPr>
+    </a:lvl3pPr>
+    <a:lvl4pPr marL="1371600" algn="l" defTabSz="914400" rtl="0" eaLnBrk="1" latinLnBrk="0" hangingPunct="1">
+      <a:defRPr sz="1200" kern="1200">
+        <a:solidFill>
+          <a:schemeClr val="tx1"/>
+        </a:solidFill>
+        <a:latin typeface="+mn-lt"/>
+        <a:ea typeface="+mn-ea"/>
+        <a:cs typeface="+mn-cs"/>
+      </a:defRPr>
+    </a:lvl4pPr>
+    <a:lvl5pPr marL="1828800" algn="l" defTabSz="914400" rtl="0" eaLnBrk="1" latinLnBrk="0" hangingPunct="1">
+      <a:defRPr sz="1200" kern="1200">
+        <a:solidFill>
+          <a:schemeClr val="tx1"/>
+        </a:solidFill>
+        <a:latin typeface="+mn-lt"/>
+        <a:ea typeface="+mn-ea"/>
+        <a:cs typeface="+mn-cs"/>
+      </a:defRPr>
+    </a:lvl5pPr>
+    <a:lvl6pPr marL="2286000" algn="l" defTabSz="914400" rtl="0" eaLnBrk="1" latinLnBrk="0" hangingPunct="1">
+      <a:defRPr sz="1200" kern="1200">
+        <a:solidFill>
+          <a:schemeClr val="tx1"/>
+        </a:solidFill>
+        <a:latin typeface="+mn-lt"/>
+        <a:ea typeface="+mn-ea"/>
+        <a:cs typeface="+mn-cs"/>
+      </a:defRPr>
+    </a:lvl6pPr>
+    <a:lvl7pPr marL="2743200" algn="l" defTabSz="914400" rtl="0" eaLnBrk="1" latinLnBrk="0" hangingPunct="1">
+      <a:defRPr sz="1200" kern="1200">
+        <a:solidFill>
+          <a:schemeClr val="tx1"/>
+        </a:solidFill>
+        <a:latin typeface="+mn-lt"/>
+        <a:ea typeface="+mn-ea"/>
+        <a:cs typeface="+mn-cs"/>
+      </a:defRPr>
+    </a:lvl7pPr>
+    <a:lvl8pPr marL="3200400" algn="l" defTabSz="914400" rtl="0" eaLnBrk="1" latinLnBrk="0" hangingPunct="1">
+      <a:defRPr sz="1200" kern="1200">
+        <a:solidFill>
+          <a:schemeClr val="tx1"/>
+        </a:solidFill>
+        <a:latin typeface="+mn-lt"/>
+        <a:ea typeface="+mn-ea"/>
+        <a:cs typeface="+mn-cs"/>
+      </a:defRPr>
+    </a:lvl8pPr>
+    <a:lvl9pPr marL="3657600" algn="l" defTabSz="914400" rtl="0" eaLnBrk="1" latinLnBrk="0" hangingPunct="1">
+      <a:defRPr sz="1200" kern="1200">
+        <a:solidFill>
+          <a:schemeClr val="tx1"/>
+        </a:solidFill>
+        <a:latin typeface="+mn-lt"/>
+        <a:ea typeface="+mn-ea"/>
+        <a:cs typeface="+mn-cs"/>
+      </a:defRPr>
+    </a:lvl9pPr>
+  </p:notesStyle>
+</p:notesMaster>
+</file>
+
+<file path=ppt/notesSlides/notesSlide1.xml><?xml version="1.0" encoding="utf-8"?>
+<p:notes xmlns:a="http://schemas.openxmlformats.org/drawingml/2006/main" xmlns:r="http://schemas.openxmlformats.org/officeDocument/2006/relationships" xmlns:p="http://schemas.openxmlformats.org/presentationml/2006/main">
+  <p:cSld>
+    <p:spTree>
+      <p:nvGrpSpPr>
+        <p:cNvPr id="1" name=""/>
+        <p:cNvGrpSpPr/>
+        <p:nvPr/>
+      </p:nvGrpSpPr>
+      <p:grpSpPr>
+        <a:xfrm>
+          <a:off x="0" y="0"/>
+          <a:ext cx="0" cy="0"/>
+          <a:chOff x="0" y="0"/>
+          <a:chExt cx="0" cy="0"/>
+        </a:xfrm>
+      </p:grpSpPr>
+      <p:sp>
+        <p:nvSpPr>
+          <p:cNvPr id="2" name="Slide Image Placeholder 1"/>
+          <p:cNvSpPr>
+            <a:spLocks noGrp="1" noRot="1" noChangeAspect="1"/>
+          </p:cNvSpPr>
+          <p:nvPr>
+            <p:ph type="sldImg"/>
+          </p:nvPr>
+        </p:nvSpPr>
+        <p:spPr/>
+      </p:sp>
+      <p:sp>
+        <p:nvSpPr>
+          <p:cNvPr id="3" name="Notes Placeholder 2"/>
+          <p:cNvSpPr>
+            <a:spLocks noGrp="1"/>
+          </p:cNvSpPr>
+          <p:nvPr>
+            <p:ph type="body" idx="1"/>
+          </p:nvPr>
+        </p:nvSpPr>
+        <p:spPr/>
+        <p:txBody>
+          <a:bodyPr/>
+          <a:lstStyle/>
+          <a:p>
+            <a:r>
+              <a:rPr lang="en-US" dirty="0"/>
+              <a:t>It can be challenging to understand a network</a:t>
+            </a:r>
+          </a:p>
+          <a:p>
+            <a:r>
+              <a:rPr lang="en-US" dirty="0"/>
+              <a:t>        Especially as a student / beginner in the field</a:t>
+            </a:r>
+          </a:p>
+          <a:p>
+            <a:r>
+              <a:rPr lang="en-US" dirty="0"/>
+              <a:t>        Learning </a:t>
+            </a:r>
+            <a:r>
+              <a:rPr lang="en-US" dirty="0" err="1"/>
+              <a:t>powershell</a:t>
+            </a:r>
+            <a:r>
+              <a:rPr lang="en-US" dirty="0"/>
+              <a:t> takes time</a:t>
+            </a:r>
+          </a:p>
+          <a:p>
+            <a:r>
+              <a:rPr lang="en-US" dirty="0"/>
+              <a:t>        Even using </a:t>
+            </a:r>
+            <a:r>
+              <a:rPr lang="en-US" dirty="0" err="1"/>
+              <a:t>nmap</a:t>
+            </a:r>
+            <a:r>
+              <a:rPr lang="en-US" dirty="0"/>
+              <a:t> might</a:t>
+            </a:r>
+          </a:p>
+          <a:p>
+            <a:endParaRPr lang="en-US" dirty="0"/>
+          </a:p>
+          <a:p>
+            <a:r>
+              <a:rPr lang="en-US" dirty="0"/>
+              <a:t>Fortunately, </a:t>
+            </a:r>
+            <a:r>
+              <a:rPr lang="en-US" dirty="0" err="1"/>
+              <a:t>Nightwatch</a:t>
+            </a:r>
+            <a:r>
+              <a:rPr lang="en-US" dirty="0"/>
+              <a:t> solves these problems by providing</a:t>
+            </a:r>
+          </a:p>
+          <a:p>
+            <a:r>
+              <a:rPr lang="en-US" dirty="0"/>
+              <a:t>        Visual representations for visual learners</a:t>
+            </a:r>
+          </a:p>
+          <a:p>
+            <a:r>
+              <a:rPr lang="en-US" dirty="0"/>
+              <a:t>        An easy to use interface that uses </a:t>
+            </a:r>
+            <a:r>
+              <a:rPr lang="en-US" dirty="0" err="1"/>
+              <a:t>powershell</a:t>
+            </a:r>
+            <a:r>
+              <a:rPr lang="en-US" dirty="0"/>
+              <a:t> on the back end</a:t>
+            </a:r>
+          </a:p>
+          <a:p>
+            <a:r>
+              <a:rPr lang="en-US" dirty="0"/>
+              <a:t>        All without elevated privilege, </a:t>
+            </a:r>
+          </a:p>
+          <a:p>
+            <a:endParaRPr lang="en-US" dirty="0"/>
+          </a:p>
+          <a:p>
+            <a:endParaRPr lang="en-US" dirty="0"/>
+          </a:p>
+        </p:txBody>
+      </p:sp>
+      <p:sp>
+        <p:nvSpPr>
+          <p:cNvPr id="4" name="Slide Number Placeholder 3"/>
+          <p:cNvSpPr>
+            <a:spLocks noGrp="1"/>
+          </p:cNvSpPr>
+          <p:nvPr>
+            <p:ph type="sldNum" sz="quarter" idx="5"/>
+          </p:nvPr>
+        </p:nvSpPr>
+        <p:spPr/>
+        <p:txBody>
+          <a:bodyPr/>
+          <a:lstStyle/>
+          <a:p>
+            <a:fld id="{197FE469-D97A-4B8A-BA65-5800812A629F}" type="slidenum">
+              <a:rPr lang="en-US" smtClean="0"/>
+              <a:t>2</a:t>
+            </a:fld>
+            <a:endParaRPr lang="en-US"/>
+          </a:p>
+        </p:txBody>
+      </p:sp>
+    </p:spTree>
+    <p:extLst>
+      <p:ext uri="{BB962C8B-B14F-4D97-AF65-F5344CB8AC3E}">
+        <p14:creationId xmlns:p14="http://schemas.microsoft.com/office/powerpoint/2010/main" val="3845295860"/>
+      </p:ext>
+    </p:extLst>
+  </p:cSld>
+  <p:clrMapOvr>
+    <a:masterClrMapping/>
+  </p:clrMapOvr>
+</p:notes>
+</file>
+
 <file path=ppt/slideLayouts/slideLayout1.xml><?xml version="1.0" encoding="utf-8"?>
 <p:sldLayout xmlns:a="http://schemas.openxmlformats.org/drawingml/2006/main" xmlns:r="http://schemas.openxmlformats.org/officeDocument/2006/relationships" xmlns:p="http://schemas.openxmlformats.org/presentationml/2006/main" type="title" preserve="1">
   <p:cSld name="Title Slide">
@@ -273,9 +804,9 @@
           <a:p>
             <a:fld id="{A7C372BC-5DF9-41BD-AE03-E5F083D367A8}" type="datetimeFigureOut">
               <a:rPr lang="en-US" smtClean="0"/>
-              <a:t>4/15/2025</a:t>
+              <a:t>4/16/2025</a:t>
             </a:fld>
-            <a:endParaRPr lang="en-US"/>
+            <a:endParaRPr lang="en-US" dirty="0"/>
           </a:p>
         </p:txBody>
       </p:sp>
@@ -300,7 +831,7 @@
           <a:bodyPr/>
           <a:lstStyle/>
           <a:p>
-            <a:endParaRPr lang="en-US"/>
+            <a:endParaRPr lang="en-US" dirty="0"/>
           </a:p>
         </p:txBody>
       </p:sp>
@@ -329,7 +860,7 @@
               <a:rPr lang="en-US" smtClean="0"/>
               <a:t>‹#›</a:t>
             </a:fld>
-            <a:endParaRPr lang="en-US"/>
+            <a:endParaRPr lang="en-US" dirty="0"/>
           </a:p>
         </p:txBody>
       </p:sp>
@@ -527,9 +1058,9 @@
           <a:p>
             <a:fld id="{A7C372BC-5DF9-41BD-AE03-E5F083D367A8}" type="datetimeFigureOut">
               <a:rPr lang="en-US" smtClean="0"/>
-              <a:t>4/15/2025</a:t>
+              <a:t>4/16/2025</a:t>
             </a:fld>
-            <a:endParaRPr lang="en-US"/>
+            <a:endParaRPr lang="en-US" dirty="0"/>
           </a:p>
         </p:txBody>
       </p:sp>
@@ -554,7 +1085,7 @@
           <a:bodyPr/>
           <a:lstStyle/>
           <a:p>
-            <a:endParaRPr lang="en-US"/>
+            <a:endParaRPr lang="en-US" dirty="0"/>
           </a:p>
         </p:txBody>
       </p:sp>
@@ -583,7 +1114,7 @@
               <a:rPr lang="en-US" smtClean="0"/>
               <a:t>‹#›</a:t>
             </a:fld>
-            <a:endParaRPr lang="en-US"/>
+            <a:endParaRPr lang="en-US" dirty="0"/>
           </a:p>
         </p:txBody>
       </p:sp>
@@ -791,9 +1322,9 @@
           <a:p>
             <a:fld id="{A7C372BC-5DF9-41BD-AE03-E5F083D367A8}" type="datetimeFigureOut">
               <a:rPr lang="en-US" smtClean="0"/>
-              <a:t>4/15/2025</a:t>
+              <a:t>4/16/2025</a:t>
             </a:fld>
-            <a:endParaRPr lang="en-US"/>
+            <a:endParaRPr lang="en-US" dirty="0"/>
           </a:p>
         </p:txBody>
       </p:sp>
@@ -818,7 +1349,7 @@
           <a:bodyPr/>
           <a:lstStyle/>
           <a:p>
-            <a:endParaRPr lang="en-US"/>
+            <a:endParaRPr lang="en-US" dirty="0"/>
           </a:p>
         </p:txBody>
       </p:sp>
@@ -847,7 +1378,7 @@
               <a:rPr lang="en-US" smtClean="0"/>
               <a:t>‹#›</a:t>
             </a:fld>
-            <a:endParaRPr lang="en-US"/>
+            <a:endParaRPr lang="en-US" dirty="0"/>
           </a:p>
         </p:txBody>
       </p:sp>
@@ -1062,7 +1593,7 @@
             <a:fld id="{A7C372BC-5DF9-41BD-AE03-E5F083D367A8}" type="datetimeFigureOut">
               <a:rPr lang="en-US" smtClean="0"/>
               <a:pPr/>
-              <a:t>4/15/2025</a:t>
+              <a:t>4/16/2025</a:t>
             </a:fld>
             <a:endParaRPr lang="en-US" dirty="0"/>
           </a:p>
@@ -1372,9 +1903,9 @@
           <a:p>
             <a:fld id="{A7C372BC-5DF9-41BD-AE03-E5F083D367A8}" type="datetimeFigureOut">
               <a:rPr lang="en-US" smtClean="0"/>
-              <a:t>4/15/2025</a:t>
+              <a:t>4/16/2025</a:t>
             </a:fld>
-            <a:endParaRPr lang="en-US"/>
+            <a:endParaRPr lang="en-US" dirty="0"/>
           </a:p>
         </p:txBody>
       </p:sp>
@@ -1399,7 +1930,7 @@
           <a:bodyPr/>
           <a:lstStyle/>
           <a:p>
-            <a:endParaRPr lang="en-US"/>
+            <a:endParaRPr lang="en-US" dirty="0"/>
           </a:p>
         </p:txBody>
       </p:sp>
@@ -1428,7 +1959,7 @@
               <a:rPr lang="en-US" smtClean="0"/>
               <a:t>‹#›</a:t>
             </a:fld>
-            <a:endParaRPr lang="en-US"/>
+            <a:endParaRPr lang="en-US" dirty="0"/>
           </a:p>
         </p:txBody>
       </p:sp>
@@ -1739,9 +2270,9 @@
           <a:p>
             <a:fld id="{A7C372BC-5DF9-41BD-AE03-E5F083D367A8}" type="datetimeFigureOut">
               <a:rPr lang="en-US" smtClean="0"/>
-              <a:t>4/15/2025</a:t>
+              <a:t>4/16/2025</a:t>
             </a:fld>
-            <a:endParaRPr lang="en-US"/>
+            <a:endParaRPr lang="en-US" dirty="0"/>
           </a:p>
         </p:txBody>
       </p:sp>
@@ -1766,7 +2297,7 @@
           <a:bodyPr/>
           <a:lstStyle/>
           <a:p>
-            <a:endParaRPr lang="en-US"/>
+            <a:endParaRPr lang="en-US" dirty="0"/>
           </a:p>
         </p:txBody>
       </p:sp>
@@ -1795,7 +2326,7 @@
               <a:rPr lang="en-US" smtClean="0"/>
               <a:t>‹#›</a:t>
             </a:fld>
-            <a:endParaRPr lang="en-US"/>
+            <a:endParaRPr lang="en-US" dirty="0"/>
           </a:p>
         </p:txBody>
       </p:sp>
@@ -2265,9 +2796,9 @@
           <a:p>
             <a:fld id="{A7C372BC-5DF9-41BD-AE03-E5F083D367A8}" type="datetimeFigureOut">
               <a:rPr lang="en-US" smtClean="0"/>
-              <a:t>4/15/2025</a:t>
+              <a:t>4/16/2025</a:t>
             </a:fld>
-            <a:endParaRPr lang="en-US"/>
+            <a:endParaRPr lang="en-US" dirty="0"/>
           </a:p>
         </p:txBody>
       </p:sp>
@@ -2292,7 +2823,7 @@
           <a:bodyPr/>
           <a:lstStyle/>
           <a:p>
-            <a:endParaRPr lang="en-US"/>
+            <a:endParaRPr lang="en-US" dirty="0"/>
           </a:p>
         </p:txBody>
       </p:sp>
@@ -2321,7 +2852,7 @@
               <a:rPr lang="en-US" smtClean="0"/>
               <a:t>‹#›</a:t>
             </a:fld>
-            <a:endParaRPr lang="en-US"/>
+            <a:endParaRPr lang="en-US" dirty="0"/>
           </a:p>
         </p:txBody>
       </p:sp>
@@ -2416,9 +2947,9 @@
           <a:p>
             <a:fld id="{A7C372BC-5DF9-41BD-AE03-E5F083D367A8}" type="datetimeFigureOut">
               <a:rPr lang="en-US" smtClean="0"/>
-              <a:t>4/15/2025</a:t>
+              <a:t>4/16/2025</a:t>
             </a:fld>
-            <a:endParaRPr lang="en-US"/>
+            <a:endParaRPr lang="en-US" dirty="0"/>
           </a:p>
         </p:txBody>
       </p:sp>
@@ -2443,7 +2974,7 @@
           <a:bodyPr/>
           <a:lstStyle/>
           <a:p>
-            <a:endParaRPr lang="en-US"/>
+            <a:endParaRPr lang="en-US" dirty="0"/>
           </a:p>
         </p:txBody>
       </p:sp>
@@ -2472,7 +3003,7 @@
               <a:rPr lang="en-US" smtClean="0"/>
               <a:t>‹#›</a:t>
             </a:fld>
-            <a:endParaRPr lang="en-US"/>
+            <a:endParaRPr lang="en-US" dirty="0"/>
           </a:p>
         </p:txBody>
       </p:sp>
@@ -2529,9 +3060,9 @@
           <a:p>
             <a:fld id="{A7C372BC-5DF9-41BD-AE03-E5F083D367A8}" type="datetimeFigureOut">
               <a:rPr lang="en-US" smtClean="0"/>
-              <a:t>4/15/2025</a:t>
+              <a:t>4/16/2025</a:t>
             </a:fld>
-            <a:endParaRPr lang="en-US"/>
+            <a:endParaRPr lang="en-US" dirty="0"/>
           </a:p>
         </p:txBody>
       </p:sp>
@@ -2556,7 +3087,7 @@
           <a:bodyPr/>
           <a:lstStyle/>
           <a:p>
-            <a:endParaRPr lang="en-US"/>
+            <a:endParaRPr lang="en-US" dirty="0"/>
           </a:p>
         </p:txBody>
       </p:sp>
@@ -2585,7 +3116,7 @@
               <a:rPr lang="en-US" smtClean="0"/>
               <a:t>‹#›</a:t>
             </a:fld>
-            <a:endParaRPr lang="en-US"/>
+            <a:endParaRPr lang="en-US" dirty="0"/>
           </a:p>
         </p:txBody>
       </p:sp>
@@ -2882,9 +3413,9 @@
           <a:p>
             <a:fld id="{A7C372BC-5DF9-41BD-AE03-E5F083D367A8}" type="datetimeFigureOut">
               <a:rPr lang="en-US" smtClean="0"/>
-              <a:t>4/15/2025</a:t>
+              <a:t>4/16/2025</a:t>
             </a:fld>
-            <a:endParaRPr lang="en-US"/>
+            <a:endParaRPr lang="en-US" dirty="0"/>
           </a:p>
         </p:txBody>
       </p:sp>
@@ -2909,7 +3440,7 @@
           <a:bodyPr/>
           <a:lstStyle/>
           <a:p>
-            <a:endParaRPr lang="en-US"/>
+            <a:endParaRPr lang="en-US" dirty="0"/>
           </a:p>
         </p:txBody>
       </p:sp>
@@ -2938,7 +3469,7 @@
               <a:rPr lang="en-US" smtClean="0"/>
               <a:t>‹#›</a:t>
             </a:fld>
-            <a:endParaRPr lang="en-US"/>
+            <a:endParaRPr lang="en-US" dirty="0"/>
           </a:p>
         </p:txBody>
       </p:sp>
@@ -3082,7 +3613,7 @@
             </a:lvl9pPr>
           </a:lstStyle>
           <a:p>
-            <a:endParaRPr lang="en-US"/>
+            <a:endParaRPr lang="en-US" dirty="0"/>
           </a:p>
         </p:txBody>
       </p:sp>
@@ -3186,9 +3717,9 @@
           <a:p>
             <a:fld id="{A7C372BC-5DF9-41BD-AE03-E5F083D367A8}" type="datetimeFigureOut">
               <a:rPr lang="en-US" smtClean="0"/>
-              <a:t>4/15/2025</a:t>
+              <a:t>4/16/2025</a:t>
             </a:fld>
-            <a:endParaRPr lang="en-US"/>
+            <a:endParaRPr lang="en-US" dirty="0"/>
           </a:p>
         </p:txBody>
       </p:sp>
@@ -3213,7 +3744,7 @@
           <a:bodyPr/>
           <a:lstStyle/>
           <a:p>
-            <a:endParaRPr lang="en-US"/>
+            <a:endParaRPr lang="en-US" dirty="0"/>
           </a:p>
         </p:txBody>
       </p:sp>
@@ -3242,7 +3773,7 @@
               <a:rPr lang="en-US" smtClean="0"/>
               <a:t>‹#›</a:t>
             </a:fld>
-            <a:endParaRPr lang="en-US"/>
+            <a:endParaRPr lang="en-US" dirty="0"/>
           </a:p>
         </p:txBody>
       </p:sp>
@@ -3311,8 +3842,8 @@
         </p:nvSpPr>
         <p:spPr>
           <a:xfrm>
-            <a:off x="838200" y="365125"/>
-            <a:ext cx="10515600" cy="1325563"/>
+            <a:off x="200635" y="136525"/>
+            <a:ext cx="11787231" cy="912099"/>
           </a:xfrm>
           <a:prstGeom prst="rect">
             <a:avLst/>
@@ -3325,7 +3856,7 @@
           <a:lstStyle/>
           <a:p>
             <a:r>
-              <a:rPr lang="en-US"/>
+              <a:rPr lang="en-US" dirty="0"/>
               <a:t>Click to edit Master title style</a:t>
             </a:r>
           </a:p>
@@ -3349,7 +3880,7 @@
         </p:nvSpPr>
         <p:spPr>
           <a:xfrm>
-            <a:off x="838200" y="1825625"/>
+            <a:off x="838200" y="1253331"/>
             <a:ext cx="10515600" cy="4351338"/>
           </a:xfrm>
           <a:prstGeom prst="rect">
@@ -3364,35 +3895,35 @@
           <a:p>
             <a:pPr lvl="0"/>
             <a:r>
-              <a:rPr lang="en-US"/>
+              <a:rPr lang="en-US" dirty="0"/>
               <a:t>Click to edit Master text styles</a:t>
             </a:r>
           </a:p>
           <a:p>
             <a:pPr lvl="1"/>
             <a:r>
-              <a:rPr lang="en-US"/>
+              <a:rPr lang="en-US" dirty="0"/>
               <a:t>Second level</a:t>
             </a:r>
           </a:p>
           <a:p>
             <a:pPr lvl="2"/>
             <a:r>
-              <a:rPr lang="en-US"/>
+              <a:rPr lang="en-US" dirty="0"/>
               <a:t>Third level</a:t>
             </a:r>
           </a:p>
           <a:p>
             <a:pPr lvl="3"/>
             <a:r>
-              <a:rPr lang="en-US"/>
+              <a:rPr lang="en-US" dirty="0"/>
               <a:t>Fourth level</a:t>
             </a:r>
           </a:p>
           <a:p>
             <a:pPr lvl="4"/>
             <a:r>
-              <a:rPr lang="en-US"/>
+              <a:rPr lang="en-US" dirty="0"/>
               <a:t>Fifth level</a:t>
             </a:r>
           </a:p>
@@ -3443,9 +3974,9 @@
             <a:fld id="{A7C372BC-5DF9-41BD-AE03-E5F083D367A8}" type="datetimeFigureOut">
               <a:rPr lang="en-US" smtClean="0"/>
               <a:pPr/>
-              <a:t>4/15/2025</a:t>
+              <a:t>4/16/2025</a:t>
             </a:fld>
-            <a:endParaRPr lang="en-US"/>
+            <a:endParaRPr lang="en-US" dirty="0"/>
           </a:p>
         </p:txBody>
       </p:sp>
@@ -3491,7 +4022,7 @@
             </a:lvl1pPr>
           </a:lstStyle>
           <a:p>
-            <a:endParaRPr lang="en-US"/>
+            <a:endParaRPr lang="en-US" dirty="0"/>
           </a:p>
         </p:txBody>
       </p:sp>
@@ -3542,7 +4073,7 @@
               <a:pPr/>
               <a:t>‹#›</a:t>
             </a:fld>
-            <a:endParaRPr lang="en-US"/>
+            <a:endParaRPr lang="en-US" dirty="0"/>
           </a:p>
         </p:txBody>
       </p:sp>
@@ -3579,7 +4110,10 @@
         <a:buNone/>
         <a:defRPr sz="4400" kern="1200">
           <a:solidFill>
-            <a:schemeClr val="bg1"/>
+            <a:schemeClr val="accent5">
+              <a:lumMod val="60000"/>
+              <a:lumOff val="40000"/>
+            </a:schemeClr>
           </a:solidFill>
           <a:latin typeface="Rajdhani Medium" panose="02000000000000000000" pitchFamily="2" charset="0"/>
           <a:ea typeface="+mj-ea"/>
@@ -3590,7 +4124,7 @@
     <p:bodyStyle>
       <a:lvl1pPr marL="228600" indent="-228600" algn="l" defTabSz="914400" rtl="0" eaLnBrk="1" latinLnBrk="0" hangingPunct="1">
         <a:lnSpc>
-          <a:spcPct val="90000"/>
+          <a:spcPct val="150000"/>
         </a:lnSpc>
         <a:spcBef>
           <a:spcPts val="1000"/>
@@ -3608,7 +4142,7 @@
       </a:lvl1pPr>
       <a:lvl2pPr marL="685800" indent="-228600" algn="l" defTabSz="914400" rtl="0" eaLnBrk="1" latinLnBrk="0" hangingPunct="1">
         <a:lnSpc>
-          <a:spcPct val="90000"/>
+          <a:spcPct val="150000"/>
         </a:lnSpc>
         <a:spcBef>
           <a:spcPts val="500"/>
@@ -3626,7 +4160,7 @@
       </a:lvl2pPr>
       <a:lvl3pPr marL="1143000" indent="-228600" algn="l" defTabSz="914400" rtl="0" eaLnBrk="1" latinLnBrk="0" hangingPunct="1">
         <a:lnSpc>
-          <a:spcPct val="90000"/>
+          <a:spcPct val="150000"/>
         </a:lnSpc>
         <a:spcBef>
           <a:spcPts val="500"/>
@@ -3644,7 +4178,7 @@
       </a:lvl3pPr>
       <a:lvl4pPr marL="1600200" indent="-228600" algn="l" defTabSz="914400" rtl="0" eaLnBrk="1" latinLnBrk="0" hangingPunct="1">
         <a:lnSpc>
-          <a:spcPct val="90000"/>
+          <a:spcPct val="150000"/>
         </a:lnSpc>
         <a:spcBef>
           <a:spcPts val="500"/>
@@ -3662,7 +4196,7 @@
       </a:lvl4pPr>
       <a:lvl5pPr marL="2057400" indent="-228600" algn="l" defTabSz="914400" rtl="0" eaLnBrk="1" latinLnBrk="0" hangingPunct="1">
         <a:lnSpc>
-          <a:spcPct val="90000"/>
+          <a:spcPct val="150000"/>
         </a:lnSpc>
         <a:spcBef>
           <a:spcPts val="500"/>
@@ -3885,18 +4419,18 @@
         </p:nvSpPr>
         <p:spPr>
           <a:xfrm>
-            <a:off x="1524000" y="2042491"/>
-            <a:ext cx="9144000" cy="1467472"/>
+            <a:off x="2309089" y="2143391"/>
+            <a:ext cx="7573817" cy="1467472"/>
           </a:xfrm>
         </p:spPr>
         <p:txBody>
-          <a:bodyPr>
+          <a:bodyPr anchor="ctr">
             <a:normAutofit/>
           </a:bodyPr>
           <a:lstStyle/>
           <a:p>
             <a:r>
-              <a:rPr lang="en-US" sz="8000" b="1" dirty="0" err="1">
+              <a:rPr lang="en-US" sz="9600" b="1" dirty="0" err="1">
                 <a:solidFill>
                   <a:schemeClr val="bg1"/>
                 </a:solidFill>
@@ -3907,7 +4441,7 @@
               <a:t>night</a:t>
             </a:r>
             <a:r>
-              <a:rPr lang="en-US" sz="8000" dirty="0" err="1">
+              <a:rPr lang="en-US" sz="9600" dirty="0" err="1">
                 <a:solidFill>
                   <a:schemeClr val="bg1"/>
                 </a:solidFill>
@@ -3917,7 +4451,7 @@
               </a:rPr>
               <a:t>watch</a:t>
             </a:r>
-            <a:endParaRPr lang="en-US" sz="8000" dirty="0">
+            <a:endParaRPr lang="en-US" sz="9600" dirty="0">
               <a:solidFill>
                 <a:schemeClr val="bg1"/>
               </a:solidFill>
@@ -3946,23 +4480,37 @@
         </p:nvSpPr>
         <p:spPr>
           <a:xfrm>
-            <a:off x="1524000" y="3602038"/>
-            <a:ext cx="9144000" cy="741362"/>
+            <a:off x="2914071" y="3606245"/>
+            <a:ext cx="6363855" cy="905436"/>
           </a:xfrm>
         </p:spPr>
         <p:txBody>
-          <a:bodyPr anchor="ctr"/>
+          <a:bodyPr anchor="ctr">
+            <a:normAutofit fontScale="92500" lnSpcReduction="20000"/>
+          </a:bodyPr>
           <a:lstStyle/>
           <a:p>
             <a:r>
-              <a:rPr lang="en-US" dirty="0">
+              <a:rPr lang="en-US" sz="1800" dirty="0">
                 <a:solidFill>
                   <a:schemeClr val="bg1"/>
                 </a:solidFill>
                 <a:latin typeface="Poppins" panose="00000500000000000000" pitchFamily="2" charset="0"/>
                 <a:cs typeface="Poppins" panose="00000500000000000000" pitchFamily="2" charset="0"/>
               </a:rPr>
-              <a:t>Senior Project Presentation by Charlotte Strobl</a:t>
+              <a:t>Senior Project Presentation </a:t>
+            </a:r>
+          </a:p>
+          <a:p>
+            <a:r>
+              <a:rPr lang="en-US" sz="1800" dirty="0">
+                <a:solidFill>
+                  <a:schemeClr val="bg1"/>
+                </a:solidFill>
+                <a:latin typeface="Poppins" panose="00000500000000000000" pitchFamily="2" charset="0"/>
+                <a:cs typeface="Poppins" panose="00000500000000000000" pitchFamily="2" charset="0"/>
+              </a:rPr>
+              <a:t>by Charlotte Strobl</a:t>
             </a:r>
           </a:p>
         </p:txBody>
@@ -3971,6 +4519,261 @@
     <p:extLst>
       <p:ext uri="{BB962C8B-B14F-4D97-AF65-F5344CB8AC3E}">
         <p14:creationId xmlns:p14="http://schemas.microsoft.com/office/powerpoint/2010/main" val="1430724794"/>
+      </p:ext>
+    </p:extLst>
+  </p:cSld>
+  <p:clrMapOvr>
+    <a:masterClrMapping/>
+  </p:clrMapOvr>
+</p:sld>
+</file>
+
+<file path=ppt/slides/slide10.xml><?xml version="1.0" encoding="utf-8"?>
+<p:sld xmlns:a="http://schemas.openxmlformats.org/drawingml/2006/main" xmlns:r="http://schemas.openxmlformats.org/officeDocument/2006/relationships" xmlns:p="http://schemas.openxmlformats.org/presentationml/2006/main">
+  <p:cSld>
+    <p:spTree>
+      <p:nvGrpSpPr>
+        <p:cNvPr id="1" name=""/>
+        <p:cNvGrpSpPr/>
+        <p:nvPr/>
+      </p:nvGrpSpPr>
+      <p:grpSpPr>
+        <a:xfrm>
+          <a:off x="0" y="0"/>
+          <a:ext cx="0" cy="0"/>
+          <a:chOff x="0" y="0"/>
+          <a:chExt cx="0" cy="0"/>
+        </a:xfrm>
+      </p:grpSpPr>
+      <p:sp>
+        <p:nvSpPr>
+          <p:cNvPr id="2" name="Title 1">
+            <a:extLst>
+              <a:ext uri="{FF2B5EF4-FFF2-40B4-BE49-F238E27FC236}">
+                <a16:creationId xmlns:a16="http://schemas.microsoft.com/office/drawing/2014/main" id="{D0F0DCB9-7B0A-401A-963F-3A1C09E7B3DA}"/>
+              </a:ext>
+            </a:extLst>
+          </p:cNvPr>
+          <p:cNvSpPr>
+            <a:spLocks noGrp="1"/>
+          </p:cNvSpPr>
+          <p:nvPr>
+            <p:ph type="title"/>
+          </p:nvPr>
+        </p:nvSpPr>
+        <p:spPr/>
+        <p:txBody>
+          <a:bodyPr/>
+          <a:lstStyle/>
+          <a:p>
+            <a:r>
+              <a:rPr lang="en-US" dirty="0"/>
+              <a:t>Challenges Overcome</a:t>
+            </a:r>
+          </a:p>
+        </p:txBody>
+      </p:sp>
+      <p:sp>
+        <p:nvSpPr>
+          <p:cNvPr id="3" name="Content Placeholder 2">
+            <a:extLst>
+              <a:ext uri="{FF2B5EF4-FFF2-40B4-BE49-F238E27FC236}">
+                <a16:creationId xmlns:a16="http://schemas.microsoft.com/office/drawing/2014/main" id="{0480BC22-BEE3-4E45-80F4-133E05736A9C}"/>
+              </a:ext>
+            </a:extLst>
+          </p:cNvPr>
+          <p:cNvSpPr>
+            <a:spLocks noGrp="1"/>
+          </p:cNvSpPr>
+          <p:nvPr>
+            <p:ph idx="1"/>
+          </p:nvPr>
+        </p:nvSpPr>
+        <p:spPr/>
+        <p:txBody>
+          <a:bodyPr/>
+          <a:lstStyle/>
+          <a:p>
+            <a:pPr marL="0" indent="0">
+              <a:buNone/>
+            </a:pPr>
+            <a:r>
+              <a:rPr lang="en-US" dirty="0"/>
+              <a:t>Electron</a:t>
+            </a:r>
+          </a:p>
+        </p:txBody>
+      </p:sp>
+    </p:spTree>
+    <p:extLst>
+      <p:ext uri="{BB962C8B-B14F-4D97-AF65-F5344CB8AC3E}">
+        <p14:creationId xmlns:p14="http://schemas.microsoft.com/office/powerpoint/2010/main" val="1406098618"/>
+      </p:ext>
+    </p:extLst>
+  </p:cSld>
+  <p:clrMapOvr>
+    <a:masterClrMapping/>
+  </p:clrMapOvr>
+</p:sld>
+</file>
+
+<file path=ppt/slides/slide11.xml><?xml version="1.0" encoding="utf-8"?>
+<p:sld xmlns:a="http://schemas.openxmlformats.org/drawingml/2006/main" xmlns:r="http://schemas.openxmlformats.org/officeDocument/2006/relationships" xmlns:p="http://schemas.openxmlformats.org/presentationml/2006/main">
+  <p:cSld>
+    <p:spTree>
+      <p:nvGrpSpPr>
+        <p:cNvPr id="1" name=""/>
+        <p:cNvGrpSpPr/>
+        <p:nvPr/>
+      </p:nvGrpSpPr>
+      <p:grpSpPr>
+        <a:xfrm>
+          <a:off x="0" y="0"/>
+          <a:ext cx="0" cy="0"/>
+          <a:chOff x="0" y="0"/>
+          <a:chExt cx="0" cy="0"/>
+        </a:xfrm>
+      </p:grpSpPr>
+      <p:sp>
+        <p:nvSpPr>
+          <p:cNvPr id="2" name="Title 1">
+            <a:extLst>
+              <a:ext uri="{FF2B5EF4-FFF2-40B4-BE49-F238E27FC236}">
+                <a16:creationId xmlns:a16="http://schemas.microsoft.com/office/drawing/2014/main" id="{D0F0DCB9-7B0A-401A-963F-3A1C09E7B3DA}"/>
+              </a:ext>
+            </a:extLst>
+          </p:cNvPr>
+          <p:cNvSpPr>
+            <a:spLocks noGrp="1"/>
+          </p:cNvSpPr>
+          <p:nvPr>
+            <p:ph type="title"/>
+          </p:nvPr>
+        </p:nvSpPr>
+        <p:spPr/>
+        <p:txBody>
+          <a:bodyPr/>
+          <a:lstStyle/>
+          <a:p>
+            <a:r>
+              <a:rPr lang="en-US" dirty="0"/>
+              <a:t>Future Enhancements</a:t>
+            </a:r>
+          </a:p>
+        </p:txBody>
+      </p:sp>
+      <p:sp>
+        <p:nvSpPr>
+          <p:cNvPr id="3" name="Content Placeholder 2">
+            <a:extLst>
+              <a:ext uri="{FF2B5EF4-FFF2-40B4-BE49-F238E27FC236}">
+                <a16:creationId xmlns:a16="http://schemas.microsoft.com/office/drawing/2014/main" id="{0480BC22-BEE3-4E45-80F4-133E05736A9C}"/>
+              </a:ext>
+            </a:extLst>
+          </p:cNvPr>
+          <p:cNvSpPr>
+            <a:spLocks noGrp="1"/>
+          </p:cNvSpPr>
+          <p:nvPr>
+            <p:ph idx="1"/>
+          </p:nvPr>
+        </p:nvSpPr>
+        <p:spPr/>
+        <p:txBody>
+          <a:bodyPr/>
+          <a:lstStyle/>
+          <a:p>
+            <a:endParaRPr lang="en-US"/>
+          </a:p>
+        </p:txBody>
+      </p:sp>
+    </p:spTree>
+    <p:extLst>
+      <p:ext uri="{BB962C8B-B14F-4D97-AF65-F5344CB8AC3E}">
+        <p14:creationId xmlns:p14="http://schemas.microsoft.com/office/powerpoint/2010/main" val="736280371"/>
+      </p:ext>
+    </p:extLst>
+  </p:cSld>
+  <p:clrMapOvr>
+    <a:masterClrMapping/>
+  </p:clrMapOvr>
+</p:sld>
+</file>
+
+<file path=ppt/slides/slide12.xml><?xml version="1.0" encoding="utf-8"?>
+<p:sld xmlns:a="http://schemas.openxmlformats.org/drawingml/2006/main" xmlns:r="http://schemas.openxmlformats.org/officeDocument/2006/relationships" xmlns:p="http://schemas.openxmlformats.org/presentationml/2006/main">
+  <p:cSld>
+    <p:spTree>
+      <p:nvGrpSpPr>
+        <p:cNvPr id="1" name=""/>
+        <p:cNvGrpSpPr/>
+        <p:nvPr/>
+      </p:nvGrpSpPr>
+      <p:grpSpPr>
+        <a:xfrm>
+          <a:off x="0" y="0"/>
+          <a:ext cx="0" cy="0"/>
+          <a:chOff x="0" y="0"/>
+          <a:chExt cx="0" cy="0"/>
+        </a:xfrm>
+      </p:grpSpPr>
+      <p:sp>
+        <p:nvSpPr>
+          <p:cNvPr id="2" name="Title 1">
+            <a:extLst>
+              <a:ext uri="{FF2B5EF4-FFF2-40B4-BE49-F238E27FC236}">
+                <a16:creationId xmlns:a16="http://schemas.microsoft.com/office/drawing/2014/main" id="{D0F0DCB9-7B0A-401A-963F-3A1C09E7B3DA}"/>
+              </a:ext>
+            </a:extLst>
+          </p:cNvPr>
+          <p:cNvSpPr>
+            <a:spLocks noGrp="1"/>
+          </p:cNvSpPr>
+          <p:nvPr>
+            <p:ph type="title"/>
+          </p:nvPr>
+        </p:nvSpPr>
+        <p:spPr/>
+        <p:txBody>
+          <a:bodyPr/>
+          <a:lstStyle/>
+          <a:p>
+            <a:r>
+              <a:rPr lang="en-US" dirty="0"/>
+              <a:t>Questions</a:t>
+            </a:r>
+          </a:p>
+        </p:txBody>
+      </p:sp>
+      <p:sp>
+        <p:nvSpPr>
+          <p:cNvPr id="3" name="Content Placeholder 2">
+            <a:extLst>
+              <a:ext uri="{FF2B5EF4-FFF2-40B4-BE49-F238E27FC236}">
+                <a16:creationId xmlns:a16="http://schemas.microsoft.com/office/drawing/2014/main" id="{0480BC22-BEE3-4E45-80F4-133E05736A9C}"/>
+              </a:ext>
+            </a:extLst>
+          </p:cNvPr>
+          <p:cNvSpPr>
+            <a:spLocks noGrp="1"/>
+          </p:cNvSpPr>
+          <p:nvPr>
+            <p:ph idx="1"/>
+          </p:nvPr>
+        </p:nvSpPr>
+        <p:spPr/>
+        <p:txBody>
+          <a:bodyPr/>
+          <a:lstStyle/>
+          <a:p>
+            <a:endParaRPr lang="en-US"/>
+          </a:p>
+        </p:txBody>
+      </p:sp>
+    </p:spTree>
+    <p:extLst>
+      <p:ext uri="{BB962C8B-B14F-4D97-AF65-F5344CB8AC3E}">
+        <p14:creationId xmlns:p14="http://schemas.microsoft.com/office/powerpoint/2010/main" val="1099045539"/>
       </p:ext>
     </p:extLst>
   </p:cSld>
@@ -4043,10 +4846,103 @@
         </p:nvSpPr>
         <p:spPr/>
         <p:txBody>
-          <a:bodyPr/>
+          <a:bodyPr>
+            <a:normAutofit lnSpcReduction="10000"/>
+          </a:bodyPr>
           <a:lstStyle/>
           <a:p>
-            <a:endParaRPr lang="en-US"/>
+            <a:pPr marL="0" indent="0">
+              <a:buNone/>
+            </a:pPr>
+            <a:r>
+              <a:rPr lang="en-US" sz="2400" b="1" dirty="0">
+                <a:latin typeface="Rajdhani" panose="02000000000000000000" pitchFamily="2" charset="0"/>
+                <a:cs typeface="Rajdhani" panose="02000000000000000000" pitchFamily="2" charset="0"/>
+              </a:rPr>
+              <a:t>Problem</a:t>
+            </a:r>
+            <a:r>
+              <a:rPr lang="en-US" sz="2400" dirty="0"/>
+              <a:t>:</a:t>
+            </a:r>
+          </a:p>
+          <a:p>
+            <a:pPr marL="457200" lvl="1" indent="0">
+              <a:buNone/>
+            </a:pPr>
+            <a:r>
+              <a:rPr lang="en-US" sz="2000" dirty="0"/>
+              <a:t>&gt; Challenging to understand a network</a:t>
+            </a:r>
+          </a:p>
+          <a:p>
+            <a:pPr marL="457200" lvl="1" indent="0">
+              <a:buNone/>
+            </a:pPr>
+            <a:r>
+              <a:rPr lang="en-US" sz="2000" dirty="0"/>
+              <a:t>&gt; Learning PowerShell takes time</a:t>
+            </a:r>
+          </a:p>
+          <a:p>
+            <a:pPr marL="457200" lvl="1" indent="0">
+              <a:buNone/>
+            </a:pPr>
+            <a:r>
+              <a:rPr lang="en-US" sz="2000" dirty="0"/>
+              <a:t>&gt; Programs like NMAP are noisy</a:t>
+            </a:r>
+          </a:p>
+          <a:p>
+            <a:pPr marL="0" indent="0">
+              <a:buNone/>
+            </a:pPr>
+            <a:r>
+              <a:rPr lang="en-US" sz="2400" b="1" dirty="0">
+                <a:latin typeface="Rajdhani" panose="02000000000000000000" pitchFamily="2" charset="0"/>
+                <a:cs typeface="Rajdhani" panose="02000000000000000000" pitchFamily="2" charset="0"/>
+              </a:rPr>
+              <a:t>Solution:</a:t>
+            </a:r>
+          </a:p>
+          <a:p>
+            <a:pPr marL="457200" lvl="1" indent="0">
+              <a:buNone/>
+            </a:pPr>
+            <a:r>
+              <a:rPr lang="en-US" sz="2000" dirty="0"/>
+              <a:t>&gt; Visual representations</a:t>
+            </a:r>
+          </a:p>
+          <a:p>
+            <a:pPr marL="457200" lvl="1" indent="0">
+              <a:buNone/>
+            </a:pPr>
+            <a:r>
+              <a:rPr lang="en-US" sz="2000" dirty="0"/>
+              <a:t>&gt; Easy to use with a PowerShell backend</a:t>
+            </a:r>
+          </a:p>
+          <a:p>
+            <a:pPr marL="457200" lvl="1" indent="0">
+              <a:buNone/>
+            </a:pPr>
+            <a:r>
+              <a:rPr lang="en-US" sz="2000" dirty="0"/>
+              <a:t>&gt; No elevated privileges required</a:t>
+            </a:r>
+          </a:p>
+          <a:p>
+            <a:pPr marL="0" indent="0">
+              <a:buNone/>
+            </a:pPr>
+            <a:endParaRPr lang="en-US" sz="2400" b="1" dirty="0">
+              <a:latin typeface="Rajdhani" panose="02000000000000000000" pitchFamily="2" charset="0"/>
+              <a:cs typeface="Rajdhani" panose="02000000000000000000" pitchFamily="2" charset="0"/>
+            </a:endParaRPr>
+          </a:p>
+          <a:p>
+            <a:endParaRPr lang="en-US" dirty="0"/>
           </a:p>
         </p:txBody>
       </p:sp>
@@ -4129,7 +5025,7 @@
           <a:bodyPr/>
           <a:lstStyle/>
           <a:p>
-            <a:endParaRPr lang="en-US"/>
+            <a:endParaRPr lang="en-US" dirty="0"/>
           </a:p>
         </p:txBody>
       </p:sp>
@@ -4137,6 +5033,938 @@
     <p:extLst>
       <p:ext uri="{BB962C8B-B14F-4D97-AF65-F5344CB8AC3E}">
         <p14:creationId xmlns:p14="http://schemas.microsoft.com/office/powerpoint/2010/main" val="3183227211"/>
+      </p:ext>
+    </p:extLst>
+  </p:cSld>
+  <p:clrMapOvr>
+    <a:masterClrMapping/>
+  </p:clrMapOvr>
+</p:sld>
+</file>
+
+<file path=ppt/slides/slide4.xml><?xml version="1.0" encoding="utf-8"?>
+<p:sld xmlns:a="http://schemas.openxmlformats.org/drawingml/2006/main" xmlns:r="http://schemas.openxmlformats.org/officeDocument/2006/relationships" xmlns:p="http://schemas.openxmlformats.org/presentationml/2006/main">
+  <p:cSld>
+    <p:spTree>
+      <p:nvGrpSpPr>
+        <p:cNvPr id="1" name=""/>
+        <p:cNvGrpSpPr/>
+        <p:nvPr/>
+      </p:nvGrpSpPr>
+      <p:grpSpPr>
+        <a:xfrm>
+          <a:off x="0" y="0"/>
+          <a:ext cx="0" cy="0"/>
+          <a:chOff x="0" y="0"/>
+          <a:chExt cx="0" cy="0"/>
+        </a:xfrm>
+      </p:grpSpPr>
+      <p:sp>
+        <p:nvSpPr>
+          <p:cNvPr id="2" name="Title 1">
+            <a:extLst>
+              <a:ext uri="{FF2B5EF4-FFF2-40B4-BE49-F238E27FC236}">
+                <a16:creationId xmlns:a16="http://schemas.microsoft.com/office/drawing/2014/main" id="{ACAA7348-24BE-6546-0061-8C044ADC1A97}"/>
+              </a:ext>
+            </a:extLst>
+          </p:cNvPr>
+          <p:cNvSpPr>
+            <a:spLocks noGrp="1"/>
+          </p:cNvSpPr>
+          <p:nvPr>
+            <p:ph type="title"/>
+          </p:nvPr>
+        </p:nvSpPr>
+        <p:spPr/>
+        <p:txBody>
+          <a:bodyPr/>
+          <a:lstStyle/>
+          <a:p>
+            <a:r>
+              <a:rPr lang="en-US" dirty="0"/>
+              <a:t>Languages, Software, Hardware</a:t>
+            </a:r>
+          </a:p>
+        </p:txBody>
+      </p:sp>
+      <p:sp>
+        <p:nvSpPr>
+          <p:cNvPr id="3" name="Content Placeholder 2">
+            <a:extLst>
+              <a:ext uri="{FF2B5EF4-FFF2-40B4-BE49-F238E27FC236}">
+                <a16:creationId xmlns:a16="http://schemas.microsoft.com/office/drawing/2014/main" id="{8A5C68AF-2055-CAA1-3717-B93556D1C113}"/>
+              </a:ext>
+            </a:extLst>
+          </p:cNvPr>
+          <p:cNvSpPr>
+            <a:spLocks noGrp="1"/>
+          </p:cNvSpPr>
+          <p:nvPr>
+            <p:ph idx="1"/>
+          </p:nvPr>
+        </p:nvSpPr>
+        <p:spPr>
+          <a:xfrm>
+            <a:off x="1174750" y="1189831"/>
+            <a:ext cx="9842500" cy="5240234"/>
+          </a:xfrm>
+        </p:spPr>
+        <p:txBody>
+          <a:bodyPr>
+            <a:normAutofit/>
+          </a:bodyPr>
+          <a:lstStyle/>
+          <a:p>
+            <a:pPr marL="457200" lvl="1" indent="0">
+              <a:lnSpc>
+                <a:spcPct val="250000"/>
+              </a:lnSpc>
+              <a:buNone/>
+            </a:pPr>
+            <a:r>
+              <a:rPr lang="en-US" dirty="0"/>
+              <a:t>Electron		Cross-platform desktop app framework	</a:t>
+            </a:r>
+          </a:p>
+          <a:p>
+            <a:pPr marL="457200" lvl="1" indent="0">
+              <a:lnSpc>
+                <a:spcPct val="250000"/>
+              </a:lnSpc>
+              <a:buNone/>
+            </a:pPr>
+            <a:r>
+              <a:rPr lang="en-US" dirty="0"/>
+              <a:t>Node.js		Backend logic and PowerShell integration	</a:t>
+            </a:r>
+          </a:p>
+          <a:p>
+            <a:pPr marL="457200" lvl="1" indent="0">
+              <a:lnSpc>
+                <a:spcPct val="250000"/>
+              </a:lnSpc>
+              <a:buNone/>
+            </a:pPr>
+            <a:r>
+              <a:rPr lang="en-US" dirty="0"/>
+              <a:t>JavaScript	Back end PowerShell output processing	</a:t>
+            </a:r>
+          </a:p>
+          <a:p>
+            <a:pPr marL="457200" lvl="1" indent="0">
+              <a:lnSpc>
+                <a:spcPct val="250000"/>
+              </a:lnSpc>
+              <a:buNone/>
+            </a:pPr>
+            <a:r>
+              <a:rPr lang="en-US" dirty="0"/>
+              <a:t>PowerShell	Executes diagnostic commands		</a:t>
+            </a:r>
+          </a:p>
+          <a:p>
+            <a:pPr marL="457200" lvl="1" indent="0">
+              <a:lnSpc>
+                <a:spcPct val="250000"/>
+              </a:lnSpc>
+              <a:buNone/>
+            </a:pPr>
+            <a:r>
+              <a:rPr lang="en-US" dirty="0"/>
+              <a:t>HTML/CSS	Front-end layout and interactivity	</a:t>
+            </a:r>
+            <a:r>
+              <a:rPr lang="en-US" sz="2000" dirty="0"/>
+              <a:t>	</a:t>
+            </a:r>
+          </a:p>
+        </p:txBody>
+      </p:sp>
+      <p:pic>
+        <p:nvPicPr>
+          <p:cNvPr id="1026" name="Picture 2" descr="Electron&quot; Icon - Download for free – Iconduck">
+            <a:extLst>
+              <a:ext uri="{FF2B5EF4-FFF2-40B4-BE49-F238E27FC236}">
+                <a16:creationId xmlns:a16="http://schemas.microsoft.com/office/drawing/2014/main" id="{8698A5CF-46AD-46F0-B656-A1057B33F69A}"/>
+              </a:ext>
+            </a:extLst>
+          </p:cNvPr>
+          <p:cNvPicPr>
+            <a:picLocks noChangeAspect="1" noChangeArrowheads="1"/>
+          </p:cNvPicPr>
+          <p:nvPr/>
+        </p:nvPicPr>
+        <p:blipFill>
+          <a:blip r:embed="rId2">
+            <a:extLst>
+              <a:ext uri="{28A0092B-C50C-407E-A947-70E740481C1C}">
+                <a14:useLocalDpi xmlns:a14="http://schemas.microsoft.com/office/drawing/2010/main" val="0"/>
+              </a:ext>
+            </a:extLst>
+          </a:blip>
+          <a:srcRect/>
+          <a:stretch>
+            <a:fillRect/>
+          </a:stretch>
+        </p:blipFill>
+        <p:spPr bwMode="auto">
+          <a:xfrm>
+            <a:off x="908050" y="1477250"/>
+            <a:ext cx="533400" cy="578240"/>
+          </a:xfrm>
+          <a:prstGeom prst="rect">
+            <a:avLst/>
+          </a:prstGeom>
+          <a:noFill/>
+          <a:extLst>
+            <a:ext uri="{909E8E84-426E-40DD-AFC4-6F175D3DCCD1}">
+              <a14:hiddenFill xmlns:a14="http://schemas.microsoft.com/office/drawing/2010/main">
+                <a:solidFill>
+                  <a:srgbClr val="FFFFFF"/>
+                </a:solidFill>
+              </a14:hiddenFill>
+            </a:ext>
+          </a:extLst>
+        </p:spPr>
+      </p:pic>
+      <p:pic>
+        <p:nvPicPr>
+          <p:cNvPr id="1028" name="Picture 4" descr="Node.js&quot; Icon - Download for free – Iconduck">
+            <a:extLst>
+              <a:ext uri="{FF2B5EF4-FFF2-40B4-BE49-F238E27FC236}">
+                <a16:creationId xmlns:a16="http://schemas.microsoft.com/office/drawing/2014/main" id="{F9966EBA-F6BA-4F00-BD7A-226326942F04}"/>
+              </a:ext>
+            </a:extLst>
+          </p:cNvPr>
+          <p:cNvPicPr>
+            <a:picLocks noChangeAspect="1" noChangeArrowheads="1"/>
+          </p:cNvPicPr>
+          <p:nvPr/>
+        </p:nvPicPr>
+        <p:blipFill>
+          <a:blip r:embed="rId3">
+            <a:extLst>
+              <a:ext uri="{28A0092B-C50C-407E-A947-70E740481C1C}">
+                <a14:useLocalDpi xmlns:a14="http://schemas.microsoft.com/office/drawing/2010/main" val="0"/>
+              </a:ext>
+            </a:extLst>
+          </a:blip>
+          <a:srcRect/>
+          <a:stretch>
+            <a:fillRect/>
+          </a:stretch>
+        </p:blipFill>
+        <p:spPr bwMode="auto">
+          <a:xfrm>
+            <a:off x="908050" y="2456775"/>
+            <a:ext cx="549778" cy="619630"/>
+          </a:xfrm>
+          <a:prstGeom prst="rect">
+            <a:avLst/>
+          </a:prstGeom>
+          <a:noFill/>
+          <a:extLst>
+            <a:ext uri="{909E8E84-426E-40DD-AFC4-6F175D3DCCD1}">
+              <a14:hiddenFill xmlns:a14="http://schemas.microsoft.com/office/drawing/2010/main">
+                <a:solidFill>
+                  <a:srgbClr val="FFFFFF"/>
+                </a:solidFill>
+              </a14:hiddenFill>
+            </a:ext>
+          </a:extLst>
+        </p:spPr>
+      </p:pic>
+      <p:pic>
+        <p:nvPicPr>
+          <p:cNvPr id="1034" name="Picture 10" descr="Javascript icons for free download | Freepik">
+            <a:extLst>
+              <a:ext uri="{FF2B5EF4-FFF2-40B4-BE49-F238E27FC236}">
+                <a16:creationId xmlns:a16="http://schemas.microsoft.com/office/drawing/2014/main" id="{F6F85FD2-4B1F-4EA8-891F-9E62250AFEE8}"/>
+              </a:ext>
+            </a:extLst>
+          </p:cNvPr>
+          <p:cNvPicPr>
+            <a:picLocks noChangeAspect="1" noChangeArrowheads="1"/>
+          </p:cNvPicPr>
+          <p:nvPr/>
+        </p:nvPicPr>
+        <p:blipFill>
+          <a:blip r:embed="rId4">
+            <a:extLst>
+              <a:ext uri="{28A0092B-C50C-407E-A947-70E740481C1C}">
+                <a14:useLocalDpi xmlns:a14="http://schemas.microsoft.com/office/drawing/2010/main" val="0"/>
+              </a:ext>
+            </a:extLst>
+          </a:blip>
+          <a:srcRect/>
+          <a:stretch>
+            <a:fillRect/>
+          </a:stretch>
+        </p:blipFill>
+        <p:spPr bwMode="auto">
+          <a:xfrm>
+            <a:off x="916239" y="3504447"/>
+            <a:ext cx="533400" cy="533400"/>
+          </a:xfrm>
+          <a:prstGeom prst="rect">
+            <a:avLst/>
+          </a:prstGeom>
+          <a:noFill/>
+          <a:extLst>
+            <a:ext uri="{909E8E84-426E-40DD-AFC4-6F175D3DCCD1}">
+              <a14:hiddenFill xmlns:a14="http://schemas.microsoft.com/office/drawing/2010/main">
+                <a:solidFill>
+                  <a:srgbClr val="FFFFFF"/>
+                </a:solidFill>
+              </a14:hiddenFill>
+            </a:ext>
+          </a:extLst>
+        </p:spPr>
+      </p:pic>
+      <p:pic>
+        <p:nvPicPr>
+          <p:cNvPr id="1036" name="Picture 12">
+            <a:extLst>
+              <a:ext uri="{FF2B5EF4-FFF2-40B4-BE49-F238E27FC236}">
+                <a16:creationId xmlns:a16="http://schemas.microsoft.com/office/drawing/2014/main" id="{C5BCD90C-ED68-47FA-9373-8810A71BCEA1}"/>
+              </a:ext>
+            </a:extLst>
+          </p:cNvPr>
+          <p:cNvPicPr>
+            <a:picLocks noChangeAspect="1" noChangeArrowheads="1"/>
+          </p:cNvPicPr>
+          <p:nvPr/>
+        </p:nvPicPr>
+        <p:blipFill>
+          <a:blip r:embed="rId5">
+            <a:extLst>
+              <a:ext uri="{28A0092B-C50C-407E-A947-70E740481C1C}">
+                <a14:useLocalDpi xmlns:a14="http://schemas.microsoft.com/office/drawing/2010/main" val="0"/>
+              </a:ext>
+            </a:extLst>
+          </a:blip>
+          <a:srcRect/>
+          <a:stretch>
+            <a:fillRect/>
+          </a:stretch>
+        </p:blipFill>
+        <p:spPr bwMode="auto">
+          <a:xfrm>
+            <a:off x="836604" y="4482024"/>
+            <a:ext cx="617546" cy="617546"/>
+          </a:xfrm>
+          <a:prstGeom prst="rect">
+            <a:avLst/>
+          </a:prstGeom>
+          <a:noFill/>
+          <a:extLst>
+            <a:ext uri="{909E8E84-426E-40DD-AFC4-6F175D3DCCD1}">
+              <a14:hiddenFill xmlns:a14="http://schemas.microsoft.com/office/drawing/2010/main">
+                <a:solidFill>
+                  <a:srgbClr val="FFFFFF"/>
+                </a:solidFill>
+              </a14:hiddenFill>
+            </a:ext>
+          </a:extLst>
+        </p:spPr>
+      </p:pic>
+      <p:pic>
+        <p:nvPicPr>
+          <p:cNvPr id="1044" name="Picture 20" descr="Other html 5 Icon | Plex Iconpack | Cornmanthe3rd">
+            <a:extLst>
+              <a:ext uri="{FF2B5EF4-FFF2-40B4-BE49-F238E27FC236}">
+                <a16:creationId xmlns:a16="http://schemas.microsoft.com/office/drawing/2014/main" id="{74AA4E9E-2648-41B6-8B44-09C29A052376}"/>
+              </a:ext>
+            </a:extLst>
+          </p:cNvPr>
+          <p:cNvPicPr>
+            <a:picLocks noChangeAspect="1" noChangeArrowheads="1"/>
+          </p:cNvPicPr>
+          <p:nvPr/>
+        </p:nvPicPr>
+        <p:blipFill>
+          <a:blip r:embed="rId6">
+            <a:extLst>
+              <a:ext uri="{28A0092B-C50C-407E-A947-70E740481C1C}">
+                <a14:useLocalDpi xmlns:a14="http://schemas.microsoft.com/office/drawing/2010/main" val="0"/>
+              </a:ext>
+            </a:extLst>
+          </a:blip>
+          <a:srcRect/>
+          <a:stretch>
+            <a:fillRect/>
+          </a:stretch>
+        </p:blipFill>
+        <p:spPr bwMode="auto">
+          <a:xfrm>
+            <a:off x="822507" y="5304277"/>
+            <a:ext cx="720864" cy="720864"/>
+          </a:xfrm>
+          <a:prstGeom prst="rect">
+            <a:avLst/>
+          </a:prstGeom>
+          <a:noFill/>
+          <a:extLst>
+            <a:ext uri="{909E8E84-426E-40DD-AFC4-6F175D3DCCD1}">
+              <a14:hiddenFill xmlns:a14="http://schemas.microsoft.com/office/drawing/2010/main">
+                <a:solidFill>
+                  <a:srgbClr val="FFFFFF"/>
+                </a:solidFill>
+              </a14:hiddenFill>
+            </a:ext>
+          </a:extLst>
+        </p:spPr>
+      </p:pic>
+    </p:spTree>
+    <p:extLst>
+      <p:ext uri="{BB962C8B-B14F-4D97-AF65-F5344CB8AC3E}">
+        <p14:creationId xmlns:p14="http://schemas.microsoft.com/office/powerpoint/2010/main" val="3280746969"/>
+      </p:ext>
+    </p:extLst>
+  </p:cSld>
+  <p:clrMapOvr>
+    <a:masterClrMapping/>
+  </p:clrMapOvr>
+</p:sld>
+</file>
+
+<file path=ppt/slides/slide5.xml><?xml version="1.0" encoding="utf-8"?>
+<p:sld xmlns:a="http://schemas.openxmlformats.org/drawingml/2006/main" xmlns:r="http://schemas.openxmlformats.org/officeDocument/2006/relationships" xmlns:p="http://schemas.openxmlformats.org/presentationml/2006/main">
+  <p:cSld>
+    <p:spTree>
+      <p:nvGrpSpPr>
+        <p:cNvPr id="1" name=""/>
+        <p:cNvGrpSpPr/>
+        <p:nvPr/>
+      </p:nvGrpSpPr>
+      <p:grpSpPr>
+        <a:xfrm>
+          <a:off x="0" y="0"/>
+          <a:ext cx="0" cy="0"/>
+          <a:chOff x="0" y="0"/>
+          <a:chExt cx="0" cy="0"/>
+        </a:xfrm>
+      </p:grpSpPr>
+      <p:sp>
+        <p:nvSpPr>
+          <p:cNvPr id="2" name="Title 1">
+            <a:extLst>
+              <a:ext uri="{FF2B5EF4-FFF2-40B4-BE49-F238E27FC236}">
+                <a16:creationId xmlns:a16="http://schemas.microsoft.com/office/drawing/2014/main" id="{ACAA7348-24BE-6546-0061-8C044ADC1A97}"/>
+              </a:ext>
+            </a:extLst>
+          </p:cNvPr>
+          <p:cNvSpPr>
+            <a:spLocks noGrp="1"/>
+          </p:cNvSpPr>
+          <p:nvPr>
+            <p:ph type="title"/>
+          </p:nvPr>
+        </p:nvSpPr>
+        <p:spPr/>
+        <p:txBody>
+          <a:bodyPr/>
+          <a:lstStyle/>
+          <a:p>
+            <a:r>
+              <a:rPr lang="en-US" dirty="0"/>
+              <a:t>Requirements</a:t>
+            </a:r>
+          </a:p>
+        </p:txBody>
+      </p:sp>
+      <p:sp>
+        <p:nvSpPr>
+          <p:cNvPr id="3" name="Content Placeholder 2">
+            <a:extLst>
+              <a:ext uri="{FF2B5EF4-FFF2-40B4-BE49-F238E27FC236}">
+                <a16:creationId xmlns:a16="http://schemas.microsoft.com/office/drawing/2014/main" id="{8A5C68AF-2055-CAA1-3717-B93556D1C113}"/>
+              </a:ext>
+            </a:extLst>
+          </p:cNvPr>
+          <p:cNvSpPr>
+            <a:spLocks noGrp="1"/>
+          </p:cNvSpPr>
+          <p:nvPr>
+            <p:ph idx="1"/>
+          </p:nvPr>
+        </p:nvSpPr>
+        <p:spPr/>
+        <p:txBody>
+          <a:bodyPr/>
+          <a:lstStyle/>
+          <a:p>
+            <a:endParaRPr lang="en-US"/>
+          </a:p>
+        </p:txBody>
+      </p:sp>
+    </p:spTree>
+    <p:extLst>
+      <p:ext uri="{BB962C8B-B14F-4D97-AF65-F5344CB8AC3E}">
+        <p14:creationId xmlns:p14="http://schemas.microsoft.com/office/powerpoint/2010/main" val="1317941096"/>
+      </p:ext>
+    </p:extLst>
+  </p:cSld>
+  <p:clrMapOvr>
+    <a:masterClrMapping/>
+  </p:clrMapOvr>
+</p:sld>
+</file>
+
+<file path=ppt/slides/slide6.xml><?xml version="1.0" encoding="utf-8"?>
+<p:sld xmlns:a="http://schemas.openxmlformats.org/drawingml/2006/main" xmlns:r="http://schemas.openxmlformats.org/officeDocument/2006/relationships" xmlns:p="http://schemas.openxmlformats.org/presentationml/2006/main">
+  <p:cSld>
+    <p:spTree>
+      <p:nvGrpSpPr>
+        <p:cNvPr id="1" name=""/>
+        <p:cNvGrpSpPr/>
+        <p:nvPr/>
+      </p:nvGrpSpPr>
+      <p:grpSpPr>
+        <a:xfrm>
+          <a:off x="0" y="0"/>
+          <a:ext cx="0" cy="0"/>
+          <a:chOff x="0" y="0"/>
+          <a:chExt cx="0" cy="0"/>
+        </a:xfrm>
+      </p:grpSpPr>
+      <p:sp>
+        <p:nvSpPr>
+          <p:cNvPr id="2" name="Title 1">
+            <a:extLst>
+              <a:ext uri="{FF2B5EF4-FFF2-40B4-BE49-F238E27FC236}">
+                <a16:creationId xmlns:a16="http://schemas.microsoft.com/office/drawing/2014/main" id="{D0F0DCB9-7B0A-401A-963F-3A1C09E7B3DA}"/>
+              </a:ext>
+            </a:extLst>
+          </p:cNvPr>
+          <p:cNvSpPr>
+            <a:spLocks noGrp="1"/>
+          </p:cNvSpPr>
+          <p:nvPr>
+            <p:ph type="title"/>
+          </p:nvPr>
+        </p:nvSpPr>
+        <p:spPr/>
+        <p:txBody>
+          <a:bodyPr/>
+          <a:lstStyle/>
+          <a:p>
+            <a:r>
+              <a:rPr lang="en-US" dirty="0"/>
+              <a:t>Implementation Description</a:t>
+            </a:r>
+          </a:p>
+        </p:txBody>
+      </p:sp>
+      <p:sp>
+        <p:nvSpPr>
+          <p:cNvPr id="3" name="Content Placeholder 2">
+            <a:extLst>
+              <a:ext uri="{FF2B5EF4-FFF2-40B4-BE49-F238E27FC236}">
+                <a16:creationId xmlns:a16="http://schemas.microsoft.com/office/drawing/2014/main" id="{0480BC22-BEE3-4E45-80F4-133E05736A9C}"/>
+              </a:ext>
+            </a:extLst>
+          </p:cNvPr>
+          <p:cNvSpPr>
+            <a:spLocks noGrp="1"/>
+          </p:cNvSpPr>
+          <p:nvPr>
+            <p:ph idx="1"/>
+          </p:nvPr>
+        </p:nvSpPr>
+        <p:spPr/>
+        <p:txBody>
+          <a:bodyPr/>
+          <a:lstStyle/>
+          <a:p>
+            <a:endParaRPr lang="en-US" dirty="0"/>
+          </a:p>
+        </p:txBody>
+      </p:sp>
+    </p:spTree>
+    <p:extLst>
+      <p:ext uri="{BB962C8B-B14F-4D97-AF65-F5344CB8AC3E}">
+        <p14:creationId xmlns:p14="http://schemas.microsoft.com/office/powerpoint/2010/main" val="3440811553"/>
+      </p:ext>
+    </p:extLst>
+  </p:cSld>
+  <p:clrMapOvr>
+    <a:masterClrMapping/>
+  </p:clrMapOvr>
+</p:sld>
+</file>
+
+<file path=ppt/slides/slide7.xml><?xml version="1.0" encoding="utf-8"?>
+<p:sld xmlns:a="http://schemas.openxmlformats.org/drawingml/2006/main" xmlns:r="http://schemas.openxmlformats.org/officeDocument/2006/relationships" xmlns:p="http://schemas.openxmlformats.org/presentationml/2006/main">
+  <p:cSld>
+    <p:spTree>
+      <p:nvGrpSpPr>
+        <p:cNvPr id="1" name=""/>
+        <p:cNvGrpSpPr/>
+        <p:nvPr/>
+      </p:nvGrpSpPr>
+      <p:grpSpPr>
+        <a:xfrm>
+          <a:off x="0" y="0"/>
+          <a:ext cx="0" cy="0"/>
+          <a:chOff x="0" y="0"/>
+          <a:chExt cx="0" cy="0"/>
+        </a:xfrm>
+      </p:grpSpPr>
+      <p:sp>
+        <p:nvSpPr>
+          <p:cNvPr id="2" name="Title 1">
+            <a:extLst>
+              <a:ext uri="{FF2B5EF4-FFF2-40B4-BE49-F238E27FC236}">
+                <a16:creationId xmlns:a16="http://schemas.microsoft.com/office/drawing/2014/main" id="{D0F0DCB9-7B0A-401A-963F-3A1C09E7B3DA}"/>
+              </a:ext>
+            </a:extLst>
+          </p:cNvPr>
+          <p:cNvSpPr>
+            <a:spLocks noGrp="1"/>
+          </p:cNvSpPr>
+          <p:nvPr>
+            <p:ph type="title"/>
+          </p:nvPr>
+        </p:nvSpPr>
+        <p:spPr/>
+        <p:txBody>
+          <a:bodyPr/>
+          <a:lstStyle/>
+          <a:p>
+            <a:r>
+              <a:rPr lang="en-US" dirty="0"/>
+              <a:t>Project Demo</a:t>
+            </a:r>
+          </a:p>
+        </p:txBody>
+      </p:sp>
+      <p:sp>
+        <p:nvSpPr>
+          <p:cNvPr id="3" name="Content Placeholder 2">
+            <a:extLst>
+              <a:ext uri="{FF2B5EF4-FFF2-40B4-BE49-F238E27FC236}">
+                <a16:creationId xmlns:a16="http://schemas.microsoft.com/office/drawing/2014/main" id="{0480BC22-BEE3-4E45-80F4-133E05736A9C}"/>
+              </a:ext>
+            </a:extLst>
+          </p:cNvPr>
+          <p:cNvSpPr>
+            <a:spLocks noGrp="1"/>
+          </p:cNvSpPr>
+          <p:nvPr>
+            <p:ph idx="1"/>
+          </p:nvPr>
+        </p:nvSpPr>
+        <p:spPr/>
+        <p:txBody>
+          <a:bodyPr anchor="ctr">
+            <a:normAutofit/>
+          </a:bodyPr>
+          <a:lstStyle/>
+          <a:p>
+            <a:pPr marL="0" indent="0" algn="ctr">
+              <a:buNone/>
+            </a:pPr>
+            <a:r>
+              <a:rPr lang="en-US" sz="4000" dirty="0"/>
+              <a:t>Demo</a:t>
+            </a:r>
+          </a:p>
+        </p:txBody>
+      </p:sp>
+    </p:spTree>
+    <p:extLst>
+      <p:ext uri="{BB962C8B-B14F-4D97-AF65-F5344CB8AC3E}">
+        <p14:creationId xmlns:p14="http://schemas.microsoft.com/office/powerpoint/2010/main" val="3850151476"/>
+      </p:ext>
+    </p:extLst>
+  </p:cSld>
+  <p:clrMapOvr>
+    <a:masterClrMapping/>
+  </p:clrMapOvr>
+</p:sld>
+</file>
+
+<file path=ppt/slides/slide8.xml><?xml version="1.0" encoding="utf-8"?>
+<p:sld xmlns:a="http://schemas.openxmlformats.org/drawingml/2006/main" xmlns:r="http://schemas.openxmlformats.org/officeDocument/2006/relationships" xmlns:p="http://schemas.openxmlformats.org/presentationml/2006/main">
+  <p:cSld>
+    <p:spTree>
+      <p:nvGrpSpPr>
+        <p:cNvPr id="1" name=""/>
+        <p:cNvGrpSpPr/>
+        <p:nvPr/>
+      </p:nvGrpSpPr>
+      <p:grpSpPr>
+        <a:xfrm>
+          <a:off x="0" y="0"/>
+          <a:ext cx="0" cy="0"/>
+          <a:chOff x="0" y="0"/>
+          <a:chExt cx="0" cy="0"/>
+        </a:xfrm>
+      </p:grpSpPr>
+      <p:sp>
+        <p:nvSpPr>
+          <p:cNvPr id="2" name="Title 1">
+            <a:extLst>
+              <a:ext uri="{FF2B5EF4-FFF2-40B4-BE49-F238E27FC236}">
+                <a16:creationId xmlns:a16="http://schemas.microsoft.com/office/drawing/2014/main" id="{D0F0DCB9-7B0A-401A-963F-3A1C09E7B3DA}"/>
+              </a:ext>
+            </a:extLst>
+          </p:cNvPr>
+          <p:cNvSpPr>
+            <a:spLocks noGrp="1"/>
+          </p:cNvSpPr>
+          <p:nvPr>
+            <p:ph type="title"/>
+          </p:nvPr>
+        </p:nvSpPr>
+        <p:spPr/>
+        <p:txBody>
+          <a:bodyPr/>
+          <a:lstStyle/>
+          <a:p>
+            <a:r>
+              <a:rPr lang="en-US" dirty="0"/>
+              <a:t>Test Plan</a:t>
+            </a:r>
+          </a:p>
+        </p:txBody>
+      </p:sp>
+      <p:sp>
+        <p:nvSpPr>
+          <p:cNvPr id="3" name="Content Placeholder 2">
+            <a:extLst>
+              <a:ext uri="{FF2B5EF4-FFF2-40B4-BE49-F238E27FC236}">
+                <a16:creationId xmlns:a16="http://schemas.microsoft.com/office/drawing/2014/main" id="{0480BC22-BEE3-4E45-80F4-133E05736A9C}"/>
+              </a:ext>
+            </a:extLst>
+          </p:cNvPr>
+          <p:cNvSpPr>
+            <a:spLocks noGrp="1"/>
+          </p:cNvSpPr>
+          <p:nvPr>
+            <p:ph idx="1"/>
+          </p:nvPr>
+        </p:nvSpPr>
+        <p:spPr/>
+        <p:txBody>
+          <a:bodyPr/>
+          <a:lstStyle/>
+          <a:p>
+            <a:pPr marL="0" indent="0">
+              <a:buNone/>
+            </a:pPr>
+            <a:r>
+              <a:rPr lang="en-US" dirty="0"/>
+              <a:t>Objectives</a:t>
+            </a:r>
+          </a:p>
+          <a:p>
+            <a:pPr marL="0" indent="0">
+              <a:buNone/>
+            </a:pPr>
+            <a:r>
+              <a:rPr lang="en-US" sz="2400" dirty="0"/>
+              <a:t>	&gt; No bugs / glitches</a:t>
+            </a:r>
+          </a:p>
+          <a:p>
+            <a:pPr marL="0" indent="0">
+              <a:buNone/>
+            </a:pPr>
+            <a:r>
+              <a:rPr lang="en-US" sz="2400" dirty="0"/>
+              <a:t>	&gt; Input validation</a:t>
+            </a:r>
+          </a:p>
+          <a:p>
+            <a:pPr marL="0" indent="0">
+              <a:buNone/>
+            </a:pPr>
+            <a:r>
+              <a:rPr lang="en-US" sz="2400" dirty="0"/>
+              <a:t>	&gt; Accurate results</a:t>
+            </a:r>
+          </a:p>
+          <a:p>
+            <a:pPr marL="0" indent="0">
+              <a:buNone/>
+            </a:pPr>
+            <a:r>
+              <a:rPr lang="en-US" sz="2400" dirty="0"/>
+              <a:t>	&gt; Functional on various networks</a:t>
+            </a:r>
+          </a:p>
+          <a:p>
+            <a:pPr marL="0" indent="0">
+              <a:buNone/>
+            </a:pPr>
+            <a:r>
+              <a:rPr lang="en-US" sz="2400" dirty="0"/>
+              <a:t>	&gt; Peer feedback</a:t>
+            </a:r>
+          </a:p>
+        </p:txBody>
+      </p:sp>
+    </p:spTree>
+    <p:extLst>
+      <p:ext uri="{BB962C8B-B14F-4D97-AF65-F5344CB8AC3E}">
+        <p14:creationId xmlns:p14="http://schemas.microsoft.com/office/powerpoint/2010/main" val="3626322692"/>
+      </p:ext>
+    </p:extLst>
+  </p:cSld>
+  <p:clrMapOvr>
+    <a:masterClrMapping/>
+  </p:clrMapOvr>
+</p:sld>
+</file>
+
+<file path=ppt/slides/slide9.xml><?xml version="1.0" encoding="utf-8"?>
+<p:sld xmlns:a="http://schemas.openxmlformats.org/drawingml/2006/main" xmlns:r="http://schemas.openxmlformats.org/officeDocument/2006/relationships" xmlns:p="http://schemas.openxmlformats.org/presentationml/2006/main">
+  <p:cSld>
+    <p:spTree>
+      <p:nvGrpSpPr>
+        <p:cNvPr id="1" name=""/>
+        <p:cNvGrpSpPr/>
+        <p:nvPr/>
+      </p:nvGrpSpPr>
+      <p:grpSpPr>
+        <a:xfrm>
+          <a:off x="0" y="0"/>
+          <a:ext cx="0" cy="0"/>
+          <a:chOff x="0" y="0"/>
+          <a:chExt cx="0" cy="0"/>
+        </a:xfrm>
+      </p:grpSpPr>
+      <p:sp>
+        <p:nvSpPr>
+          <p:cNvPr id="2" name="Title 1">
+            <a:extLst>
+              <a:ext uri="{FF2B5EF4-FFF2-40B4-BE49-F238E27FC236}">
+                <a16:creationId xmlns:a16="http://schemas.microsoft.com/office/drawing/2014/main" id="{D0F0DCB9-7B0A-401A-963F-3A1C09E7B3DA}"/>
+              </a:ext>
+            </a:extLst>
+          </p:cNvPr>
+          <p:cNvSpPr>
+            <a:spLocks noGrp="1"/>
+          </p:cNvSpPr>
+          <p:nvPr>
+            <p:ph type="title"/>
+          </p:nvPr>
+        </p:nvSpPr>
+        <p:spPr/>
+        <p:txBody>
+          <a:bodyPr/>
+          <a:lstStyle/>
+          <a:p>
+            <a:r>
+              <a:rPr lang="en-US" dirty="0"/>
+              <a:t>Test Results</a:t>
+            </a:r>
+          </a:p>
+        </p:txBody>
+      </p:sp>
+      <p:sp>
+        <p:nvSpPr>
+          <p:cNvPr id="3" name="Content Placeholder 2">
+            <a:extLst>
+              <a:ext uri="{FF2B5EF4-FFF2-40B4-BE49-F238E27FC236}">
+                <a16:creationId xmlns:a16="http://schemas.microsoft.com/office/drawing/2014/main" id="{0480BC22-BEE3-4E45-80F4-133E05736A9C}"/>
+              </a:ext>
+            </a:extLst>
+          </p:cNvPr>
+          <p:cNvSpPr>
+            <a:spLocks noGrp="1"/>
+          </p:cNvSpPr>
+          <p:nvPr>
+            <p:ph idx="1"/>
+          </p:nvPr>
+        </p:nvSpPr>
+        <p:spPr>
+          <a:xfrm>
+            <a:off x="838200" y="1253330"/>
+            <a:ext cx="10515600" cy="5007769"/>
+          </a:xfrm>
+        </p:spPr>
+        <p:txBody>
+          <a:bodyPr>
+            <a:normAutofit/>
+          </a:bodyPr>
+          <a:lstStyle/>
+          <a:p>
+            <a:pPr marL="0" indent="0">
+              <a:buNone/>
+            </a:pPr>
+            <a:r>
+              <a:rPr lang="en-US" sz="2400" dirty="0"/>
+              <a:t>Passed functionality test cases</a:t>
+            </a:r>
+          </a:p>
+          <a:p>
+            <a:pPr marL="0" indent="0">
+              <a:buNone/>
+            </a:pPr>
+            <a:r>
+              <a:rPr lang="en-US" sz="2400" dirty="0"/>
+              <a:t>Peer feedback &amp; status:</a:t>
+            </a:r>
+          </a:p>
+          <a:p>
+            <a:pPr marL="0" indent="0">
+              <a:buNone/>
+            </a:pPr>
+            <a:r>
+              <a:rPr lang="en-US" sz="2400" dirty="0"/>
+              <a:t>	</a:t>
+            </a:r>
+            <a:r>
+              <a:rPr lang="en-US" sz="2000" dirty="0"/>
+              <a:t>Improved UI design			Implemented</a:t>
+            </a:r>
+          </a:p>
+          <a:p>
+            <a:pPr marL="0" indent="0">
+              <a:buNone/>
+            </a:pPr>
+            <a:r>
+              <a:rPr lang="en-US" sz="2000" dirty="0"/>
+              <a:t>	Ping multiple at a time		Implemented</a:t>
+            </a:r>
+          </a:p>
+          <a:p>
+            <a:pPr marL="0" indent="0">
+              <a:buNone/>
+            </a:pPr>
+            <a:r>
+              <a:rPr lang="en-US" sz="2000" dirty="0"/>
+              <a:t>	Enter your own subnet		Planned</a:t>
+            </a:r>
+          </a:p>
+          <a:p>
+            <a:pPr marL="0" indent="0">
+              <a:buNone/>
+            </a:pPr>
+            <a:r>
+              <a:rPr lang="en-US" sz="2000" dirty="0"/>
+              <a:t>	Device drop down for more info	Planned</a:t>
+            </a:r>
+          </a:p>
+          <a:p>
+            <a:pPr marL="0" indent="0">
+              <a:buNone/>
+            </a:pPr>
+            <a:r>
+              <a:rPr lang="en-US" sz="2000" dirty="0"/>
+              <a:t>	</a:t>
+            </a:r>
+            <a:endParaRPr lang="en-US" sz="2400" dirty="0"/>
+          </a:p>
+        </p:txBody>
+      </p:sp>
+    </p:spTree>
+    <p:extLst>
+      <p:ext uri="{BB962C8B-B14F-4D97-AF65-F5344CB8AC3E}">
+        <p14:creationId xmlns:p14="http://schemas.microsoft.com/office/powerpoint/2010/main" val="3082177705"/>
       </p:ext>
     </p:extLst>
   </p:cSld>
@@ -4439,4 +6267,299 @@
     </a:ext>
   </a:extLst>
 </a:theme>
+</file>
+
+<file path=ppt/theme/theme2.xml><?xml version="1.0" encoding="utf-8"?>
+<a:theme xmlns:a="http://schemas.openxmlformats.org/drawingml/2006/main" name="Office Theme">
+  <a:themeElements>
+    <a:clrScheme name="Office">
+      <a:dk1>
+        <a:sysClr val="windowText" lastClr="000000"/>
+      </a:dk1>
+      <a:lt1>
+        <a:sysClr val="window" lastClr="FFFFFF"/>
+      </a:lt1>
+      <a:dk2>
+        <a:srgbClr val="44546A"/>
+      </a:dk2>
+      <a:lt2>
+        <a:srgbClr val="E7E6E6"/>
+      </a:lt2>
+      <a:accent1>
+        <a:srgbClr val="4472C4"/>
+      </a:accent1>
+      <a:accent2>
+        <a:srgbClr val="ED7D31"/>
+      </a:accent2>
+      <a:accent3>
+        <a:srgbClr val="A5A5A5"/>
+      </a:accent3>
+      <a:accent4>
+        <a:srgbClr val="FFC000"/>
+      </a:accent4>
+      <a:accent5>
+        <a:srgbClr val="5B9BD5"/>
+      </a:accent5>
+      <a:accent6>
+        <a:srgbClr val="70AD47"/>
+      </a:accent6>
+      <a:hlink>
+        <a:srgbClr val="0563C1"/>
+      </a:hlink>
+      <a:folHlink>
+        <a:srgbClr val="954F72"/>
+      </a:folHlink>
+    </a:clrScheme>
+    <a:fontScheme name="Office">
+      <a:majorFont>
+        <a:latin typeface="Calibri Light" panose="020F0302020204030204"/>
+        <a:ea typeface=""/>
+        <a:cs typeface=""/>
+        <a:font script="Jpan" typeface="游ゴシック Light"/>
+        <a:font script="Hang" typeface="맑은 고딕"/>
+        <a:font script="Hans" typeface="等线 Light"/>
+        <a:font script="Hant" typeface="新細明體"/>
+        <a:font script="Arab" typeface="Times New Roman"/>
+        <a:font script="Hebr" typeface="Times New Roman"/>
+        <a:font script="Thai" typeface="Angsana New"/>
+        <a:font script="Ethi" typeface="Nyala"/>
+        <a:font script="Beng" typeface="Vrinda"/>
+        <a:font script="Gujr" typeface="Shruti"/>
+        <a:font script="Khmr" typeface="MoolBoran"/>
+        <a:font script="Knda" typeface="Tunga"/>
+        <a:font script="Guru" typeface="Raavi"/>
+        <a:font script="Cans" typeface="Euphemia"/>
+        <a:font script="Cher" typeface="Plantagenet Cherokee"/>
+        <a:font script="Yiii" typeface="Microsoft Yi Baiti"/>
+        <a:font script="Tibt" typeface="Microsoft Himalaya"/>
+        <a:font script="Thaa" typeface="MV Boli"/>
+        <a:font script="Deva" typeface="Mangal"/>
+        <a:font script="Telu" typeface="Gautami"/>
+        <a:font script="Taml" typeface="Latha"/>
+        <a:font script="Syrc" typeface="Estrangelo Edessa"/>
+        <a:font script="Orya" typeface="Kalinga"/>
+        <a:font script="Mlym" typeface="Kartika"/>
+        <a:font script="Laoo" typeface="DokChampa"/>
+        <a:font script="Sinh" typeface="Iskoola Pota"/>
+        <a:font script="Mong" typeface="Mongolian Baiti"/>
+        <a:font script="Viet" typeface="Times New Roman"/>
+        <a:font script="Uigh" typeface="Microsoft Uighur"/>
+        <a:font script="Geor" typeface="Sylfaen"/>
+        <a:font script="Armn" typeface="Arial"/>
+        <a:font script="Bugi" typeface="Leelawadee UI"/>
+        <a:font script="Bopo" typeface="Microsoft JhengHei"/>
+        <a:font script="Java" typeface="Javanese Text"/>
+        <a:font script="Lisu" typeface="Segoe UI"/>
+        <a:font script="Mymr" typeface="Myanmar Text"/>
+        <a:font script="Nkoo" typeface="Ebrima"/>
+        <a:font script="Olck" typeface="Nirmala UI"/>
+        <a:font script="Osma" typeface="Ebrima"/>
+        <a:font script="Phag" typeface="Phagspa"/>
+        <a:font script="Syrn" typeface="Estrangelo Edessa"/>
+        <a:font script="Syrj" typeface="Estrangelo Edessa"/>
+        <a:font script="Syre" typeface="Estrangelo Edessa"/>
+        <a:font script="Sora" typeface="Nirmala UI"/>
+        <a:font script="Tale" typeface="Microsoft Tai Le"/>
+        <a:font script="Talu" typeface="Microsoft New Tai Lue"/>
+        <a:font script="Tfng" typeface="Ebrima"/>
+      </a:majorFont>
+      <a:minorFont>
+        <a:latin typeface="Calibri" panose="020F0502020204030204"/>
+        <a:ea typeface=""/>
+        <a:cs typeface=""/>
+        <a:font script="Jpan" typeface="游ゴシック"/>
+        <a:font script="Hang" typeface="맑은 고딕"/>
+        <a:font script="Hans" typeface="等线"/>
+        <a:font script="Hant" typeface="新細明體"/>
+        <a:font script="Arab" typeface="Arial"/>
+        <a:font script="Hebr" typeface="Arial"/>
+        <a:font script="Thai" typeface="Cordia New"/>
+        <a:font script="Ethi" typeface="Nyala"/>
+        <a:font script="Beng" typeface="Vrinda"/>
+        <a:font script="Gujr" typeface="Shruti"/>
+        <a:font script="Khmr" typeface="DaunPenh"/>
+        <a:font script="Knda" typeface="Tunga"/>
+        <a:font script="Guru" typeface="Raavi"/>
+        <a:font script="Cans" typeface="Euphemia"/>
+        <a:font script="Cher" typeface="Plantagenet Cherokee"/>
+        <a:font script="Yiii" typeface="Microsoft Yi Baiti"/>
+        <a:font script="Tibt" typeface="Microsoft Himalaya"/>
+        <a:font script="Thaa" typeface="MV Boli"/>
+        <a:font script="Deva" typeface="Mangal"/>
+        <a:font script="Telu" typeface="Gautami"/>
+        <a:font script="Taml" typeface="Latha"/>
+        <a:font script="Syrc" typeface="Estrangelo Edessa"/>
+        <a:font script="Orya" typeface="Kalinga"/>
+        <a:font script="Mlym" typeface="Kartika"/>
+        <a:font script="Laoo" typeface="DokChampa"/>
+        <a:font script="Sinh" typeface="Iskoola Pota"/>
+        <a:font script="Mong" typeface="Mongolian Baiti"/>
+        <a:font script="Viet" typeface="Arial"/>
+        <a:font script="Uigh" typeface="Microsoft Uighur"/>
+        <a:font script="Geor" typeface="Sylfaen"/>
+        <a:font script="Armn" typeface="Arial"/>
+        <a:font script="Bugi" typeface="Leelawadee UI"/>
+        <a:font script="Bopo" typeface="Microsoft JhengHei"/>
+        <a:font script="Java" typeface="Javanese Text"/>
+        <a:font script="Lisu" typeface="Segoe UI"/>
+        <a:font script="Mymr" typeface="Myanmar Text"/>
+        <a:font script="Nkoo" typeface="Ebrima"/>
+        <a:font script="Olck" typeface="Nirmala UI"/>
+        <a:font script="Osma" typeface="Ebrima"/>
+        <a:font script="Phag" typeface="Phagspa"/>
+        <a:font script="Syrn" typeface="Estrangelo Edessa"/>
+        <a:font script="Syrj" typeface="Estrangelo Edessa"/>
+        <a:font script="Syre" typeface="Estrangelo Edessa"/>
+        <a:font script="Sora" typeface="Nirmala UI"/>
+        <a:font script="Tale" typeface="Microsoft Tai Le"/>
+        <a:font script="Talu" typeface="Microsoft New Tai Lue"/>
+        <a:font script="Tfng" typeface="Ebrima"/>
+      </a:minorFont>
+    </a:fontScheme>
+    <a:fmtScheme name="Office">
+      <a:fillStyleLst>
+        <a:solidFill>
+          <a:schemeClr val="phClr"/>
+        </a:solidFill>
+        <a:gradFill rotWithShape="1">
+          <a:gsLst>
+            <a:gs pos="0">
+              <a:schemeClr val="phClr">
+                <a:lumMod val="110000"/>
+                <a:satMod val="105000"/>
+                <a:tint val="67000"/>
+              </a:schemeClr>
+            </a:gs>
+            <a:gs pos="50000">
+              <a:schemeClr val="phClr">
+                <a:lumMod val="105000"/>
+                <a:satMod val="103000"/>
+                <a:tint val="73000"/>
+              </a:schemeClr>
+            </a:gs>
+            <a:gs pos="100000">
+              <a:schemeClr val="phClr">
+                <a:lumMod val="105000"/>
+                <a:satMod val="109000"/>
+                <a:tint val="81000"/>
+              </a:schemeClr>
+            </a:gs>
+          </a:gsLst>
+          <a:lin ang="5400000" scaled="0"/>
+        </a:gradFill>
+        <a:gradFill rotWithShape="1">
+          <a:gsLst>
+            <a:gs pos="0">
+              <a:schemeClr val="phClr">
+                <a:satMod val="103000"/>
+                <a:lumMod val="102000"/>
+                <a:tint val="94000"/>
+              </a:schemeClr>
+            </a:gs>
+            <a:gs pos="50000">
+              <a:schemeClr val="phClr">
+                <a:satMod val="110000"/>
+                <a:lumMod val="100000"/>
+                <a:shade val="100000"/>
+              </a:schemeClr>
+            </a:gs>
+            <a:gs pos="100000">
+              <a:schemeClr val="phClr">
+                <a:lumMod val="99000"/>
+                <a:satMod val="120000"/>
+                <a:shade val="78000"/>
+              </a:schemeClr>
+            </a:gs>
+          </a:gsLst>
+          <a:lin ang="5400000" scaled="0"/>
+        </a:gradFill>
+      </a:fillStyleLst>
+      <a:lnStyleLst>
+        <a:ln w="6350" cap="flat" cmpd="sng" algn="ctr">
+          <a:solidFill>
+            <a:schemeClr val="phClr"/>
+          </a:solidFill>
+          <a:prstDash val="solid"/>
+          <a:miter lim="800000"/>
+        </a:ln>
+        <a:ln w="12700" cap="flat" cmpd="sng" algn="ctr">
+          <a:solidFill>
+            <a:schemeClr val="phClr"/>
+          </a:solidFill>
+          <a:prstDash val="solid"/>
+          <a:miter lim="800000"/>
+        </a:ln>
+        <a:ln w="19050" cap="flat" cmpd="sng" algn="ctr">
+          <a:solidFill>
+            <a:schemeClr val="phClr"/>
+          </a:solidFill>
+          <a:prstDash val="solid"/>
+          <a:miter lim="800000"/>
+        </a:ln>
+      </a:lnStyleLst>
+      <a:effectStyleLst>
+        <a:effectStyle>
+          <a:effectLst/>
+        </a:effectStyle>
+        <a:effectStyle>
+          <a:effectLst/>
+        </a:effectStyle>
+        <a:effectStyle>
+          <a:effectLst>
+            <a:outerShdw blurRad="57150" dist="19050" dir="5400000" algn="ctr" rotWithShape="0">
+              <a:srgbClr val="000000">
+                <a:alpha val="63000"/>
+              </a:srgbClr>
+            </a:outerShdw>
+          </a:effectLst>
+        </a:effectStyle>
+      </a:effectStyleLst>
+      <a:bgFillStyleLst>
+        <a:solidFill>
+          <a:schemeClr val="phClr"/>
+        </a:solidFill>
+        <a:solidFill>
+          <a:schemeClr val="phClr">
+            <a:tint val="95000"/>
+            <a:satMod val="170000"/>
+          </a:schemeClr>
+        </a:solidFill>
+        <a:gradFill rotWithShape="1">
+          <a:gsLst>
+            <a:gs pos="0">
+              <a:schemeClr val="phClr">
+                <a:tint val="93000"/>
+                <a:satMod val="150000"/>
+                <a:shade val="98000"/>
+                <a:lumMod val="102000"/>
+              </a:schemeClr>
+            </a:gs>
+            <a:gs pos="50000">
+              <a:schemeClr val="phClr">
+                <a:tint val="98000"/>
+                <a:satMod val="130000"/>
+                <a:shade val="90000"/>
+                <a:lumMod val="103000"/>
+              </a:schemeClr>
+            </a:gs>
+            <a:gs pos="100000">
+              <a:schemeClr val="phClr">
+                <a:shade val="63000"/>
+                <a:satMod val="120000"/>
+              </a:schemeClr>
+            </a:gs>
+          </a:gsLst>
+          <a:lin ang="5400000" scaled="0"/>
+        </a:gradFill>
+      </a:bgFillStyleLst>
+    </a:fmtScheme>
+  </a:themeElements>
+  <a:objectDefaults/>
+  <a:extraClrSchemeLst/>
+  <a:extLst>
+    <a:ext uri="{05A4C25C-085E-4340-85A3-A5531E510DB2}">
+      <thm15:themeFamily xmlns:thm15="http://schemas.microsoft.com/office/thememl/2012/main" name="Office Theme" id="{62F939B6-93AF-4DB8-9C6B-D6C7DFDC589F}" vid="{4A3C46E8-61CC-4603-A589-7422A47A8E4A}"/>
+    </a:ext>
+  </a:extLst>
+</a:theme>
 </file>
--- a/documentation/NightWatch-Presentation.pptx
+++ b/documentation/NightWatch-Presentation.pptx
@@ -5,21 +5,19 @@
     <p:sldMasterId id="2147483648" r:id="rId1"/>
   </p:sldMasterIdLst>
   <p:notesMasterIdLst>
-    <p:notesMasterId r:id="rId14"/>
+    <p:notesMasterId r:id="rId12"/>
   </p:notesMasterIdLst>
   <p:sldIdLst>
     <p:sldId id="256" r:id="rId2"/>
     <p:sldId id="257" r:id="rId3"/>
-    <p:sldId id="258" r:id="rId4"/>
-    <p:sldId id="259" r:id="rId5"/>
-    <p:sldId id="260" r:id="rId6"/>
-    <p:sldId id="261" r:id="rId7"/>
-    <p:sldId id="262" r:id="rId8"/>
-    <p:sldId id="263" r:id="rId9"/>
-    <p:sldId id="264" r:id="rId10"/>
-    <p:sldId id="265" r:id="rId11"/>
-    <p:sldId id="266" r:id="rId12"/>
-    <p:sldId id="267" r:id="rId13"/>
+    <p:sldId id="259" r:id="rId4"/>
+    <p:sldId id="260" r:id="rId5"/>
+    <p:sldId id="268" r:id="rId6"/>
+    <p:sldId id="262" r:id="rId7"/>
+    <p:sldId id="263" r:id="rId8"/>
+    <p:sldId id="264" r:id="rId9"/>
+    <p:sldId id="266" r:id="rId10"/>
+    <p:sldId id="267" r:id="rId11"/>
   </p:sldIdLst>
   <p:sldSz cx="12192000" cy="6858000"/>
   <p:notesSz cx="6858000" cy="9144000"/>
@@ -1396,7 +1394,7 @@
 </file>
 
 <file path=ppt/slideLayouts/slideLayout2.xml><?xml version="1.0" encoding="utf-8"?>
-<p:sldLayout xmlns:a="http://schemas.openxmlformats.org/drawingml/2006/main" xmlns:r="http://schemas.openxmlformats.org/officeDocument/2006/relationships" xmlns:p="http://schemas.openxmlformats.org/presentationml/2006/main" type="obj" preserve="1">
+<p:sldLayout xmlns:a="http://schemas.openxmlformats.org/drawingml/2006/main" xmlns:r="http://schemas.openxmlformats.org/officeDocument/2006/relationships" xmlns:p="http://schemas.openxmlformats.org/presentationml/2006/main" preserve="1" userDrawn="1">
   <p:cSld name="Title and Content">
     <p:spTree>
       <p:nvGrpSpPr>
@@ -1414,47 +1412,6 @@
       </p:grpSpPr>
       <p:sp>
         <p:nvSpPr>
-          <p:cNvPr id="2" name="Title 1">
-            <a:extLst>
-              <a:ext uri="{FF2B5EF4-FFF2-40B4-BE49-F238E27FC236}">
-                <a16:creationId xmlns:a16="http://schemas.microsoft.com/office/drawing/2014/main" id="{9D99AD65-47AD-8325-5EEB-F268A0FD7A1C}"/>
-              </a:ext>
-            </a:extLst>
-          </p:cNvPr>
-          <p:cNvSpPr>
-            <a:spLocks noGrp="1"/>
-          </p:cNvSpPr>
-          <p:nvPr>
-            <p:ph type="title"/>
-          </p:nvPr>
-        </p:nvSpPr>
-        <p:spPr/>
-        <p:txBody>
-          <a:bodyPr>
-            <a:normAutofit/>
-          </a:bodyPr>
-          <a:lstStyle>
-            <a:lvl1pPr>
-              <a:defRPr lang="en-US" sz="4400" kern="1200" dirty="0">
-                <a:solidFill>
-                  <a:schemeClr val="bg1"/>
-                </a:solidFill>
-                <a:latin typeface="Rajdhani Medium" panose="02000000000000000000" pitchFamily="2" charset="0"/>
-                <a:ea typeface="+mj-ea"/>
-                <a:cs typeface="Rajdhani Medium" panose="02000000000000000000" pitchFamily="2" charset="0"/>
-              </a:defRPr>
-            </a:lvl1pPr>
-          </a:lstStyle>
-          <a:p>
-            <a:r>
-              <a:rPr lang="en-US" dirty="0"/>
-              <a:t>Click to edit Master title style</a:t>
-            </a:r>
-          </a:p>
-        </p:txBody>
-      </p:sp>
-      <p:sp>
-        <p:nvSpPr>
           <p:cNvPr id="3" name="Content Placeholder 2">
             <a:extLst>
               <a:ext uri="{FF2B5EF4-FFF2-40B4-BE49-F238E27FC236}">
@@ -1677,6 +1634,44 @@
               <a:t>‹#›</a:t>
             </a:fld>
             <a:endParaRPr lang="en-US" dirty="0"/>
+          </a:p>
+        </p:txBody>
+      </p:sp>
+      <p:sp>
+        <p:nvSpPr>
+          <p:cNvPr id="7" name="Title Placeholder 1">
+            <a:extLst>
+              <a:ext uri="{FF2B5EF4-FFF2-40B4-BE49-F238E27FC236}">
+                <a16:creationId xmlns:a16="http://schemas.microsoft.com/office/drawing/2014/main" id="{66A97399-E2E1-4505-8C82-FA2935A9BCE8}"/>
+              </a:ext>
+            </a:extLst>
+          </p:cNvPr>
+          <p:cNvSpPr>
+            <a:spLocks noGrp="1"/>
+          </p:cNvSpPr>
+          <p:nvPr>
+            <p:ph type="title"/>
+          </p:nvPr>
+        </p:nvSpPr>
+        <p:spPr>
+          <a:xfrm>
+            <a:off x="411062" y="297415"/>
+            <a:ext cx="11369876" cy="912099"/>
+          </a:xfrm>
+          <a:prstGeom prst="rect">
+            <a:avLst/>
+          </a:prstGeom>
+        </p:spPr>
+        <p:txBody>
+          <a:bodyPr vert="horz" lIns="91440" tIns="45720" rIns="91440" bIns="45720" rtlCol="0" anchor="ctr">
+            <a:normAutofit/>
+          </a:bodyPr>
+          <a:lstStyle/>
+          <a:p>
+            <a:r>
+              <a:rPr lang="en-US" dirty="0"/>
+              <a:t>Click to edit Master title style</a:t>
+            </a:r>
           </a:p>
         </p:txBody>
       </p:sp>
@@ -3842,8 +3837,8 @@
         </p:nvSpPr>
         <p:spPr>
           <a:xfrm>
-            <a:off x="200635" y="136525"/>
-            <a:ext cx="11787231" cy="912099"/>
+            <a:off x="411062" y="297415"/>
+            <a:ext cx="11369876" cy="912099"/>
           </a:xfrm>
           <a:prstGeom prst="rect">
             <a:avLst/>
@@ -4108,21 +4103,21 @@
           <a:spcPct val="0"/>
         </a:spcBef>
         <a:buNone/>
-        <a:defRPr sz="4400" kern="1200">
+        <a:defRPr sz="4000" kern="1200">
           <a:solidFill>
             <a:schemeClr val="accent5">
               <a:lumMod val="60000"/>
               <a:lumOff val="40000"/>
             </a:schemeClr>
           </a:solidFill>
-          <a:latin typeface="Rajdhani Medium" panose="02000000000000000000" pitchFamily="2" charset="0"/>
+          <a:latin typeface="Rajdhani" panose="02000000000000000000" pitchFamily="2" charset="0"/>
           <a:ea typeface="+mj-ea"/>
-          <a:cs typeface="Rajdhani Medium" panose="02000000000000000000" pitchFamily="2" charset="0"/>
+          <a:cs typeface="Rajdhani" panose="02000000000000000000" pitchFamily="2" charset="0"/>
         </a:defRPr>
       </a:lvl1pPr>
     </p:titleStyle>
     <p:bodyStyle>
-      <a:lvl1pPr marL="228600" indent="-228600" algn="l" defTabSz="914400" rtl="0" eaLnBrk="1" latinLnBrk="0" hangingPunct="1">
+      <a:lvl1pPr marL="0" indent="0" algn="l" defTabSz="914400" rtl="0" eaLnBrk="1" latinLnBrk="0" hangingPunct="1">
         <a:lnSpc>
           <a:spcPct val="150000"/>
         </a:lnSpc>
@@ -4130,8 +4125,8 @@
           <a:spcPts val="1000"/>
         </a:spcBef>
         <a:buFont typeface="Arial" panose="020B0604020202020204" pitchFamily="34" charset="0"/>
-        <a:buChar char="•"/>
-        <a:defRPr sz="2800" kern="1200">
+        <a:buNone/>
+        <a:defRPr sz="2400" kern="1200">
           <a:solidFill>
             <a:schemeClr val="bg1"/>
           </a:solidFill>
@@ -4140,7 +4135,7 @@
           <a:cs typeface="Poppins" panose="00000500000000000000" pitchFamily="2" charset="0"/>
         </a:defRPr>
       </a:lvl1pPr>
-      <a:lvl2pPr marL="685800" indent="-228600" algn="l" defTabSz="914400" rtl="0" eaLnBrk="1" latinLnBrk="0" hangingPunct="1">
+      <a:lvl2pPr marL="457200" indent="0" algn="l" defTabSz="914400" rtl="0" eaLnBrk="1" latinLnBrk="0" hangingPunct="1">
         <a:lnSpc>
           <a:spcPct val="150000"/>
         </a:lnSpc>
@@ -4148,8 +4143,8 @@
           <a:spcPts val="500"/>
         </a:spcBef>
         <a:buFont typeface="Arial" panose="020B0604020202020204" pitchFamily="34" charset="0"/>
-        <a:buChar char="•"/>
-        <a:defRPr sz="2400" kern="1200">
+        <a:buNone/>
+        <a:defRPr sz="2000" kern="1200">
           <a:solidFill>
             <a:schemeClr val="bg1"/>
           </a:solidFill>
@@ -4158,7 +4153,7 @@
           <a:cs typeface="Poppins" panose="00000500000000000000" pitchFamily="2" charset="0"/>
         </a:defRPr>
       </a:lvl2pPr>
-      <a:lvl3pPr marL="1143000" indent="-228600" algn="l" defTabSz="914400" rtl="0" eaLnBrk="1" latinLnBrk="0" hangingPunct="1">
+      <a:lvl3pPr marL="914400" indent="0" algn="l" defTabSz="914400" rtl="0" eaLnBrk="1" latinLnBrk="0" hangingPunct="1">
         <a:lnSpc>
           <a:spcPct val="150000"/>
         </a:lnSpc>
@@ -4166,8 +4161,8 @@
           <a:spcPts val="500"/>
         </a:spcBef>
         <a:buFont typeface="Arial" panose="020B0604020202020204" pitchFamily="34" charset="0"/>
-        <a:buChar char="•"/>
-        <a:defRPr sz="2000" kern="1200">
+        <a:buNone/>
+        <a:defRPr sz="1800" kern="1200">
           <a:solidFill>
             <a:schemeClr val="bg1"/>
           </a:solidFill>
@@ -4176,7 +4171,7 @@
           <a:cs typeface="Poppins" panose="00000500000000000000" pitchFamily="2" charset="0"/>
         </a:defRPr>
       </a:lvl3pPr>
-      <a:lvl4pPr marL="1600200" indent="-228600" algn="l" defTabSz="914400" rtl="0" eaLnBrk="1" latinLnBrk="0" hangingPunct="1">
+      <a:lvl4pPr marL="1371600" indent="0" algn="l" defTabSz="914400" rtl="0" eaLnBrk="1" latinLnBrk="0" hangingPunct="1">
         <a:lnSpc>
           <a:spcPct val="150000"/>
         </a:lnSpc>
@@ -4184,8 +4179,8 @@
           <a:spcPts val="500"/>
         </a:spcBef>
         <a:buFont typeface="Arial" panose="020B0604020202020204" pitchFamily="34" charset="0"/>
-        <a:buChar char="•"/>
-        <a:defRPr sz="1800" kern="1200">
+        <a:buNone/>
+        <a:defRPr sz="1600" kern="1200">
           <a:solidFill>
             <a:schemeClr val="bg1"/>
           </a:solidFill>
@@ -4194,7 +4189,7 @@
           <a:cs typeface="Poppins" panose="00000500000000000000" pitchFamily="2" charset="0"/>
         </a:defRPr>
       </a:lvl4pPr>
-      <a:lvl5pPr marL="2057400" indent="-228600" algn="l" defTabSz="914400" rtl="0" eaLnBrk="1" latinLnBrk="0" hangingPunct="1">
+      <a:lvl5pPr marL="1828800" indent="0" algn="l" defTabSz="914400" rtl="0" eaLnBrk="1" latinLnBrk="0" hangingPunct="1">
         <a:lnSpc>
           <a:spcPct val="150000"/>
         </a:lnSpc>
@@ -4202,8 +4197,8 @@
           <a:spcPts val="500"/>
         </a:spcBef>
         <a:buFont typeface="Arial" panose="020B0604020202020204" pitchFamily="34" charset="0"/>
-        <a:buChar char="•"/>
-        <a:defRPr sz="1800" kern="1200">
+        <a:buNone/>
+        <a:defRPr sz="1600" kern="1200">
           <a:solidFill>
             <a:schemeClr val="bg1"/>
           </a:solidFill>
@@ -4561,14 +4556,19 @@
             <p:ph type="title"/>
           </p:nvPr>
         </p:nvSpPr>
-        <p:spPr/>
+        <p:spPr>
+          <a:xfrm>
+            <a:off x="638610" y="163993"/>
+            <a:ext cx="10914780" cy="912099"/>
+          </a:xfrm>
+        </p:spPr>
         <p:txBody>
           <a:bodyPr/>
           <a:lstStyle/>
           <a:p>
             <a:r>
               <a:rPr lang="en-US" dirty="0"/>
-              <a:t>Challenges Overcome</a:t>
+              <a:t>Questions</a:t>
             </a:r>
           </a:p>
         </p:txBody>
@@ -4594,179 +4594,7 @@
           <a:bodyPr/>
           <a:lstStyle/>
           <a:p>
-            <a:pPr marL="0" indent="0">
-              <a:buNone/>
-            </a:pPr>
-            <a:r>
-              <a:rPr lang="en-US" dirty="0"/>
-              <a:t>Electron</a:t>
-            </a:r>
-          </a:p>
-        </p:txBody>
-      </p:sp>
-    </p:spTree>
-    <p:extLst>
-      <p:ext uri="{BB962C8B-B14F-4D97-AF65-F5344CB8AC3E}">
-        <p14:creationId xmlns:p14="http://schemas.microsoft.com/office/powerpoint/2010/main" val="1406098618"/>
-      </p:ext>
-    </p:extLst>
-  </p:cSld>
-  <p:clrMapOvr>
-    <a:masterClrMapping/>
-  </p:clrMapOvr>
-</p:sld>
-</file>
-
-<file path=ppt/slides/slide11.xml><?xml version="1.0" encoding="utf-8"?>
-<p:sld xmlns:a="http://schemas.openxmlformats.org/drawingml/2006/main" xmlns:r="http://schemas.openxmlformats.org/officeDocument/2006/relationships" xmlns:p="http://schemas.openxmlformats.org/presentationml/2006/main">
-  <p:cSld>
-    <p:spTree>
-      <p:nvGrpSpPr>
-        <p:cNvPr id="1" name=""/>
-        <p:cNvGrpSpPr/>
-        <p:nvPr/>
-      </p:nvGrpSpPr>
-      <p:grpSpPr>
-        <a:xfrm>
-          <a:off x="0" y="0"/>
-          <a:ext cx="0" cy="0"/>
-          <a:chOff x="0" y="0"/>
-          <a:chExt cx="0" cy="0"/>
-        </a:xfrm>
-      </p:grpSpPr>
-      <p:sp>
-        <p:nvSpPr>
-          <p:cNvPr id="2" name="Title 1">
-            <a:extLst>
-              <a:ext uri="{FF2B5EF4-FFF2-40B4-BE49-F238E27FC236}">
-                <a16:creationId xmlns:a16="http://schemas.microsoft.com/office/drawing/2014/main" id="{D0F0DCB9-7B0A-401A-963F-3A1C09E7B3DA}"/>
-              </a:ext>
-            </a:extLst>
-          </p:cNvPr>
-          <p:cNvSpPr>
-            <a:spLocks noGrp="1"/>
-          </p:cNvSpPr>
-          <p:nvPr>
-            <p:ph type="title"/>
-          </p:nvPr>
-        </p:nvSpPr>
-        <p:spPr/>
-        <p:txBody>
-          <a:bodyPr/>
-          <a:lstStyle/>
-          <a:p>
-            <a:r>
-              <a:rPr lang="en-US" dirty="0"/>
-              <a:t>Future Enhancements</a:t>
-            </a:r>
-          </a:p>
-        </p:txBody>
-      </p:sp>
-      <p:sp>
-        <p:nvSpPr>
-          <p:cNvPr id="3" name="Content Placeholder 2">
-            <a:extLst>
-              <a:ext uri="{FF2B5EF4-FFF2-40B4-BE49-F238E27FC236}">
-                <a16:creationId xmlns:a16="http://schemas.microsoft.com/office/drawing/2014/main" id="{0480BC22-BEE3-4E45-80F4-133E05736A9C}"/>
-              </a:ext>
-            </a:extLst>
-          </p:cNvPr>
-          <p:cNvSpPr>
-            <a:spLocks noGrp="1"/>
-          </p:cNvSpPr>
-          <p:nvPr>
-            <p:ph idx="1"/>
-          </p:nvPr>
-        </p:nvSpPr>
-        <p:spPr/>
-        <p:txBody>
-          <a:bodyPr/>
-          <a:lstStyle/>
-          <a:p>
-            <a:endParaRPr lang="en-US"/>
-          </a:p>
-        </p:txBody>
-      </p:sp>
-    </p:spTree>
-    <p:extLst>
-      <p:ext uri="{BB962C8B-B14F-4D97-AF65-F5344CB8AC3E}">
-        <p14:creationId xmlns:p14="http://schemas.microsoft.com/office/powerpoint/2010/main" val="736280371"/>
-      </p:ext>
-    </p:extLst>
-  </p:cSld>
-  <p:clrMapOvr>
-    <a:masterClrMapping/>
-  </p:clrMapOvr>
-</p:sld>
-</file>
-
-<file path=ppt/slides/slide12.xml><?xml version="1.0" encoding="utf-8"?>
-<p:sld xmlns:a="http://schemas.openxmlformats.org/drawingml/2006/main" xmlns:r="http://schemas.openxmlformats.org/officeDocument/2006/relationships" xmlns:p="http://schemas.openxmlformats.org/presentationml/2006/main">
-  <p:cSld>
-    <p:spTree>
-      <p:nvGrpSpPr>
-        <p:cNvPr id="1" name=""/>
-        <p:cNvGrpSpPr/>
-        <p:nvPr/>
-      </p:nvGrpSpPr>
-      <p:grpSpPr>
-        <a:xfrm>
-          <a:off x="0" y="0"/>
-          <a:ext cx="0" cy="0"/>
-          <a:chOff x="0" y="0"/>
-          <a:chExt cx="0" cy="0"/>
-        </a:xfrm>
-      </p:grpSpPr>
-      <p:sp>
-        <p:nvSpPr>
-          <p:cNvPr id="2" name="Title 1">
-            <a:extLst>
-              <a:ext uri="{FF2B5EF4-FFF2-40B4-BE49-F238E27FC236}">
-                <a16:creationId xmlns:a16="http://schemas.microsoft.com/office/drawing/2014/main" id="{D0F0DCB9-7B0A-401A-963F-3A1C09E7B3DA}"/>
-              </a:ext>
-            </a:extLst>
-          </p:cNvPr>
-          <p:cNvSpPr>
-            <a:spLocks noGrp="1"/>
-          </p:cNvSpPr>
-          <p:nvPr>
-            <p:ph type="title"/>
-          </p:nvPr>
-        </p:nvSpPr>
-        <p:spPr/>
-        <p:txBody>
-          <a:bodyPr/>
-          <a:lstStyle/>
-          <a:p>
-            <a:r>
-              <a:rPr lang="en-US" dirty="0"/>
-              <a:t>Questions</a:t>
-            </a:r>
-          </a:p>
-        </p:txBody>
-      </p:sp>
-      <p:sp>
-        <p:nvSpPr>
-          <p:cNvPr id="3" name="Content Placeholder 2">
-            <a:extLst>
-              <a:ext uri="{FF2B5EF4-FFF2-40B4-BE49-F238E27FC236}">
-                <a16:creationId xmlns:a16="http://schemas.microsoft.com/office/drawing/2014/main" id="{0480BC22-BEE3-4E45-80F4-133E05736A9C}"/>
-              </a:ext>
-            </a:extLst>
-          </p:cNvPr>
-          <p:cNvSpPr>
-            <a:spLocks noGrp="1"/>
-          </p:cNvSpPr>
-          <p:nvPr>
-            <p:ph idx="1"/>
-          </p:nvPr>
-        </p:nvSpPr>
-        <p:spPr/>
-        <p:txBody>
-          <a:bodyPr/>
-          <a:lstStyle/>
-          <a:p>
-            <a:endParaRPr lang="en-US"/>
+            <a:endParaRPr lang="en-US" dirty="0"/>
           </a:p>
         </p:txBody>
       </p:sp>
@@ -4816,7 +4644,12 @@
             <p:ph type="title"/>
           </p:nvPr>
         </p:nvSpPr>
-        <p:spPr/>
+        <p:spPr>
+          <a:xfrm>
+            <a:off x="638610" y="163993"/>
+            <a:ext cx="10914780" cy="912099"/>
+          </a:xfrm>
+        </p:spPr>
         <p:txBody>
           <a:bodyPr/>
           <a:lstStyle/>
@@ -4992,14 +4825,19 @@
             <p:ph type="title"/>
           </p:nvPr>
         </p:nvSpPr>
-        <p:spPr/>
+        <p:spPr>
+          <a:xfrm>
+            <a:off x="638610" y="163993"/>
+            <a:ext cx="10914780" cy="912099"/>
+          </a:xfrm>
+        </p:spPr>
         <p:txBody>
           <a:bodyPr/>
           <a:lstStyle/>
           <a:p>
             <a:r>
               <a:rPr lang="en-US" dirty="0"/>
-              <a:t>Research &amp; Background</a:t>
+              <a:t>Resources</a:t>
             </a:r>
           </a:p>
         </p:txBody>
@@ -5020,19 +4858,318 @@
             <p:ph idx="1"/>
           </p:nvPr>
         </p:nvSpPr>
-        <p:spPr/>
-        <p:txBody>
-          <a:bodyPr/>
+        <p:spPr>
+          <a:xfrm>
+            <a:off x="1174750" y="1189831"/>
+            <a:ext cx="9842500" cy="5240234"/>
+          </a:xfrm>
+        </p:spPr>
+        <p:txBody>
+          <a:bodyPr>
+            <a:normAutofit/>
+          </a:bodyPr>
           <a:lstStyle/>
           <a:p>
-            <a:endParaRPr lang="en-US" dirty="0"/>
-          </a:p>
-        </p:txBody>
-      </p:sp>
+            <a:pPr marL="457200" lvl="1" indent="0">
+              <a:lnSpc>
+                <a:spcPct val="250000"/>
+              </a:lnSpc>
+              <a:buNone/>
+            </a:pPr>
+            <a:r>
+              <a:rPr lang="en-US" sz="2400" dirty="0"/>
+              <a:t>Electron		Cross-platform desktop app framework	</a:t>
+            </a:r>
+          </a:p>
+          <a:p>
+            <a:pPr marL="457200" lvl="1" indent="0">
+              <a:lnSpc>
+                <a:spcPct val="250000"/>
+              </a:lnSpc>
+              <a:buNone/>
+            </a:pPr>
+            <a:r>
+              <a:rPr lang="en-US" sz="2400" dirty="0"/>
+              <a:t>Node.js		Backend logic and PowerShell integration	</a:t>
+            </a:r>
+          </a:p>
+          <a:p>
+            <a:pPr marL="457200" lvl="1" indent="0">
+              <a:lnSpc>
+                <a:spcPct val="250000"/>
+              </a:lnSpc>
+              <a:buNone/>
+            </a:pPr>
+            <a:r>
+              <a:rPr lang="en-US" sz="2400" dirty="0"/>
+              <a:t>JavaScript	Back end PowerShell output processing</a:t>
+            </a:r>
+          </a:p>
+          <a:p>
+            <a:pPr marL="457200" lvl="1" indent="0">
+              <a:lnSpc>
+                <a:spcPct val="250000"/>
+              </a:lnSpc>
+              <a:buNone/>
+            </a:pPr>
+            <a:r>
+              <a:rPr lang="en-US" sz="2400" dirty="0"/>
+              <a:t>PowerShell	Executes diagnostic commands		</a:t>
+            </a:r>
+          </a:p>
+          <a:p>
+            <a:pPr marL="457200" lvl="1" indent="0">
+              <a:lnSpc>
+                <a:spcPct val="250000"/>
+              </a:lnSpc>
+              <a:buNone/>
+            </a:pPr>
+            <a:r>
+              <a:rPr lang="en-US" sz="2400" dirty="0"/>
+              <a:t>HTML/CSS	Front-end layout and interactivity	</a:t>
+            </a:r>
+          </a:p>
+        </p:txBody>
+      </p:sp>
+      <p:pic>
+        <p:nvPicPr>
+          <p:cNvPr id="1026" name="Picture 2" descr="Electron&quot; Icon - Download for free – Iconduck">
+            <a:extLst>
+              <a:ext uri="{FF2B5EF4-FFF2-40B4-BE49-F238E27FC236}">
+                <a16:creationId xmlns:a16="http://schemas.microsoft.com/office/drawing/2014/main" id="{8698A5CF-46AD-46F0-B656-A1057B33F69A}"/>
+              </a:ext>
+            </a:extLst>
+          </p:cNvPr>
+          <p:cNvPicPr>
+            <a:picLocks noChangeAspect="1" noChangeArrowheads="1"/>
+          </p:cNvPicPr>
+          <p:nvPr/>
+        </p:nvPicPr>
+        <p:blipFill>
+          <a:blip r:embed="rId2">
+            <a:extLst>
+              <a:ext uri="{28A0092B-C50C-407E-A947-70E740481C1C}">
+                <a14:useLocalDpi xmlns:a14="http://schemas.microsoft.com/office/drawing/2010/main" val="0"/>
+              </a:ext>
+            </a:extLst>
+          </a:blip>
+          <a:srcRect/>
+          <a:stretch>
+            <a:fillRect/>
+          </a:stretch>
+        </p:blipFill>
+        <p:spPr bwMode="auto">
+          <a:xfrm>
+            <a:off x="908050" y="1477250"/>
+            <a:ext cx="533400" cy="578240"/>
+          </a:xfrm>
+          <a:prstGeom prst="rect">
+            <a:avLst/>
+          </a:prstGeom>
+          <a:noFill/>
+          <a:extLst>
+            <a:ext uri="{909E8E84-426E-40DD-AFC4-6F175D3DCCD1}">
+              <a14:hiddenFill xmlns:a14="http://schemas.microsoft.com/office/drawing/2010/main">
+                <a:solidFill>
+                  <a:srgbClr val="FFFFFF"/>
+                </a:solidFill>
+              </a14:hiddenFill>
+            </a:ext>
+          </a:extLst>
+        </p:spPr>
+      </p:pic>
+      <p:pic>
+        <p:nvPicPr>
+          <p:cNvPr id="1028" name="Picture 4" descr="Node.js&quot; Icon - Download for free – Iconduck">
+            <a:extLst>
+              <a:ext uri="{FF2B5EF4-FFF2-40B4-BE49-F238E27FC236}">
+                <a16:creationId xmlns:a16="http://schemas.microsoft.com/office/drawing/2014/main" id="{F9966EBA-F6BA-4F00-BD7A-226326942F04}"/>
+              </a:ext>
+            </a:extLst>
+          </p:cNvPr>
+          <p:cNvPicPr>
+            <a:picLocks noChangeAspect="1" noChangeArrowheads="1"/>
+          </p:cNvPicPr>
+          <p:nvPr/>
+        </p:nvPicPr>
+        <p:blipFill>
+          <a:blip r:embed="rId3">
+            <a:extLst>
+              <a:ext uri="{28A0092B-C50C-407E-A947-70E740481C1C}">
+                <a14:useLocalDpi xmlns:a14="http://schemas.microsoft.com/office/drawing/2010/main" val="0"/>
+              </a:ext>
+            </a:extLst>
+          </a:blip>
+          <a:srcRect/>
+          <a:stretch>
+            <a:fillRect/>
+          </a:stretch>
+        </p:blipFill>
+        <p:spPr bwMode="auto">
+          <a:xfrm>
+            <a:off x="908050" y="2456775"/>
+            <a:ext cx="549778" cy="619630"/>
+          </a:xfrm>
+          <a:prstGeom prst="rect">
+            <a:avLst/>
+          </a:prstGeom>
+          <a:noFill/>
+          <a:extLst>
+            <a:ext uri="{909E8E84-426E-40DD-AFC4-6F175D3DCCD1}">
+              <a14:hiddenFill xmlns:a14="http://schemas.microsoft.com/office/drawing/2010/main">
+                <a:solidFill>
+                  <a:srgbClr val="FFFFFF"/>
+                </a:solidFill>
+              </a14:hiddenFill>
+            </a:ext>
+          </a:extLst>
+        </p:spPr>
+      </p:pic>
+      <p:pic>
+        <p:nvPicPr>
+          <p:cNvPr id="1034" name="Picture 10" descr="Javascript icons for free download | Freepik">
+            <a:extLst>
+              <a:ext uri="{FF2B5EF4-FFF2-40B4-BE49-F238E27FC236}">
+                <a16:creationId xmlns:a16="http://schemas.microsoft.com/office/drawing/2014/main" id="{F6F85FD2-4B1F-4EA8-891F-9E62250AFEE8}"/>
+              </a:ext>
+            </a:extLst>
+          </p:cNvPr>
+          <p:cNvPicPr>
+            <a:picLocks noChangeAspect="1" noChangeArrowheads="1"/>
+          </p:cNvPicPr>
+          <p:nvPr/>
+        </p:nvPicPr>
+        <p:blipFill>
+          <a:blip r:embed="rId4">
+            <a:extLst>
+              <a:ext uri="{28A0092B-C50C-407E-A947-70E740481C1C}">
+                <a14:useLocalDpi xmlns:a14="http://schemas.microsoft.com/office/drawing/2010/main" val="0"/>
+              </a:ext>
+            </a:extLst>
+          </a:blip>
+          <a:srcRect/>
+          <a:stretch>
+            <a:fillRect/>
+          </a:stretch>
+        </p:blipFill>
+        <p:spPr bwMode="auto">
+          <a:xfrm>
+            <a:off x="916239" y="3504447"/>
+            <a:ext cx="533400" cy="533400"/>
+          </a:xfrm>
+          <a:prstGeom prst="rect">
+            <a:avLst/>
+          </a:prstGeom>
+          <a:noFill/>
+          <a:extLst>
+            <a:ext uri="{909E8E84-426E-40DD-AFC4-6F175D3DCCD1}">
+              <a14:hiddenFill xmlns:a14="http://schemas.microsoft.com/office/drawing/2010/main">
+                <a:solidFill>
+                  <a:srgbClr val="FFFFFF"/>
+                </a:solidFill>
+              </a14:hiddenFill>
+            </a:ext>
+          </a:extLst>
+        </p:spPr>
+      </p:pic>
+      <p:pic>
+        <p:nvPicPr>
+          <p:cNvPr id="1036" name="Picture 12">
+            <a:extLst>
+              <a:ext uri="{FF2B5EF4-FFF2-40B4-BE49-F238E27FC236}">
+                <a16:creationId xmlns:a16="http://schemas.microsoft.com/office/drawing/2014/main" id="{C5BCD90C-ED68-47FA-9373-8810A71BCEA1}"/>
+              </a:ext>
+            </a:extLst>
+          </p:cNvPr>
+          <p:cNvPicPr>
+            <a:picLocks noChangeAspect="1" noChangeArrowheads="1"/>
+          </p:cNvPicPr>
+          <p:nvPr/>
+        </p:nvPicPr>
+        <p:blipFill>
+          <a:blip r:embed="rId5">
+            <a:extLst>
+              <a:ext uri="{28A0092B-C50C-407E-A947-70E740481C1C}">
+                <a14:useLocalDpi xmlns:a14="http://schemas.microsoft.com/office/drawing/2010/main" val="0"/>
+              </a:ext>
+            </a:extLst>
+          </a:blip>
+          <a:srcRect/>
+          <a:stretch>
+            <a:fillRect/>
+          </a:stretch>
+        </p:blipFill>
+        <p:spPr bwMode="auto">
+          <a:xfrm>
+            <a:off x="836604" y="4482024"/>
+            <a:ext cx="617546" cy="617546"/>
+          </a:xfrm>
+          <a:prstGeom prst="rect">
+            <a:avLst/>
+          </a:prstGeom>
+          <a:noFill/>
+          <a:extLst>
+            <a:ext uri="{909E8E84-426E-40DD-AFC4-6F175D3DCCD1}">
+              <a14:hiddenFill xmlns:a14="http://schemas.microsoft.com/office/drawing/2010/main">
+                <a:solidFill>
+                  <a:srgbClr val="FFFFFF"/>
+                </a:solidFill>
+              </a14:hiddenFill>
+            </a:ext>
+          </a:extLst>
+        </p:spPr>
+      </p:pic>
+      <p:pic>
+        <p:nvPicPr>
+          <p:cNvPr id="1044" name="Picture 20" descr="Other html 5 Icon | Plex Iconpack | Cornmanthe3rd">
+            <a:extLst>
+              <a:ext uri="{FF2B5EF4-FFF2-40B4-BE49-F238E27FC236}">
+                <a16:creationId xmlns:a16="http://schemas.microsoft.com/office/drawing/2014/main" id="{74AA4E9E-2648-41B6-8B44-09C29A052376}"/>
+              </a:ext>
+            </a:extLst>
+          </p:cNvPr>
+          <p:cNvPicPr>
+            <a:picLocks noChangeAspect="1" noChangeArrowheads="1"/>
+          </p:cNvPicPr>
+          <p:nvPr/>
+        </p:nvPicPr>
+        <p:blipFill>
+          <a:blip r:embed="rId6">
+            <a:extLst>
+              <a:ext uri="{28A0092B-C50C-407E-A947-70E740481C1C}">
+                <a14:useLocalDpi xmlns:a14="http://schemas.microsoft.com/office/drawing/2010/main" val="0"/>
+              </a:ext>
+            </a:extLst>
+          </a:blip>
+          <a:srcRect/>
+          <a:stretch>
+            <a:fillRect/>
+          </a:stretch>
+        </p:blipFill>
+        <p:spPr bwMode="auto">
+          <a:xfrm>
+            <a:off x="822507" y="5304277"/>
+            <a:ext cx="720864" cy="720864"/>
+          </a:xfrm>
+          <a:prstGeom prst="rect">
+            <a:avLst/>
+          </a:prstGeom>
+          <a:noFill/>
+          <a:extLst>
+            <a:ext uri="{909E8E84-426E-40DD-AFC4-6F175D3DCCD1}">
+              <a14:hiddenFill xmlns:a14="http://schemas.microsoft.com/office/drawing/2010/main">
+                <a:solidFill>
+                  <a:srgbClr val="FFFFFF"/>
+                </a:solidFill>
+              </a14:hiddenFill>
+            </a:ext>
+          </a:extLst>
+        </p:spPr>
+      </p:pic>
     </p:spTree>
     <p:extLst>
       <p:ext uri="{BB962C8B-B14F-4D97-AF65-F5344CB8AC3E}">
-        <p14:creationId xmlns:p14="http://schemas.microsoft.com/office/powerpoint/2010/main" val="3183227211"/>
+        <p14:creationId xmlns:p14="http://schemas.microsoft.com/office/powerpoint/2010/main" val="3280746969"/>
       </p:ext>
     </p:extLst>
   </p:cSld>
@@ -5075,14 +5212,19 @@
             <p:ph type="title"/>
           </p:nvPr>
         </p:nvSpPr>
-        <p:spPr/>
+        <p:spPr>
+          <a:xfrm>
+            <a:off x="638610" y="163993"/>
+            <a:ext cx="10914780" cy="912099"/>
+          </a:xfrm>
+        </p:spPr>
         <p:txBody>
           <a:bodyPr/>
           <a:lstStyle/>
           <a:p>
             <a:r>
               <a:rPr lang="en-US" dirty="0"/>
-              <a:t>Languages, Software, Hardware</a:t>
+              <a:t>Features &amp; Requirements</a:t>
             </a:r>
           </a:p>
         </p:txBody>
@@ -5105,8 +5247,8 @@
         </p:nvSpPr>
         <p:spPr>
           <a:xfrm>
-            <a:off x="1174750" y="1189831"/>
-            <a:ext cx="9842500" cy="5240234"/>
+            <a:off x="838200" y="1253331"/>
+            <a:ext cx="4886325" cy="5004594"/>
           </a:xfrm>
         </p:spPr>
         <p:txBody>
@@ -5115,310 +5257,286 @@
           </a:bodyPr>
           <a:lstStyle/>
           <a:p>
-            <a:pPr marL="457200" lvl="1" indent="0">
-              <a:lnSpc>
-                <a:spcPct val="250000"/>
-              </a:lnSpc>
-              <a:buNone/>
-            </a:pPr>
-            <a:r>
-              <a:rPr lang="en-US" dirty="0"/>
-              <a:t>Electron		Cross-platform desktop app framework	</a:t>
-            </a:r>
-          </a:p>
-          <a:p>
-            <a:pPr marL="457200" lvl="1" indent="0">
-              <a:lnSpc>
-                <a:spcPct val="250000"/>
-              </a:lnSpc>
-              <a:buNone/>
-            </a:pPr>
-            <a:r>
-              <a:rPr lang="en-US" dirty="0"/>
-              <a:t>Node.js		Backend logic and PowerShell integration	</a:t>
-            </a:r>
-          </a:p>
-          <a:p>
-            <a:pPr marL="457200" lvl="1" indent="0">
-              <a:lnSpc>
-                <a:spcPct val="250000"/>
-              </a:lnSpc>
-              <a:buNone/>
-            </a:pPr>
-            <a:r>
-              <a:rPr lang="en-US" dirty="0"/>
-              <a:t>JavaScript	Back end PowerShell output processing	</a:t>
-            </a:r>
-          </a:p>
-          <a:p>
-            <a:pPr marL="457200" lvl="1" indent="0">
-              <a:lnSpc>
-                <a:spcPct val="250000"/>
-              </a:lnSpc>
-              <a:buNone/>
-            </a:pPr>
-            <a:r>
-              <a:rPr lang="en-US" dirty="0"/>
-              <a:t>PowerShell	Executes diagnostic commands		</a:t>
-            </a:r>
-          </a:p>
-          <a:p>
-            <a:pPr marL="457200" lvl="1" indent="0">
-              <a:lnSpc>
-                <a:spcPct val="250000"/>
-              </a:lnSpc>
-              <a:buNone/>
-            </a:pPr>
-            <a:r>
-              <a:rPr lang="en-US" dirty="0"/>
-              <a:t>HTML/CSS	Front-end layout and interactivity	</a:t>
-            </a:r>
-            <a:r>
-              <a:rPr lang="en-US" sz="2000" dirty="0"/>
-              <a:t>	</a:t>
-            </a:r>
-          </a:p>
-        </p:txBody>
-      </p:sp>
-      <p:pic>
-        <p:nvPicPr>
-          <p:cNvPr id="1026" name="Picture 2" descr="Electron&quot; Icon - Download for free – Iconduck">
-            <a:extLst>
-              <a:ext uri="{FF2B5EF4-FFF2-40B4-BE49-F238E27FC236}">
-                <a16:creationId xmlns:a16="http://schemas.microsoft.com/office/drawing/2014/main" id="{8698A5CF-46AD-46F0-B656-A1057B33F69A}"/>
-              </a:ext>
-            </a:extLst>
-          </p:cNvPr>
-          <p:cNvPicPr>
-            <a:picLocks noChangeAspect="1" noChangeArrowheads="1"/>
-          </p:cNvPicPr>
+            <a:r>
+              <a:rPr lang="en-US" sz="2600" b="1" dirty="0">
+                <a:latin typeface="Rajdhani" panose="02000000000000000000" pitchFamily="2" charset="0"/>
+                <a:cs typeface="Rajdhani" panose="02000000000000000000" pitchFamily="2" charset="0"/>
+              </a:rPr>
+              <a:t>System Information:</a:t>
+            </a:r>
+          </a:p>
+          <a:p>
+            <a:r>
+              <a:rPr lang="en-US" sz="1700" dirty="0"/>
+              <a:t>	&gt; System Name, IP, and OS</a:t>
+            </a:r>
+          </a:p>
+          <a:p>
+            <a:r>
+              <a:rPr lang="en-US" sz="1700" dirty="0"/>
+              <a:t>	&gt; Network adapter Information</a:t>
+            </a:r>
+          </a:p>
+          <a:p>
+            <a:r>
+              <a:rPr lang="en-US" sz="1700" dirty="0"/>
+              <a:t>	&gt; Disk status &amp; health</a:t>
+            </a:r>
+          </a:p>
+          <a:p>
+            <a:r>
+              <a:rPr lang="en-US" sz="2600" b="1" dirty="0">
+                <a:latin typeface="Rajdhani" panose="02000000000000000000" pitchFamily="2" charset="0"/>
+                <a:cs typeface="Rajdhani" panose="02000000000000000000" pitchFamily="2" charset="0"/>
+              </a:rPr>
+              <a:t>Network Discovery:</a:t>
+            </a:r>
+          </a:p>
+          <a:p>
+            <a:r>
+              <a:rPr lang="en-US" sz="1700" dirty="0"/>
+              <a:t>	&gt; Display active devices</a:t>
+            </a:r>
+          </a:p>
+          <a:p>
+            <a:r>
+              <a:rPr lang="en-US" sz="1700" dirty="0"/>
+              <a:t>	&gt; Hostnames and MAC address</a:t>
+            </a:r>
+          </a:p>
+          <a:p>
+            <a:r>
+              <a:rPr lang="en-US" sz="1700" dirty="0"/>
+              <a:t>	&gt; Ping times</a:t>
+            </a:r>
+          </a:p>
+        </p:txBody>
+      </p:sp>
+      <p:sp>
+        <p:nvSpPr>
+          <p:cNvPr id="4" name="Content Placeholder 2">
+            <a:extLst>
+              <a:ext uri="{FF2B5EF4-FFF2-40B4-BE49-F238E27FC236}">
+                <a16:creationId xmlns:a16="http://schemas.microsoft.com/office/drawing/2014/main" id="{0367E20B-8868-4E29-82A9-12DA2C6C72A5}"/>
+              </a:ext>
+            </a:extLst>
+          </p:cNvPr>
+          <p:cNvSpPr txBox="1">
+            <a:spLocks/>
+          </p:cNvSpPr>
           <p:nvPr/>
-        </p:nvPicPr>
-        <p:blipFill>
-          <a:blip r:embed="rId2">
-            <a:extLst>
-              <a:ext uri="{28A0092B-C50C-407E-A947-70E740481C1C}">
-                <a14:useLocalDpi xmlns:a14="http://schemas.microsoft.com/office/drawing/2010/main" val="0"/>
-              </a:ext>
-            </a:extLst>
-          </a:blip>
-          <a:srcRect/>
-          <a:stretch>
-            <a:fillRect/>
-          </a:stretch>
-        </p:blipFill>
-        <p:spPr bwMode="auto">
+        </p:nvSpPr>
+        <p:spPr>
           <a:xfrm>
-            <a:off x="908050" y="1477250"/>
-            <a:ext cx="533400" cy="578240"/>
+            <a:off x="5724525" y="1253331"/>
+            <a:ext cx="4886325" cy="5004594"/>
           </a:xfrm>
           <a:prstGeom prst="rect">
             <a:avLst/>
           </a:prstGeom>
-          <a:noFill/>
-          <a:extLst>
-            <a:ext uri="{909E8E84-426E-40DD-AFC4-6F175D3DCCD1}">
-              <a14:hiddenFill xmlns:a14="http://schemas.microsoft.com/office/drawing/2010/main">
-                <a:solidFill>
-                  <a:srgbClr val="FFFFFF"/>
-                </a:solidFill>
-              </a14:hiddenFill>
-            </a:ext>
-          </a:extLst>
         </p:spPr>
-      </p:pic>
-      <p:pic>
-        <p:nvPicPr>
-          <p:cNvPr id="1028" name="Picture 4" descr="Node.js&quot; Icon - Download for free – Iconduck">
-            <a:extLst>
-              <a:ext uri="{FF2B5EF4-FFF2-40B4-BE49-F238E27FC236}">
-                <a16:creationId xmlns:a16="http://schemas.microsoft.com/office/drawing/2014/main" id="{F9966EBA-F6BA-4F00-BD7A-226326942F04}"/>
-              </a:ext>
-            </a:extLst>
-          </p:cNvPr>
-          <p:cNvPicPr>
-            <a:picLocks noChangeAspect="1" noChangeArrowheads="1"/>
-          </p:cNvPicPr>
-          <p:nvPr/>
-        </p:nvPicPr>
-        <p:blipFill>
-          <a:blip r:embed="rId3">
-            <a:extLst>
-              <a:ext uri="{28A0092B-C50C-407E-A947-70E740481C1C}">
-                <a14:useLocalDpi xmlns:a14="http://schemas.microsoft.com/office/drawing/2010/main" val="0"/>
-              </a:ext>
-            </a:extLst>
-          </a:blip>
-          <a:srcRect/>
-          <a:stretch>
-            <a:fillRect/>
-          </a:stretch>
-        </p:blipFill>
-        <p:spPr bwMode="auto">
-          <a:xfrm>
-            <a:off x="908050" y="2456775"/>
-            <a:ext cx="549778" cy="619630"/>
-          </a:xfrm>
-          <a:prstGeom prst="rect">
-            <a:avLst/>
-          </a:prstGeom>
-          <a:noFill/>
-          <a:extLst>
-            <a:ext uri="{909E8E84-426E-40DD-AFC4-6F175D3DCCD1}">
-              <a14:hiddenFill xmlns:a14="http://schemas.microsoft.com/office/drawing/2010/main">
-                <a:solidFill>
-                  <a:srgbClr val="FFFFFF"/>
-                </a:solidFill>
-              </a14:hiddenFill>
-            </a:ext>
-          </a:extLst>
-        </p:spPr>
-      </p:pic>
-      <p:pic>
-        <p:nvPicPr>
-          <p:cNvPr id="1034" name="Picture 10" descr="Javascript icons for free download | Freepik">
-            <a:extLst>
-              <a:ext uri="{FF2B5EF4-FFF2-40B4-BE49-F238E27FC236}">
-                <a16:creationId xmlns:a16="http://schemas.microsoft.com/office/drawing/2014/main" id="{F6F85FD2-4B1F-4EA8-891F-9E62250AFEE8}"/>
-              </a:ext>
-            </a:extLst>
-          </p:cNvPr>
-          <p:cNvPicPr>
-            <a:picLocks noChangeAspect="1" noChangeArrowheads="1"/>
-          </p:cNvPicPr>
-          <p:nvPr/>
-        </p:nvPicPr>
-        <p:blipFill>
-          <a:blip r:embed="rId4">
-            <a:extLst>
-              <a:ext uri="{28A0092B-C50C-407E-A947-70E740481C1C}">
-                <a14:useLocalDpi xmlns:a14="http://schemas.microsoft.com/office/drawing/2010/main" val="0"/>
-              </a:ext>
-            </a:extLst>
-          </a:blip>
-          <a:srcRect/>
-          <a:stretch>
-            <a:fillRect/>
-          </a:stretch>
-        </p:blipFill>
-        <p:spPr bwMode="auto">
-          <a:xfrm>
-            <a:off x="916239" y="3504447"/>
-            <a:ext cx="533400" cy="533400"/>
-          </a:xfrm>
-          <a:prstGeom prst="rect">
-            <a:avLst/>
-          </a:prstGeom>
-          <a:noFill/>
-          <a:extLst>
-            <a:ext uri="{909E8E84-426E-40DD-AFC4-6F175D3DCCD1}">
-              <a14:hiddenFill xmlns:a14="http://schemas.microsoft.com/office/drawing/2010/main">
-                <a:solidFill>
-                  <a:srgbClr val="FFFFFF"/>
-                </a:solidFill>
-              </a14:hiddenFill>
-            </a:ext>
-          </a:extLst>
-        </p:spPr>
-      </p:pic>
-      <p:pic>
-        <p:nvPicPr>
-          <p:cNvPr id="1036" name="Picture 12">
-            <a:extLst>
-              <a:ext uri="{FF2B5EF4-FFF2-40B4-BE49-F238E27FC236}">
-                <a16:creationId xmlns:a16="http://schemas.microsoft.com/office/drawing/2014/main" id="{C5BCD90C-ED68-47FA-9373-8810A71BCEA1}"/>
-              </a:ext>
-            </a:extLst>
-          </p:cNvPr>
-          <p:cNvPicPr>
-            <a:picLocks noChangeAspect="1" noChangeArrowheads="1"/>
-          </p:cNvPicPr>
-          <p:nvPr/>
-        </p:nvPicPr>
-        <p:blipFill>
-          <a:blip r:embed="rId5">
-            <a:extLst>
-              <a:ext uri="{28A0092B-C50C-407E-A947-70E740481C1C}">
-                <a14:useLocalDpi xmlns:a14="http://schemas.microsoft.com/office/drawing/2010/main" val="0"/>
-              </a:ext>
-            </a:extLst>
-          </a:blip>
-          <a:srcRect/>
-          <a:stretch>
-            <a:fillRect/>
-          </a:stretch>
-        </p:blipFill>
-        <p:spPr bwMode="auto">
-          <a:xfrm>
-            <a:off x="836604" y="4482024"/>
-            <a:ext cx="617546" cy="617546"/>
-          </a:xfrm>
-          <a:prstGeom prst="rect">
-            <a:avLst/>
-          </a:prstGeom>
-          <a:noFill/>
-          <a:extLst>
-            <a:ext uri="{909E8E84-426E-40DD-AFC4-6F175D3DCCD1}">
-              <a14:hiddenFill xmlns:a14="http://schemas.microsoft.com/office/drawing/2010/main">
-                <a:solidFill>
-                  <a:srgbClr val="FFFFFF"/>
-                </a:solidFill>
-              </a14:hiddenFill>
-            </a:ext>
-          </a:extLst>
-        </p:spPr>
-      </p:pic>
-      <p:pic>
-        <p:nvPicPr>
-          <p:cNvPr id="1044" name="Picture 20" descr="Other html 5 Icon | Plex Iconpack | Cornmanthe3rd">
-            <a:extLst>
-              <a:ext uri="{FF2B5EF4-FFF2-40B4-BE49-F238E27FC236}">
-                <a16:creationId xmlns:a16="http://schemas.microsoft.com/office/drawing/2014/main" id="{74AA4E9E-2648-41B6-8B44-09C29A052376}"/>
-              </a:ext>
-            </a:extLst>
-          </p:cNvPr>
-          <p:cNvPicPr>
-            <a:picLocks noChangeAspect="1" noChangeArrowheads="1"/>
-          </p:cNvPicPr>
-          <p:nvPr/>
-        </p:nvPicPr>
-        <p:blipFill>
-          <a:blip r:embed="rId6">
-            <a:extLst>
-              <a:ext uri="{28A0092B-C50C-407E-A947-70E740481C1C}">
-                <a14:useLocalDpi xmlns:a14="http://schemas.microsoft.com/office/drawing/2010/main" val="0"/>
-              </a:ext>
-            </a:extLst>
-          </a:blip>
-          <a:srcRect/>
-          <a:stretch>
-            <a:fillRect/>
-          </a:stretch>
-        </p:blipFill>
-        <p:spPr bwMode="auto">
-          <a:xfrm>
-            <a:off x="822507" y="5304277"/>
-            <a:ext cx="720864" cy="720864"/>
-          </a:xfrm>
-          <a:prstGeom prst="rect">
-            <a:avLst/>
-          </a:prstGeom>
-          <a:noFill/>
-          <a:extLst>
-            <a:ext uri="{909E8E84-426E-40DD-AFC4-6F175D3DCCD1}">
-              <a14:hiddenFill xmlns:a14="http://schemas.microsoft.com/office/drawing/2010/main">
-                <a:solidFill>
-                  <a:srgbClr val="FFFFFF"/>
-                </a:solidFill>
-              </a14:hiddenFill>
-            </a:ext>
-          </a:extLst>
-        </p:spPr>
-      </p:pic>
+        <p:txBody>
+          <a:bodyPr vert="horz" lIns="91440" tIns="45720" rIns="91440" bIns="45720" rtlCol="0">
+            <a:normAutofit/>
+          </a:bodyPr>
+          <a:lstStyle>
+            <a:lvl1pPr marL="0" indent="0" algn="l" defTabSz="914400" rtl="0" eaLnBrk="1" latinLnBrk="0" hangingPunct="1">
+              <a:lnSpc>
+                <a:spcPct val="150000"/>
+              </a:lnSpc>
+              <a:spcBef>
+                <a:spcPts val="1000"/>
+              </a:spcBef>
+              <a:buFont typeface="Arial" panose="020B0604020202020204" pitchFamily="34" charset="0"/>
+              <a:buNone/>
+              <a:defRPr sz="2400" kern="1200">
+                <a:solidFill>
+                  <a:schemeClr val="bg1"/>
+                </a:solidFill>
+                <a:latin typeface="Poppins" panose="00000500000000000000" pitchFamily="2" charset="0"/>
+                <a:ea typeface="+mn-ea"/>
+                <a:cs typeface="Poppins" panose="00000500000000000000" pitchFamily="2" charset="0"/>
+              </a:defRPr>
+            </a:lvl1pPr>
+            <a:lvl2pPr marL="457200" indent="0" algn="l" defTabSz="914400" rtl="0" eaLnBrk="1" latinLnBrk="0" hangingPunct="1">
+              <a:lnSpc>
+                <a:spcPct val="150000"/>
+              </a:lnSpc>
+              <a:spcBef>
+                <a:spcPts val="500"/>
+              </a:spcBef>
+              <a:buFont typeface="Arial" panose="020B0604020202020204" pitchFamily="34" charset="0"/>
+              <a:buNone/>
+              <a:defRPr sz="2000" kern="1200">
+                <a:solidFill>
+                  <a:schemeClr val="bg1"/>
+                </a:solidFill>
+                <a:latin typeface="Poppins" panose="00000500000000000000" pitchFamily="2" charset="0"/>
+                <a:ea typeface="+mn-ea"/>
+                <a:cs typeface="Poppins" panose="00000500000000000000" pitchFamily="2" charset="0"/>
+              </a:defRPr>
+            </a:lvl2pPr>
+            <a:lvl3pPr marL="914400" indent="0" algn="l" defTabSz="914400" rtl="0" eaLnBrk="1" latinLnBrk="0" hangingPunct="1">
+              <a:lnSpc>
+                <a:spcPct val="150000"/>
+              </a:lnSpc>
+              <a:spcBef>
+                <a:spcPts val="500"/>
+              </a:spcBef>
+              <a:buFont typeface="Arial" panose="020B0604020202020204" pitchFamily="34" charset="0"/>
+              <a:buNone/>
+              <a:defRPr sz="1800" kern="1200">
+                <a:solidFill>
+                  <a:schemeClr val="bg1"/>
+                </a:solidFill>
+                <a:latin typeface="Poppins" panose="00000500000000000000" pitchFamily="2" charset="0"/>
+                <a:ea typeface="+mn-ea"/>
+                <a:cs typeface="Poppins" panose="00000500000000000000" pitchFamily="2" charset="0"/>
+              </a:defRPr>
+            </a:lvl3pPr>
+            <a:lvl4pPr marL="1371600" indent="0" algn="l" defTabSz="914400" rtl="0" eaLnBrk="1" latinLnBrk="0" hangingPunct="1">
+              <a:lnSpc>
+                <a:spcPct val="150000"/>
+              </a:lnSpc>
+              <a:spcBef>
+                <a:spcPts val="500"/>
+              </a:spcBef>
+              <a:buFont typeface="Arial" panose="020B0604020202020204" pitchFamily="34" charset="0"/>
+              <a:buNone/>
+              <a:defRPr sz="1600" kern="1200">
+                <a:solidFill>
+                  <a:schemeClr val="bg1"/>
+                </a:solidFill>
+                <a:latin typeface="Poppins" panose="00000500000000000000" pitchFamily="2" charset="0"/>
+                <a:ea typeface="+mn-ea"/>
+                <a:cs typeface="Poppins" panose="00000500000000000000" pitchFamily="2" charset="0"/>
+              </a:defRPr>
+            </a:lvl4pPr>
+            <a:lvl5pPr marL="1828800" indent="0" algn="l" defTabSz="914400" rtl="0" eaLnBrk="1" latinLnBrk="0" hangingPunct="1">
+              <a:lnSpc>
+                <a:spcPct val="150000"/>
+              </a:lnSpc>
+              <a:spcBef>
+                <a:spcPts val="500"/>
+              </a:spcBef>
+              <a:buFont typeface="Arial" panose="020B0604020202020204" pitchFamily="34" charset="0"/>
+              <a:buNone/>
+              <a:defRPr sz="1600" kern="1200">
+                <a:solidFill>
+                  <a:schemeClr val="bg1"/>
+                </a:solidFill>
+                <a:latin typeface="Poppins" panose="00000500000000000000" pitchFamily="2" charset="0"/>
+                <a:ea typeface="+mn-ea"/>
+                <a:cs typeface="Poppins" panose="00000500000000000000" pitchFamily="2" charset="0"/>
+              </a:defRPr>
+            </a:lvl5pPr>
+            <a:lvl6pPr marL="2514600" indent="-228600" algn="l" defTabSz="914400" rtl="0" eaLnBrk="1" latinLnBrk="0" hangingPunct="1">
+              <a:lnSpc>
+                <a:spcPct val="90000"/>
+              </a:lnSpc>
+              <a:spcBef>
+                <a:spcPts val="500"/>
+              </a:spcBef>
+              <a:buFont typeface="Arial" panose="020B0604020202020204" pitchFamily="34" charset="0"/>
+              <a:buChar char="•"/>
+              <a:defRPr sz="1800" kern="1200">
+                <a:solidFill>
+                  <a:schemeClr val="tx1"/>
+                </a:solidFill>
+                <a:latin typeface="+mn-lt"/>
+                <a:ea typeface="+mn-ea"/>
+                <a:cs typeface="+mn-cs"/>
+              </a:defRPr>
+            </a:lvl6pPr>
+            <a:lvl7pPr marL="2971800" indent="-228600" algn="l" defTabSz="914400" rtl="0" eaLnBrk="1" latinLnBrk="0" hangingPunct="1">
+              <a:lnSpc>
+                <a:spcPct val="90000"/>
+              </a:lnSpc>
+              <a:spcBef>
+                <a:spcPts val="500"/>
+              </a:spcBef>
+              <a:buFont typeface="Arial" panose="020B0604020202020204" pitchFamily="34" charset="0"/>
+              <a:buChar char="•"/>
+              <a:defRPr sz="1800" kern="1200">
+                <a:solidFill>
+                  <a:schemeClr val="tx1"/>
+                </a:solidFill>
+                <a:latin typeface="+mn-lt"/>
+                <a:ea typeface="+mn-ea"/>
+                <a:cs typeface="+mn-cs"/>
+              </a:defRPr>
+            </a:lvl7pPr>
+            <a:lvl8pPr marL="3429000" indent="-228600" algn="l" defTabSz="914400" rtl="0" eaLnBrk="1" latinLnBrk="0" hangingPunct="1">
+              <a:lnSpc>
+                <a:spcPct val="90000"/>
+              </a:lnSpc>
+              <a:spcBef>
+                <a:spcPts val="500"/>
+              </a:spcBef>
+              <a:buFont typeface="Arial" panose="020B0604020202020204" pitchFamily="34" charset="0"/>
+              <a:buChar char="•"/>
+              <a:defRPr sz="1800" kern="1200">
+                <a:solidFill>
+                  <a:schemeClr val="tx1"/>
+                </a:solidFill>
+                <a:latin typeface="+mn-lt"/>
+                <a:ea typeface="+mn-ea"/>
+                <a:cs typeface="+mn-cs"/>
+              </a:defRPr>
+            </a:lvl8pPr>
+            <a:lvl9pPr marL="3886200" indent="-228600" algn="l" defTabSz="914400" rtl="0" eaLnBrk="1" latinLnBrk="0" hangingPunct="1">
+              <a:lnSpc>
+                <a:spcPct val="90000"/>
+              </a:lnSpc>
+              <a:spcBef>
+                <a:spcPts val="500"/>
+              </a:spcBef>
+              <a:buFont typeface="Arial" panose="020B0604020202020204" pitchFamily="34" charset="0"/>
+              <a:buChar char="•"/>
+              <a:defRPr sz="1800" kern="1200">
+                <a:solidFill>
+                  <a:schemeClr val="tx1"/>
+                </a:solidFill>
+                <a:latin typeface="+mn-lt"/>
+                <a:ea typeface="+mn-ea"/>
+                <a:cs typeface="+mn-cs"/>
+              </a:defRPr>
+            </a:lvl9pPr>
+          </a:lstStyle>
+          <a:p>
+            <a:r>
+              <a:rPr lang="en-US" sz="2600" b="1" dirty="0">
+                <a:latin typeface="Rajdhani" panose="02000000000000000000" pitchFamily="2" charset="0"/>
+                <a:cs typeface="Rajdhani" panose="02000000000000000000" pitchFamily="2" charset="0"/>
+              </a:rPr>
+              <a:t>Port Scanning:</a:t>
+            </a:r>
+          </a:p>
+          <a:p>
+            <a:r>
+              <a:rPr lang="en-US" sz="1700" dirty="0"/>
+              <a:t>	&gt; Display open and closed ports</a:t>
+            </a:r>
+          </a:p>
+          <a:p>
+            <a:r>
+              <a:rPr lang="en-US" sz="1700" dirty="0"/>
+              <a:t>	&gt; Check common ports</a:t>
+            </a:r>
+          </a:p>
+          <a:p>
+            <a:r>
+              <a:rPr lang="en-US" sz="1700" dirty="0"/>
+              <a:t>	&gt; Visual grid layout</a:t>
+            </a:r>
+            <a:endParaRPr lang="en-US" sz="1300" dirty="0"/>
+          </a:p>
+        </p:txBody>
+      </p:sp>
     </p:spTree>
     <p:extLst>
       <p:ext uri="{BB962C8B-B14F-4D97-AF65-F5344CB8AC3E}">
-        <p14:creationId xmlns:p14="http://schemas.microsoft.com/office/powerpoint/2010/main" val="3280746969"/>
+        <p14:creationId xmlns:p14="http://schemas.microsoft.com/office/powerpoint/2010/main" val="1317941096"/>
       </p:ext>
     </p:extLst>
   </p:cSld>
@@ -5450,7 +5568,7 @@
           <p:cNvPr id="2" name="Title 1">
             <a:extLst>
               <a:ext uri="{FF2B5EF4-FFF2-40B4-BE49-F238E27FC236}">
-                <a16:creationId xmlns:a16="http://schemas.microsoft.com/office/drawing/2014/main" id="{ACAA7348-24BE-6546-0061-8C044ADC1A97}"/>
+                <a16:creationId xmlns:a16="http://schemas.microsoft.com/office/drawing/2014/main" id="{D0F0DCB9-7B0A-401A-963F-3A1C09E7B3DA}"/>
               </a:ext>
             </a:extLst>
           </p:cNvPr>
@@ -5461,47 +5579,820 @@
             <p:ph type="title"/>
           </p:nvPr>
         </p:nvSpPr>
-        <p:spPr/>
+        <p:spPr>
+          <a:xfrm>
+            <a:off x="638610" y="163993"/>
+            <a:ext cx="10914780" cy="912099"/>
+          </a:xfrm>
+        </p:spPr>
         <p:txBody>
           <a:bodyPr/>
           <a:lstStyle/>
           <a:p>
             <a:r>
               <a:rPr lang="en-US" dirty="0"/>
-              <a:t>Requirements</a:t>
-            </a:r>
-          </a:p>
-        </p:txBody>
-      </p:sp>
-      <p:sp>
-        <p:nvSpPr>
-          <p:cNvPr id="3" name="Content Placeholder 2">
-            <a:extLst>
-              <a:ext uri="{FF2B5EF4-FFF2-40B4-BE49-F238E27FC236}">
-                <a16:creationId xmlns:a16="http://schemas.microsoft.com/office/drawing/2014/main" id="{8A5C68AF-2055-CAA1-3717-B93556D1C113}"/>
-              </a:ext>
-            </a:extLst>
-          </p:cNvPr>
-          <p:cNvSpPr>
-            <a:spLocks noGrp="1"/>
-          </p:cNvSpPr>
-          <p:nvPr>
-            <p:ph idx="1"/>
-          </p:nvPr>
-        </p:nvSpPr>
-        <p:spPr/>
-        <p:txBody>
-          <a:bodyPr/>
+              <a:t>Implementation</a:t>
+            </a:r>
+          </a:p>
+        </p:txBody>
+      </p:sp>
+      <p:sp>
+        <p:nvSpPr>
+          <p:cNvPr id="7" name="Rectangle 6">
+            <a:extLst>
+              <a:ext uri="{FF2B5EF4-FFF2-40B4-BE49-F238E27FC236}">
+                <a16:creationId xmlns:a16="http://schemas.microsoft.com/office/drawing/2014/main" id="{BC4C6130-2696-4EF9-A743-B159C2A7810F}"/>
+              </a:ext>
+            </a:extLst>
+          </p:cNvPr>
+          <p:cNvSpPr/>
+          <p:nvPr/>
+        </p:nvSpPr>
+        <p:spPr>
+          <a:xfrm>
+            <a:off x="454585" y="1279293"/>
+            <a:ext cx="4100485" cy="3468100"/>
+          </a:xfrm>
+          <a:prstGeom prst="rect">
+            <a:avLst/>
+          </a:prstGeom>
+          <a:ln>
+            <a:noFill/>
+          </a:ln>
+        </p:spPr>
+        <p:style>
+          <a:lnRef idx="2">
+            <a:schemeClr val="accent2">
+              <a:shade val="50000"/>
+            </a:schemeClr>
+          </a:lnRef>
+          <a:fillRef idx="1">
+            <a:schemeClr val="accent2"/>
+          </a:fillRef>
+          <a:effectRef idx="0">
+            <a:schemeClr val="accent2"/>
+          </a:effectRef>
+          <a:fontRef idx="minor">
+            <a:schemeClr val="lt1"/>
+          </a:fontRef>
+        </p:style>
+        <p:txBody>
+          <a:bodyPr rtlCol="0" anchor="ctr"/>
           <a:lstStyle/>
           <a:p>
+            <a:pPr algn="ctr"/>
+            <a:endParaRPr lang="en-US" dirty="0"/>
+          </a:p>
+        </p:txBody>
+      </p:sp>
+      <p:sp>
+        <p:nvSpPr>
+          <p:cNvPr id="6" name="TextBox 5">
+            <a:extLst>
+              <a:ext uri="{FF2B5EF4-FFF2-40B4-BE49-F238E27FC236}">
+                <a16:creationId xmlns:a16="http://schemas.microsoft.com/office/drawing/2014/main" id="{C7A5AA88-C4A9-48A6-8E9C-F3725B54CACC}"/>
+              </a:ext>
+            </a:extLst>
+          </p:cNvPr>
+          <p:cNvSpPr txBox="1"/>
+          <p:nvPr/>
+        </p:nvSpPr>
+        <p:spPr>
+          <a:xfrm>
+            <a:off x="1602319" y="1341779"/>
+            <a:ext cx="1800226" cy="461665"/>
+          </a:xfrm>
+          <a:prstGeom prst="rect">
+            <a:avLst/>
+          </a:prstGeom>
+          <a:noFill/>
+        </p:spPr>
+        <p:txBody>
+          <a:bodyPr wrap="square" rtlCol="0" anchor="ctr">
+            <a:spAutoFit/>
+          </a:bodyPr>
+          <a:lstStyle/>
+          <a:p>
+            <a:pPr algn="ctr"/>
+            <a:r>
+              <a:rPr lang="en-US" sz="2400" b="1" dirty="0">
+                <a:solidFill>
+                  <a:schemeClr val="bg1"/>
+                </a:solidFill>
+                <a:latin typeface="Rajdhani" panose="02000000000000000000" pitchFamily="2" charset="0"/>
+                <a:cs typeface="Rajdhani" panose="02000000000000000000" pitchFamily="2" charset="0"/>
+              </a:rPr>
+              <a:t>Node.js</a:t>
+            </a:r>
+          </a:p>
+        </p:txBody>
+      </p:sp>
+      <p:sp>
+        <p:nvSpPr>
+          <p:cNvPr id="8" name="Rectangle 7">
+            <a:extLst>
+              <a:ext uri="{FF2B5EF4-FFF2-40B4-BE49-F238E27FC236}">
+                <a16:creationId xmlns:a16="http://schemas.microsoft.com/office/drawing/2014/main" id="{9231D777-9FC2-4ED0-813D-C3C185503970}"/>
+              </a:ext>
+            </a:extLst>
+          </p:cNvPr>
+          <p:cNvSpPr/>
+          <p:nvPr/>
+        </p:nvSpPr>
+        <p:spPr>
+          <a:xfrm>
+            <a:off x="479064" y="4868046"/>
+            <a:ext cx="4100484" cy="1630755"/>
+          </a:xfrm>
+          <a:prstGeom prst="rect">
+            <a:avLst/>
+          </a:prstGeom>
+          <a:solidFill>
+            <a:schemeClr val="accent1">
+              <a:lumMod val="75000"/>
+              <a:lumOff val="25000"/>
+            </a:schemeClr>
+          </a:solidFill>
+          <a:ln>
+            <a:noFill/>
+          </a:ln>
+        </p:spPr>
+        <p:style>
+          <a:lnRef idx="2">
+            <a:schemeClr val="accent4">
+              <a:shade val="50000"/>
+            </a:schemeClr>
+          </a:lnRef>
+          <a:fillRef idx="1">
+            <a:schemeClr val="accent4"/>
+          </a:fillRef>
+          <a:effectRef idx="0">
+            <a:schemeClr val="accent4"/>
+          </a:effectRef>
+          <a:fontRef idx="minor">
+            <a:schemeClr val="lt1"/>
+          </a:fontRef>
+        </p:style>
+        <p:txBody>
+          <a:bodyPr rtlCol="0" anchor="ctr"/>
+          <a:lstStyle/>
+          <a:p>
+            <a:pPr algn="ctr"/>
             <a:endParaRPr lang="en-US"/>
+          </a:p>
+        </p:txBody>
+      </p:sp>
+      <p:sp>
+        <p:nvSpPr>
+          <p:cNvPr id="9" name="TextBox 8">
+            <a:extLst>
+              <a:ext uri="{FF2B5EF4-FFF2-40B4-BE49-F238E27FC236}">
+                <a16:creationId xmlns:a16="http://schemas.microsoft.com/office/drawing/2014/main" id="{EE87D7DD-E6A5-4253-921E-9D4D2CE3167C}"/>
+              </a:ext>
+            </a:extLst>
+          </p:cNvPr>
+          <p:cNvSpPr txBox="1"/>
+          <p:nvPr/>
+        </p:nvSpPr>
+        <p:spPr>
+          <a:xfrm>
+            <a:off x="1629193" y="4967727"/>
+            <a:ext cx="1800226" cy="461665"/>
+          </a:xfrm>
+          <a:prstGeom prst="rect">
+            <a:avLst/>
+          </a:prstGeom>
+          <a:noFill/>
+        </p:spPr>
+        <p:txBody>
+          <a:bodyPr wrap="square" rtlCol="0" anchor="ctr">
+            <a:spAutoFit/>
+          </a:bodyPr>
+          <a:lstStyle/>
+          <a:p>
+            <a:pPr algn="ctr"/>
+            <a:r>
+              <a:rPr lang="en-US" sz="2400" b="1" dirty="0">
+                <a:solidFill>
+                  <a:schemeClr val="bg1"/>
+                </a:solidFill>
+                <a:latin typeface="Rajdhani" panose="02000000000000000000" pitchFamily="2" charset="0"/>
+                <a:cs typeface="Rajdhani" panose="02000000000000000000" pitchFamily="2" charset="0"/>
+              </a:rPr>
+              <a:t>PowerShell</a:t>
+            </a:r>
+          </a:p>
+        </p:txBody>
+      </p:sp>
+      <p:sp>
+        <p:nvSpPr>
+          <p:cNvPr id="10" name="Rectangle 9">
+            <a:extLst>
+              <a:ext uri="{FF2B5EF4-FFF2-40B4-BE49-F238E27FC236}">
+                <a16:creationId xmlns:a16="http://schemas.microsoft.com/office/drawing/2014/main" id="{1DE33CF6-BBE8-4973-91E2-D8729E49C8C9}"/>
+              </a:ext>
+            </a:extLst>
+          </p:cNvPr>
+          <p:cNvSpPr/>
+          <p:nvPr/>
+        </p:nvSpPr>
+        <p:spPr>
+          <a:xfrm>
+            <a:off x="4656524" y="1279292"/>
+            <a:ext cx="3810143" cy="5214641"/>
+          </a:xfrm>
+          <a:prstGeom prst="rect">
+            <a:avLst/>
+          </a:prstGeom>
+          <a:solidFill>
+            <a:schemeClr val="accent5">
+              <a:lumMod val="75000"/>
+            </a:schemeClr>
+          </a:solidFill>
+          <a:ln>
+            <a:noFill/>
+          </a:ln>
+        </p:spPr>
+        <p:style>
+          <a:lnRef idx="2">
+            <a:schemeClr val="accent5">
+              <a:shade val="50000"/>
+            </a:schemeClr>
+          </a:lnRef>
+          <a:fillRef idx="1">
+            <a:schemeClr val="accent5"/>
+          </a:fillRef>
+          <a:effectRef idx="0">
+            <a:schemeClr val="accent5"/>
+          </a:effectRef>
+          <a:fontRef idx="minor">
+            <a:schemeClr val="lt1"/>
+          </a:fontRef>
+        </p:style>
+        <p:txBody>
+          <a:bodyPr rtlCol="0" anchor="ctr"/>
+          <a:lstStyle/>
+          <a:p>
+            <a:pPr algn="ctr"/>
+            <a:endParaRPr lang="en-US"/>
+          </a:p>
+        </p:txBody>
+      </p:sp>
+      <p:sp>
+        <p:nvSpPr>
+          <p:cNvPr id="11" name="TextBox 10">
+            <a:extLst>
+              <a:ext uri="{FF2B5EF4-FFF2-40B4-BE49-F238E27FC236}">
+                <a16:creationId xmlns:a16="http://schemas.microsoft.com/office/drawing/2014/main" id="{DA5033DB-A5DE-4C1C-B452-7D0C4B93D92E}"/>
+              </a:ext>
+            </a:extLst>
+          </p:cNvPr>
+          <p:cNvSpPr txBox="1"/>
+          <p:nvPr/>
+        </p:nvSpPr>
+        <p:spPr>
+          <a:xfrm>
+            <a:off x="5661482" y="1336911"/>
+            <a:ext cx="1800226" cy="461665"/>
+          </a:xfrm>
+          <a:prstGeom prst="rect">
+            <a:avLst/>
+          </a:prstGeom>
+          <a:noFill/>
+        </p:spPr>
+        <p:txBody>
+          <a:bodyPr wrap="square" rtlCol="0" anchor="ctr">
+            <a:spAutoFit/>
+          </a:bodyPr>
+          <a:lstStyle/>
+          <a:p>
+            <a:pPr algn="ctr"/>
+            <a:r>
+              <a:rPr lang="en-US" sz="2400" b="1" dirty="0">
+                <a:solidFill>
+                  <a:schemeClr val="bg1"/>
+                </a:solidFill>
+                <a:latin typeface="Rajdhani" panose="02000000000000000000" pitchFamily="2" charset="0"/>
+                <a:cs typeface="Rajdhani" panose="02000000000000000000" pitchFamily="2" charset="0"/>
+              </a:rPr>
+              <a:t>JavaScript</a:t>
+            </a:r>
+          </a:p>
+        </p:txBody>
+      </p:sp>
+      <p:sp>
+        <p:nvSpPr>
+          <p:cNvPr id="12" name="Rectangle 11">
+            <a:extLst>
+              <a:ext uri="{FF2B5EF4-FFF2-40B4-BE49-F238E27FC236}">
+                <a16:creationId xmlns:a16="http://schemas.microsoft.com/office/drawing/2014/main" id="{A269D986-AB18-4F08-A279-C7676AB52070}"/>
+              </a:ext>
+            </a:extLst>
+          </p:cNvPr>
+          <p:cNvSpPr/>
+          <p:nvPr/>
+        </p:nvSpPr>
+        <p:spPr>
+          <a:xfrm>
+            <a:off x="8566578" y="1279291"/>
+            <a:ext cx="3142821" cy="5214641"/>
+          </a:xfrm>
+          <a:prstGeom prst="rect">
+            <a:avLst/>
+          </a:prstGeom>
+          <a:solidFill>
+            <a:schemeClr val="accent6">
+              <a:lumMod val="75000"/>
+            </a:schemeClr>
+          </a:solidFill>
+          <a:ln>
+            <a:noFill/>
+          </a:ln>
+        </p:spPr>
+        <p:style>
+          <a:lnRef idx="2">
+            <a:schemeClr val="accent6">
+              <a:shade val="50000"/>
+            </a:schemeClr>
+          </a:lnRef>
+          <a:fillRef idx="1">
+            <a:schemeClr val="accent6"/>
+          </a:fillRef>
+          <a:effectRef idx="0">
+            <a:schemeClr val="accent6"/>
+          </a:effectRef>
+          <a:fontRef idx="minor">
+            <a:schemeClr val="lt1"/>
+          </a:fontRef>
+        </p:style>
+        <p:txBody>
+          <a:bodyPr rtlCol="0" anchor="ctr"/>
+          <a:lstStyle/>
+          <a:p>
+            <a:pPr algn="ctr"/>
+            <a:endParaRPr lang="en-US"/>
+          </a:p>
+        </p:txBody>
+      </p:sp>
+      <p:sp>
+        <p:nvSpPr>
+          <p:cNvPr id="13" name="TextBox 12">
+            <a:extLst>
+              <a:ext uri="{FF2B5EF4-FFF2-40B4-BE49-F238E27FC236}">
+                <a16:creationId xmlns:a16="http://schemas.microsoft.com/office/drawing/2014/main" id="{01CA1175-DEF0-4787-9987-B792274111D8}"/>
+              </a:ext>
+            </a:extLst>
+          </p:cNvPr>
+          <p:cNvSpPr txBox="1"/>
+          <p:nvPr/>
+        </p:nvSpPr>
+        <p:spPr>
+          <a:xfrm>
+            <a:off x="9237875" y="1392580"/>
+            <a:ext cx="1800226" cy="461665"/>
+          </a:xfrm>
+          <a:prstGeom prst="rect">
+            <a:avLst/>
+          </a:prstGeom>
+          <a:noFill/>
+        </p:spPr>
+        <p:txBody>
+          <a:bodyPr wrap="square" rtlCol="0" anchor="ctr">
+            <a:spAutoFit/>
+          </a:bodyPr>
+          <a:lstStyle/>
+          <a:p>
+            <a:pPr algn="ctr"/>
+            <a:r>
+              <a:rPr lang="en-US" sz="2400" b="1" dirty="0">
+                <a:solidFill>
+                  <a:schemeClr val="bg1"/>
+                </a:solidFill>
+                <a:latin typeface="Rajdhani" panose="02000000000000000000" pitchFamily="2" charset="0"/>
+                <a:cs typeface="Rajdhani" panose="02000000000000000000" pitchFamily="2" charset="0"/>
+              </a:rPr>
+              <a:t>HTML/CSS</a:t>
+            </a:r>
+          </a:p>
+        </p:txBody>
+      </p:sp>
+      <p:pic>
+        <p:nvPicPr>
+          <p:cNvPr id="16" name="Picture 15">
+            <a:extLst>
+              <a:ext uri="{FF2B5EF4-FFF2-40B4-BE49-F238E27FC236}">
+                <a16:creationId xmlns:a16="http://schemas.microsoft.com/office/drawing/2014/main" id="{67B45357-D1F3-4723-98A5-CE2A72533D53}"/>
+              </a:ext>
+            </a:extLst>
+          </p:cNvPr>
+          <p:cNvPicPr>
+            <a:picLocks noChangeAspect="1"/>
+          </p:cNvPicPr>
+          <p:nvPr/>
+        </p:nvPicPr>
+        <p:blipFill>
+          <a:blip r:embed="rId2"/>
+          <a:stretch>
+            <a:fillRect/>
+          </a:stretch>
+        </p:blipFill>
+        <p:spPr>
+          <a:xfrm>
+            <a:off x="638611" y="2583430"/>
+            <a:ext cx="3801005" cy="362001"/>
+          </a:xfrm>
+          <a:prstGeom prst="rect">
+            <a:avLst/>
+          </a:prstGeom>
+        </p:spPr>
+      </p:pic>
+      <p:pic>
+        <p:nvPicPr>
+          <p:cNvPr id="19" name="Picture 18">
+            <a:extLst>
+              <a:ext uri="{FF2B5EF4-FFF2-40B4-BE49-F238E27FC236}">
+                <a16:creationId xmlns:a16="http://schemas.microsoft.com/office/drawing/2014/main" id="{05DCCF72-AEE6-4076-B84C-C29602230EE7}"/>
+              </a:ext>
+            </a:extLst>
+          </p:cNvPr>
+          <p:cNvPicPr>
+            <a:picLocks noChangeAspect="1"/>
+          </p:cNvPicPr>
+          <p:nvPr/>
+        </p:nvPicPr>
+        <p:blipFill>
+          <a:blip r:embed="rId3"/>
+          <a:stretch>
+            <a:fillRect/>
+          </a:stretch>
+        </p:blipFill>
+        <p:spPr>
+          <a:xfrm>
+            <a:off x="638610" y="3089336"/>
+            <a:ext cx="3801005" cy="1536387"/>
+          </a:xfrm>
+          <a:prstGeom prst="rect">
+            <a:avLst/>
+          </a:prstGeom>
+        </p:spPr>
+      </p:pic>
+      <p:pic>
+        <p:nvPicPr>
+          <p:cNvPr id="22" name="Picture 21">
+            <a:extLst>
+              <a:ext uri="{FF2B5EF4-FFF2-40B4-BE49-F238E27FC236}">
+                <a16:creationId xmlns:a16="http://schemas.microsoft.com/office/drawing/2014/main" id="{F7AEED6C-0FB0-4533-B7A2-AEFB9D945192}"/>
+              </a:ext>
+            </a:extLst>
+          </p:cNvPr>
+          <p:cNvPicPr>
+            <a:picLocks noChangeAspect="1"/>
+          </p:cNvPicPr>
+          <p:nvPr/>
+        </p:nvPicPr>
+        <p:blipFill>
+          <a:blip r:embed="rId4"/>
+          <a:stretch>
+            <a:fillRect/>
+          </a:stretch>
+        </p:blipFill>
+        <p:spPr>
+          <a:xfrm>
+            <a:off x="681499" y="5889748"/>
+            <a:ext cx="3736358" cy="497762"/>
+          </a:xfrm>
+          <a:prstGeom prst="rect">
+            <a:avLst/>
+          </a:prstGeom>
+        </p:spPr>
+      </p:pic>
+      <p:pic>
+        <p:nvPicPr>
+          <p:cNvPr id="25" name="Picture 24">
+            <a:extLst>
+              <a:ext uri="{FF2B5EF4-FFF2-40B4-BE49-F238E27FC236}">
+                <a16:creationId xmlns:a16="http://schemas.microsoft.com/office/drawing/2014/main" id="{85C79BB7-BF51-482B-B952-CE43ABAD05C2}"/>
+              </a:ext>
+            </a:extLst>
+          </p:cNvPr>
+          <p:cNvPicPr>
+            <a:picLocks noChangeAspect="1"/>
+          </p:cNvPicPr>
+          <p:nvPr/>
+        </p:nvPicPr>
+        <p:blipFill>
+          <a:blip r:embed="rId5"/>
+          <a:stretch>
+            <a:fillRect/>
+          </a:stretch>
+        </p:blipFill>
+        <p:spPr>
+          <a:xfrm>
+            <a:off x="4790999" y="2577106"/>
+            <a:ext cx="3541191" cy="3810404"/>
+          </a:xfrm>
+          <a:prstGeom prst="rect">
+            <a:avLst/>
+          </a:prstGeom>
+        </p:spPr>
+      </p:pic>
+      <p:sp>
+        <p:nvSpPr>
+          <p:cNvPr id="26" name="Arrow: Chevron 25">
+            <a:extLst>
+              <a:ext uri="{FF2B5EF4-FFF2-40B4-BE49-F238E27FC236}">
+                <a16:creationId xmlns:a16="http://schemas.microsoft.com/office/drawing/2014/main" id="{5A07AC10-CEF8-4F63-AD77-9E9955175242}"/>
+              </a:ext>
+            </a:extLst>
+          </p:cNvPr>
+          <p:cNvSpPr/>
+          <p:nvPr/>
+        </p:nvSpPr>
+        <p:spPr>
+          <a:xfrm flipV="1">
+            <a:off x="4016293" y="1378725"/>
+            <a:ext cx="1080640" cy="381336"/>
+          </a:xfrm>
+          <a:prstGeom prst="chevron">
+            <a:avLst/>
+          </a:prstGeom>
+          <a:solidFill>
+            <a:schemeClr val="accent3"/>
+          </a:solidFill>
+          <a:ln>
+            <a:noFill/>
+          </a:ln>
+        </p:spPr>
+        <p:style>
+          <a:lnRef idx="2">
+            <a:schemeClr val="accent1">
+              <a:shade val="50000"/>
+            </a:schemeClr>
+          </a:lnRef>
+          <a:fillRef idx="1">
+            <a:schemeClr val="accent1"/>
+          </a:fillRef>
+          <a:effectRef idx="0">
+            <a:schemeClr val="accent1"/>
+          </a:effectRef>
+          <a:fontRef idx="minor">
+            <a:schemeClr val="lt1"/>
+          </a:fontRef>
+        </p:style>
+        <p:txBody>
+          <a:bodyPr rtlCol="0" anchor="ctr"/>
+          <a:lstStyle/>
+          <a:p>
+            <a:pPr algn="ctr"/>
+            <a:endParaRPr lang="en-US">
+              <a:solidFill>
+                <a:schemeClr val="tx1"/>
+              </a:solidFill>
+            </a:endParaRPr>
+          </a:p>
+        </p:txBody>
+      </p:sp>
+      <p:sp>
+        <p:nvSpPr>
+          <p:cNvPr id="28" name="Arrow: Chevron 27">
+            <a:extLst>
+              <a:ext uri="{FF2B5EF4-FFF2-40B4-BE49-F238E27FC236}">
+                <a16:creationId xmlns:a16="http://schemas.microsoft.com/office/drawing/2014/main" id="{621101D8-C89D-4792-BF5A-4DC2E242753D}"/>
+              </a:ext>
+            </a:extLst>
+          </p:cNvPr>
+          <p:cNvSpPr/>
+          <p:nvPr/>
+        </p:nvSpPr>
+        <p:spPr>
+          <a:xfrm flipV="1">
+            <a:off x="8027881" y="1389800"/>
+            <a:ext cx="1080640" cy="381336"/>
+          </a:xfrm>
+          <a:prstGeom prst="chevron">
+            <a:avLst/>
+          </a:prstGeom>
+          <a:solidFill>
+            <a:schemeClr val="accent3"/>
+          </a:solidFill>
+          <a:ln>
+            <a:noFill/>
+          </a:ln>
+        </p:spPr>
+        <p:style>
+          <a:lnRef idx="2">
+            <a:schemeClr val="accent1">
+              <a:shade val="50000"/>
+            </a:schemeClr>
+          </a:lnRef>
+          <a:fillRef idx="1">
+            <a:schemeClr val="accent1"/>
+          </a:fillRef>
+          <a:effectRef idx="0">
+            <a:schemeClr val="accent1"/>
+          </a:effectRef>
+          <a:fontRef idx="minor">
+            <a:schemeClr val="lt1"/>
+          </a:fontRef>
+        </p:style>
+        <p:txBody>
+          <a:bodyPr rtlCol="0" anchor="ctr"/>
+          <a:lstStyle/>
+          <a:p>
+            <a:pPr algn="ctr"/>
+            <a:endParaRPr lang="en-US">
+              <a:solidFill>
+                <a:schemeClr val="tx1"/>
+              </a:solidFill>
+            </a:endParaRPr>
+          </a:p>
+        </p:txBody>
+      </p:sp>
+      <p:sp>
+        <p:nvSpPr>
+          <p:cNvPr id="29" name="TextBox 28">
+            <a:extLst>
+              <a:ext uri="{FF2B5EF4-FFF2-40B4-BE49-F238E27FC236}">
+                <a16:creationId xmlns:a16="http://schemas.microsoft.com/office/drawing/2014/main" id="{8424C62F-E7D5-476F-B099-191C59AD3B79}"/>
+              </a:ext>
+            </a:extLst>
+          </p:cNvPr>
+          <p:cNvSpPr txBox="1"/>
+          <p:nvPr/>
+        </p:nvSpPr>
+        <p:spPr>
+          <a:xfrm>
+            <a:off x="681499" y="1842607"/>
+            <a:ext cx="3736358" cy="620170"/>
+          </a:xfrm>
+          <a:prstGeom prst="rect">
+            <a:avLst/>
+          </a:prstGeom>
+          <a:noFill/>
+        </p:spPr>
+        <p:txBody>
+          <a:bodyPr wrap="square" rtlCol="0">
+            <a:spAutoFit/>
+          </a:bodyPr>
+          <a:lstStyle/>
+          <a:p>
+            <a:pPr algn="ctr">
+              <a:lnSpc>
+                <a:spcPct val="150000"/>
+              </a:lnSpc>
+            </a:pPr>
+            <a:r>
+              <a:rPr lang="en-US" sz="1200" dirty="0">
+                <a:solidFill>
+                  <a:schemeClr val="bg1"/>
+                </a:solidFill>
+                <a:latin typeface="Poppins" panose="00000500000000000000" pitchFamily="2" charset="0"/>
+                <a:cs typeface="Poppins" panose="00000500000000000000" pitchFamily="2" charset="0"/>
+              </a:rPr>
+              <a:t>Sends a command for PowerShell to execute and waits for the results</a:t>
+            </a:r>
+          </a:p>
+        </p:txBody>
+      </p:sp>
+      <p:sp>
+        <p:nvSpPr>
+          <p:cNvPr id="30" name="TextBox 29">
+            <a:extLst>
+              <a:ext uri="{FF2B5EF4-FFF2-40B4-BE49-F238E27FC236}">
+                <a16:creationId xmlns:a16="http://schemas.microsoft.com/office/drawing/2014/main" id="{6006CC96-6502-41D9-A3C7-F3602A8D6A96}"/>
+              </a:ext>
+            </a:extLst>
+          </p:cNvPr>
+          <p:cNvSpPr txBox="1"/>
+          <p:nvPr/>
+        </p:nvSpPr>
+        <p:spPr>
+          <a:xfrm>
+            <a:off x="661127" y="5455826"/>
+            <a:ext cx="3736358" cy="343171"/>
+          </a:xfrm>
+          <a:prstGeom prst="rect">
+            <a:avLst/>
+          </a:prstGeom>
+          <a:noFill/>
+        </p:spPr>
+        <p:txBody>
+          <a:bodyPr wrap="square" rtlCol="0">
+            <a:spAutoFit/>
+          </a:bodyPr>
+          <a:lstStyle/>
+          <a:p>
+            <a:pPr>
+              <a:lnSpc>
+                <a:spcPct val="150000"/>
+              </a:lnSpc>
+            </a:pPr>
+            <a:endParaRPr lang="en-US" sz="1200" dirty="0">
+              <a:solidFill>
+                <a:schemeClr val="bg1"/>
+              </a:solidFill>
+              <a:latin typeface="Poppins" panose="00000500000000000000" pitchFamily="2" charset="0"/>
+              <a:cs typeface="Poppins" panose="00000500000000000000" pitchFamily="2" charset="0"/>
+            </a:endParaRPr>
+          </a:p>
+        </p:txBody>
+      </p:sp>
+      <p:sp>
+        <p:nvSpPr>
+          <p:cNvPr id="31" name="TextBox 30">
+            <a:extLst>
+              <a:ext uri="{FF2B5EF4-FFF2-40B4-BE49-F238E27FC236}">
+                <a16:creationId xmlns:a16="http://schemas.microsoft.com/office/drawing/2014/main" id="{F403C367-3AE1-46CC-9B4A-8EAFE2365200}"/>
+              </a:ext>
+            </a:extLst>
+          </p:cNvPr>
+          <p:cNvSpPr txBox="1"/>
+          <p:nvPr/>
+        </p:nvSpPr>
+        <p:spPr>
+          <a:xfrm>
+            <a:off x="634253" y="5431663"/>
+            <a:ext cx="3736358" cy="343171"/>
+          </a:xfrm>
+          <a:prstGeom prst="rect">
+            <a:avLst/>
+          </a:prstGeom>
+          <a:noFill/>
+        </p:spPr>
+        <p:txBody>
+          <a:bodyPr wrap="square" rtlCol="0">
+            <a:spAutoFit/>
+          </a:bodyPr>
+          <a:lstStyle/>
+          <a:p>
+            <a:pPr algn="ctr">
+              <a:lnSpc>
+                <a:spcPct val="150000"/>
+              </a:lnSpc>
+            </a:pPr>
+            <a:r>
+              <a:rPr lang="en-US" sz="1200" dirty="0">
+                <a:solidFill>
+                  <a:schemeClr val="bg1"/>
+                </a:solidFill>
+                <a:latin typeface="Poppins" panose="00000500000000000000" pitchFamily="2" charset="0"/>
+                <a:cs typeface="Poppins" panose="00000500000000000000" pitchFamily="2" charset="0"/>
+              </a:rPr>
+              <a:t>Runs command and sends the output back</a:t>
+            </a:r>
+          </a:p>
+        </p:txBody>
+      </p:sp>
+      <p:sp>
+        <p:nvSpPr>
+          <p:cNvPr id="32" name="TextBox 31">
+            <a:extLst>
+              <a:ext uri="{FF2B5EF4-FFF2-40B4-BE49-F238E27FC236}">
+                <a16:creationId xmlns:a16="http://schemas.microsoft.com/office/drawing/2014/main" id="{66921689-8FAA-4224-833E-5D5B575C4F95}"/>
+              </a:ext>
+            </a:extLst>
+          </p:cNvPr>
+          <p:cNvSpPr txBox="1"/>
+          <p:nvPr/>
+        </p:nvSpPr>
+        <p:spPr>
+          <a:xfrm>
+            <a:off x="4975843" y="1876363"/>
+            <a:ext cx="3245290" cy="620170"/>
+          </a:xfrm>
+          <a:prstGeom prst="rect">
+            <a:avLst/>
+          </a:prstGeom>
+          <a:noFill/>
+        </p:spPr>
+        <p:txBody>
+          <a:bodyPr wrap="square" rtlCol="0">
+            <a:spAutoFit/>
+          </a:bodyPr>
+          <a:lstStyle/>
+          <a:p>
+            <a:pPr algn="ctr">
+              <a:lnSpc>
+                <a:spcPct val="150000"/>
+              </a:lnSpc>
+            </a:pPr>
+            <a:r>
+              <a:rPr lang="en-US" sz="1200" dirty="0">
+                <a:solidFill>
+                  <a:schemeClr val="bg1"/>
+                </a:solidFill>
+                <a:latin typeface="Poppins" panose="00000500000000000000" pitchFamily="2" charset="0"/>
+                <a:cs typeface="Poppins" panose="00000500000000000000" pitchFamily="2" charset="0"/>
+              </a:rPr>
+              <a:t>Parses PowerShell output into an array of objects</a:t>
+            </a:r>
           </a:p>
         </p:txBody>
       </p:sp>
     </p:spTree>
     <p:extLst>
       <p:ext uri="{BB962C8B-B14F-4D97-AF65-F5344CB8AC3E}">
-        <p14:creationId xmlns:p14="http://schemas.microsoft.com/office/powerpoint/2010/main" val="1317941096"/>
+        <p14:creationId xmlns:p14="http://schemas.microsoft.com/office/powerpoint/2010/main" val="2916383534"/>
       </p:ext>
     </p:extLst>
   </p:cSld>
@@ -5544,14 +6435,19 @@
             <p:ph type="title"/>
           </p:nvPr>
         </p:nvSpPr>
-        <p:spPr/>
+        <p:spPr>
+          <a:xfrm>
+            <a:off x="638610" y="163993"/>
+            <a:ext cx="10914780" cy="912099"/>
+          </a:xfrm>
+        </p:spPr>
         <p:txBody>
           <a:bodyPr/>
           <a:lstStyle/>
           <a:p>
             <a:r>
               <a:rPr lang="en-US" dirty="0"/>
-              <a:t>Implementation Description</a:t>
+              <a:t>Project Demo</a:t>
             </a:r>
           </a:p>
         </p:txBody>
@@ -5574,17 +6470,25 @@
         </p:nvSpPr>
         <p:spPr/>
         <p:txBody>
-          <a:bodyPr/>
+          <a:bodyPr anchor="ctr">
+            <a:normAutofit/>
+          </a:bodyPr>
           <a:lstStyle/>
           <a:p>
-            <a:endParaRPr lang="en-US" dirty="0"/>
+            <a:pPr marL="0" indent="0" algn="ctr">
+              <a:buNone/>
+            </a:pPr>
+            <a:r>
+              <a:rPr lang="en-US" sz="4000" dirty="0"/>
+              <a:t>Demo</a:t>
+            </a:r>
           </a:p>
         </p:txBody>
       </p:sp>
     </p:spTree>
     <p:extLst>
       <p:ext uri="{BB962C8B-B14F-4D97-AF65-F5344CB8AC3E}">
-        <p14:creationId xmlns:p14="http://schemas.microsoft.com/office/powerpoint/2010/main" val="3440811553"/>
+        <p14:creationId xmlns:p14="http://schemas.microsoft.com/office/powerpoint/2010/main" val="3850151476"/>
       </p:ext>
     </p:extLst>
   </p:cSld>
@@ -5627,14 +6531,19 @@
             <p:ph type="title"/>
           </p:nvPr>
         </p:nvSpPr>
-        <p:spPr/>
+        <p:spPr>
+          <a:xfrm>
+            <a:off x="638610" y="163993"/>
+            <a:ext cx="10914780" cy="912099"/>
+          </a:xfrm>
+        </p:spPr>
         <p:txBody>
           <a:bodyPr/>
           <a:lstStyle/>
           <a:p>
             <a:r>
               <a:rPr lang="en-US" dirty="0"/>
-              <a:t>Project Demo</a:t>
+              <a:t>Test Plan</a:t>
             </a:r>
           </a:p>
         </p:txBody>
@@ -5657,17 +6566,60 @@
         </p:nvSpPr>
         <p:spPr/>
         <p:txBody>
-          <a:bodyPr anchor="ctr">
-            <a:normAutofit/>
-          </a:bodyPr>
+          <a:bodyPr/>
           <a:lstStyle/>
           <a:p>
-            <a:pPr marL="0" indent="0" algn="ctr">
+            <a:pPr marL="0" indent="0">
               <a:buNone/>
             </a:pPr>
             <a:r>
-              <a:rPr lang="en-US" sz="4000" dirty="0"/>
-              <a:t>Demo</a:t>
+              <a:rPr lang="en-US" dirty="0"/>
+              <a:t>Objectives</a:t>
+            </a:r>
+          </a:p>
+          <a:p>
+            <a:pPr marL="0" indent="0">
+              <a:buNone/>
+            </a:pPr>
+            <a:r>
+              <a:rPr lang="en-US" sz="2400" dirty="0"/>
+              <a:t>	&gt; No bugs / glitches</a:t>
+            </a:r>
+          </a:p>
+          <a:p>
+            <a:pPr marL="0" indent="0">
+              <a:buNone/>
+            </a:pPr>
+            <a:r>
+              <a:rPr lang="en-US" sz="2400" dirty="0"/>
+              <a:t>	&gt; Input validation</a:t>
+            </a:r>
+          </a:p>
+          <a:p>
+            <a:pPr marL="0" indent="0">
+              <a:buNone/>
+            </a:pPr>
+            <a:r>
+              <a:rPr lang="en-US" sz="2400" dirty="0"/>
+              <a:t>	&gt; Accurate results</a:t>
+            </a:r>
+          </a:p>
+          <a:p>
+            <a:pPr marL="0" indent="0">
+              <a:buNone/>
+            </a:pPr>
+            <a:r>
+              <a:rPr lang="en-US" sz="2400" dirty="0"/>
+              <a:t>	&gt; Functional on various networks</a:t>
+            </a:r>
+          </a:p>
+          <a:p>
+            <a:pPr marL="0" indent="0">
+              <a:buNone/>
+            </a:pPr>
+            <a:r>
+              <a:rPr lang="en-US" sz="2400" dirty="0"/>
+              <a:t>	&gt; Peer feedback</a:t>
             </a:r>
           </a:p>
         </p:txBody>
@@ -5675,7 +6627,7 @@
     </p:spTree>
     <p:extLst>
       <p:ext uri="{BB962C8B-B14F-4D97-AF65-F5344CB8AC3E}">
-        <p14:creationId xmlns:p14="http://schemas.microsoft.com/office/powerpoint/2010/main" val="3850151476"/>
+        <p14:creationId xmlns:p14="http://schemas.microsoft.com/office/powerpoint/2010/main" val="3626322692"/>
       </p:ext>
     </p:extLst>
   </p:cSld>
@@ -5718,14 +6670,19 @@
             <p:ph type="title"/>
           </p:nvPr>
         </p:nvSpPr>
-        <p:spPr/>
+        <p:spPr>
+          <a:xfrm>
+            <a:off x="638610" y="163993"/>
+            <a:ext cx="10914780" cy="912099"/>
+          </a:xfrm>
+        </p:spPr>
         <p:txBody>
           <a:bodyPr/>
           <a:lstStyle/>
           <a:p>
             <a:r>
               <a:rPr lang="en-US" dirty="0"/>
-              <a:t>Test Plan</a:t>
+              <a:t>Test Results</a:t>
             </a:r>
           </a:p>
         </p:txBody>
@@ -5746,17 +6703,24 @@
             <p:ph idx="1"/>
           </p:nvPr>
         </p:nvSpPr>
-        <p:spPr/>
-        <p:txBody>
-          <a:bodyPr/>
+        <p:spPr>
+          <a:xfrm>
+            <a:off x="838200" y="1253330"/>
+            <a:ext cx="10515600" cy="5007769"/>
+          </a:xfrm>
+        </p:spPr>
+        <p:txBody>
+          <a:bodyPr>
+            <a:normAutofit/>
+          </a:bodyPr>
           <a:lstStyle/>
           <a:p>
             <a:pPr marL="0" indent="0">
               <a:buNone/>
             </a:pPr>
             <a:r>
-              <a:rPr lang="en-US" dirty="0"/>
-              <a:t>Objectives</a:t>
+              <a:rPr lang="en-US" sz="2400" dirty="0"/>
+              <a:t>Passed functionality test cases</a:t>
             </a:r>
           </a:p>
           <a:p>
@@ -5765,7 +6729,7 @@
             </a:pPr>
             <a:r>
               <a:rPr lang="en-US" sz="2400" dirty="0"/>
-              <a:t>	&gt; No bugs / glitches</a:t>
+              <a:t>Peer feedback &amp; status:</a:t>
             </a:r>
           </a:p>
           <a:p>
@@ -5774,7 +6738,11 @@
             </a:pPr>
             <a:r>
               <a:rPr lang="en-US" sz="2400" dirty="0"/>
-              <a:t>	&gt; Input validation</a:t>
+              <a:t>	</a:t>
+            </a:r>
+            <a:r>
+              <a:rPr lang="en-US" sz="2000" dirty="0"/>
+              <a:t>Improved UI design			Implemented</a:t>
             </a:r>
           </a:p>
           <a:p>
@@ -5782,8 +6750,8 @@
               <a:buNone/>
             </a:pPr>
             <a:r>
-              <a:rPr lang="en-US" sz="2400" dirty="0"/>
-              <a:t>	&gt; Accurate results</a:t>
+              <a:rPr lang="en-US" sz="2000" dirty="0"/>
+              <a:t>	Ping multiple at a time		Implemented</a:t>
             </a:r>
           </a:p>
           <a:p>
@@ -5791,8 +6759,8 @@
               <a:buNone/>
             </a:pPr>
             <a:r>
-              <a:rPr lang="en-US" sz="2400" dirty="0"/>
-              <a:t>	&gt; Functional on various networks</a:t>
+              <a:rPr lang="en-US" sz="2000" dirty="0"/>
+              <a:t>	Enter your own subnet		Planned</a:t>
             </a:r>
           </a:p>
           <a:p>
@@ -5800,16 +6768,26 @@
               <a:buNone/>
             </a:pPr>
             <a:r>
-              <a:rPr lang="en-US" sz="2400" dirty="0"/>
-              <a:t>	&gt; Peer feedback</a:t>
-            </a:r>
+              <a:rPr lang="en-US" sz="2000" dirty="0"/>
+              <a:t>	Device drop down for more info	Planned</a:t>
+            </a:r>
+          </a:p>
+          <a:p>
+            <a:pPr marL="0" indent="0">
+              <a:buNone/>
+            </a:pPr>
+            <a:r>
+              <a:rPr lang="en-US" sz="2000" dirty="0"/>
+              <a:t>	</a:t>
+            </a:r>
+            <a:endParaRPr lang="en-US" sz="2400" dirty="0"/>
           </a:p>
         </p:txBody>
       </p:sp>
     </p:spTree>
     <p:extLst>
       <p:ext uri="{BB962C8B-B14F-4D97-AF65-F5344CB8AC3E}">
-        <p14:creationId xmlns:p14="http://schemas.microsoft.com/office/powerpoint/2010/main" val="3626322692"/>
+        <p14:creationId xmlns:p14="http://schemas.microsoft.com/office/powerpoint/2010/main" val="3082177705"/>
       </p:ext>
     </p:extLst>
   </p:cSld>
@@ -5852,14 +6830,19 @@
             <p:ph type="title"/>
           </p:nvPr>
         </p:nvSpPr>
-        <p:spPr/>
+        <p:spPr>
+          <a:xfrm>
+            <a:off x="638610" y="163993"/>
+            <a:ext cx="10914780" cy="912099"/>
+          </a:xfrm>
+        </p:spPr>
         <p:txBody>
           <a:bodyPr/>
           <a:lstStyle/>
           <a:p>
             <a:r>
               <a:rPr lang="en-US" dirty="0"/>
-              <a:t>Test Results</a:t>
+              <a:t>Future Enhancements</a:t>
             </a:r>
           </a:p>
         </p:txBody>
@@ -5880,91 +6863,66 @@
             <p:ph idx="1"/>
           </p:nvPr>
         </p:nvSpPr>
-        <p:spPr>
-          <a:xfrm>
-            <a:off x="838200" y="1253330"/>
-            <a:ext cx="10515600" cy="5007769"/>
-          </a:xfrm>
-        </p:spPr>
+        <p:spPr/>
         <p:txBody>
           <a:bodyPr>
             <a:normAutofit/>
           </a:bodyPr>
           <a:lstStyle/>
           <a:p>
-            <a:pPr marL="0" indent="0">
-              <a:buNone/>
-            </a:pPr>
-            <a:r>
-              <a:rPr lang="en-US" sz="2400" dirty="0"/>
-              <a:t>Passed functionality test cases</a:t>
-            </a:r>
-          </a:p>
-          <a:p>
-            <a:pPr marL="0" indent="0">
-              <a:buNone/>
-            </a:pPr>
-            <a:r>
-              <a:rPr lang="en-US" sz="2400" dirty="0"/>
-              <a:t>Peer feedback &amp; status:</a:t>
-            </a:r>
-          </a:p>
-          <a:p>
-            <a:pPr marL="0" indent="0">
-              <a:buNone/>
-            </a:pPr>
-            <a:r>
-              <a:rPr lang="en-US" sz="2400" dirty="0"/>
-              <a:t>	</a:t>
-            </a:r>
-            <a:r>
-              <a:rPr lang="en-US" sz="2000" dirty="0"/>
-              <a:t>Improved UI design			Implemented</a:t>
-            </a:r>
-          </a:p>
-          <a:p>
-            <a:pPr marL="0" indent="0">
-              <a:buNone/>
-            </a:pPr>
-            <a:r>
-              <a:rPr lang="en-US" sz="2000" dirty="0"/>
-              <a:t>	Ping multiple at a time		Implemented</a:t>
-            </a:r>
-          </a:p>
-          <a:p>
-            <a:pPr marL="0" indent="0">
-              <a:buNone/>
-            </a:pPr>
-            <a:r>
-              <a:rPr lang="en-US" sz="2000" dirty="0"/>
-              <a:t>	Enter your own subnet		Planned</a:t>
-            </a:r>
-          </a:p>
-          <a:p>
-            <a:pPr marL="0" indent="0">
-              <a:buNone/>
-            </a:pPr>
-            <a:r>
-              <a:rPr lang="en-US" sz="2000" dirty="0"/>
-              <a:t>	Device drop down for more info	Planned</a:t>
-            </a:r>
-          </a:p>
-          <a:p>
-            <a:pPr marL="0" indent="0">
-              <a:buNone/>
-            </a:pPr>
-            <a:r>
-              <a:rPr lang="en-US" sz="2000" dirty="0"/>
-              <a:t>	</a:t>
-            </a:r>
-            <a:endParaRPr lang="en-US" sz="2400" dirty="0"/>
+            <a:r>
+              <a:rPr lang="en-US" b="1" dirty="0">
+                <a:latin typeface="Rajdhani" panose="02000000000000000000" pitchFamily="2" charset="0"/>
+                <a:cs typeface="Rajdhani" panose="02000000000000000000" pitchFamily="2" charset="0"/>
+              </a:rPr>
+              <a:t>New Features</a:t>
+            </a:r>
+          </a:p>
+          <a:p>
+            <a:r>
+              <a:rPr lang="en-US" sz="1800" dirty="0"/>
+              <a:t>	&gt; Traceroute</a:t>
+            </a:r>
+          </a:p>
+          <a:p>
+            <a:r>
+              <a:rPr lang="en-US" sz="1800" dirty="0"/>
+              <a:t>	&gt; File Transfer Speeds</a:t>
+            </a:r>
+          </a:p>
+          <a:p>
+            <a:r>
+              <a:rPr lang="en-US" b="1" dirty="0">
+                <a:latin typeface="Rajdhani" panose="02000000000000000000" pitchFamily="2" charset="0"/>
+                <a:cs typeface="Rajdhani" panose="02000000000000000000" pitchFamily="2" charset="0"/>
+              </a:rPr>
+              <a:t>Improve Features</a:t>
+            </a:r>
+          </a:p>
+          <a:p>
+            <a:r>
+              <a:rPr lang="en-US" sz="1800" dirty="0"/>
+              <a:t>	&gt; Network discovery device information </a:t>
+            </a:r>
+          </a:p>
+          <a:p>
+            <a:r>
+              <a:rPr lang="en-US" sz="1800" dirty="0"/>
+              <a:t>	&gt; Port Scanning response time</a:t>
+            </a:r>
+          </a:p>
+          <a:p>
+            <a:r>
+              <a:rPr lang="en-US" sz="1800" dirty="0"/>
+              <a:t>		</a:t>
+            </a:r>
           </a:p>
         </p:txBody>
       </p:sp>
     </p:spTree>
     <p:extLst>
       <p:ext uri="{BB962C8B-B14F-4D97-AF65-F5344CB8AC3E}">
-        <p14:creationId xmlns:p14="http://schemas.microsoft.com/office/powerpoint/2010/main" val="3082177705"/>
+        <p14:creationId xmlns:p14="http://schemas.microsoft.com/office/powerpoint/2010/main" val="736280371"/>
       </p:ext>
     </p:extLst>
   </p:cSld>

--- a/documentation/NightWatch-Presentation.pptx
+++ b/documentation/NightWatch-Presentation.pptx
@@ -562,15 +562,7 @@
           <a:p>
             <a:r>
               <a:rPr lang="en-US" dirty="0"/>
-              <a:t>Fortunately, </a:t>
-            </a:r>
-            <a:r>
-              <a:rPr lang="en-US" dirty="0" err="1"/>
-              <a:t>Nightwatch</a:t>
-            </a:r>
-            <a:r>
-              <a:rPr lang="en-US" dirty="0"/>
-              <a:t> solves these problems by providing</a:t>
+              <a:t>Fortunately, Nightwatch solves these problems by providing</a:t>
             </a:r>
           </a:p>
           <a:p>
@@ -4414,7 +4406,7 @@
         </p:nvSpPr>
         <p:spPr>
           <a:xfrm>
-            <a:off x="2309089" y="2143391"/>
+            <a:off x="2309091" y="2801527"/>
             <a:ext cx="7573817" cy="1467472"/>
           </a:xfrm>
         </p:spPr>
@@ -4425,7 +4417,7 @@
           <a:lstStyle/>
           <a:p>
             <a:r>
-              <a:rPr lang="en-US" sz="9600" b="1" dirty="0" err="1">
+              <a:rPr lang="en-US" sz="9600" b="1" dirty="0">
                 <a:solidFill>
                   <a:schemeClr val="bg1"/>
                 </a:solidFill>
@@ -4436,7 +4428,7 @@
               <a:t>night</a:t>
             </a:r>
             <a:r>
-              <a:rPr lang="en-US" sz="9600" dirty="0" err="1">
+              <a:rPr lang="en-US" sz="9600" dirty="0">
                 <a:solidFill>
                   <a:schemeClr val="bg1"/>
                 </a:solidFill>
@@ -4446,14 +4438,6 @@
               </a:rPr>
               <a:t>watch</a:t>
             </a:r>
-            <a:endParaRPr lang="en-US" sz="9600" dirty="0">
-              <a:solidFill>
-                <a:schemeClr val="bg1"/>
-              </a:solidFill>
-              <a:latin typeface="Rajdhani" panose="02000000000000000000" pitchFamily="2" charset="0"/>
-              <a:ea typeface="MS Gothic" panose="020B0609070205080204" pitchFamily="49" charset="-128"/>
-              <a:cs typeface="Rajdhani" panose="02000000000000000000" pitchFamily="2" charset="0"/>
-            </a:endParaRPr>
           </a:p>
         </p:txBody>
       </p:sp>
@@ -4475,38 +4459,94 @@
         </p:nvSpPr>
         <p:spPr>
           <a:xfrm>
-            <a:off x="2914071" y="3606245"/>
-            <a:ext cx="6363855" cy="905436"/>
+            <a:off x="0" y="5102004"/>
+            <a:ext cx="6363855" cy="1755854"/>
           </a:xfrm>
         </p:spPr>
         <p:txBody>
-          <a:bodyPr anchor="ctr">
-            <a:normAutofit fontScale="92500" lnSpcReduction="20000"/>
+          <a:bodyPr anchor="b">
+            <a:normAutofit fontScale="85000" lnSpcReduction="10000"/>
           </a:bodyPr>
           <a:lstStyle/>
           <a:p>
+            <a:pPr algn="l"/>
             <a:r>
               <a:rPr lang="en-US" sz="1800" dirty="0">
                 <a:solidFill>
-                  <a:schemeClr val="bg1"/>
+                  <a:schemeClr val="accent5">
+                    <a:lumMod val="60000"/>
+                    <a:lumOff val="40000"/>
+                  </a:schemeClr>
                 </a:solidFill>
                 <a:latin typeface="Poppins" panose="00000500000000000000" pitchFamily="2" charset="0"/>
                 <a:cs typeface="Poppins" panose="00000500000000000000" pitchFamily="2" charset="0"/>
               </a:rPr>
-              <a:t>Senior Project Presentation </a:t>
-            </a:r>
-          </a:p>
-          <a:p>
+              <a:t>Created by: Charlotte Strobl</a:t>
+            </a:r>
+          </a:p>
+          <a:p>
+            <a:pPr algn="l"/>
             <a:r>
               <a:rPr lang="en-US" sz="1800" dirty="0">
                 <a:solidFill>
-                  <a:schemeClr val="bg1"/>
+                  <a:schemeClr val="accent5">
+                    <a:lumMod val="60000"/>
+                    <a:lumOff val="40000"/>
+                  </a:schemeClr>
                 </a:solidFill>
                 <a:latin typeface="Poppins" panose="00000500000000000000" pitchFamily="2" charset="0"/>
                 <a:cs typeface="Poppins" panose="00000500000000000000" pitchFamily="2" charset="0"/>
               </a:rPr>
-              <a:t>by Charlotte Strobl</a:t>
-            </a:r>
+              <a:t>Date: 04/25/2025</a:t>
+            </a:r>
+          </a:p>
+          <a:p>
+            <a:pPr algn="l"/>
+            <a:r>
+              <a:rPr lang="en-US" sz="1800" dirty="0">
+                <a:solidFill>
+                  <a:schemeClr val="accent5">
+                    <a:lumMod val="60000"/>
+                    <a:lumOff val="40000"/>
+                  </a:schemeClr>
+                </a:solidFill>
+              </a:rPr>
+              <a:t>Degree: Cybersecurity</a:t>
+            </a:r>
+            <a:endParaRPr lang="en-US" sz="1800" dirty="0">
+              <a:solidFill>
+                <a:schemeClr val="accent5">
+                  <a:lumMod val="60000"/>
+                  <a:lumOff val="40000"/>
+                </a:schemeClr>
+              </a:solidFill>
+              <a:latin typeface="Poppins" panose="00000500000000000000" pitchFamily="2" charset="0"/>
+              <a:cs typeface="Poppins" panose="00000500000000000000" pitchFamily="2" charset="0"/>
+            </a:endParaRPr>
+          </a:p>
+          <a:p>
+            <a:pPr algn="l"/>
+            <a:r>
+              <a:rPr lang="en-US" sz="1800" dirty="0">
+                <a:solidFill>
+                  <a:schemeClr val="accent5">
+                    <a:lumMod val="60000"/>
+                    <a:lumOff val="40000"/>
+                  </a:schemeClr>
+                </a:solidFill>
+              </a:rPr>
+              <a:t>Project Advisor: Prof. Henderson</a:t>
+            </a:r>
+            <a:endParaRPr lang="en-US" sz="1800" dirty="0">
+              <a:solidFill>
+                <a:schemeClr val="accent5">
+                  <a:lumMod val="60000"/>
+                  <a:lumOff val="40000"/>
+                </a:schemeClr>
+              </a:solidFill>
+              <a:latin typeface="Poppins" panose="00000500000000000000" pitchFamily="2" charset="0"/>
+              <a:cs typeface="Poppins" panose="00000500000000000000" pitchFamily="2" charset="0"/>
+            </a:endParaRPr>
           </a:p>
         </p:txBody>
       </p:sp>
@@ -4575,26 +4615,201 @@
       </p:sp>
       <p:sp>
         <p:nvSpPr>
-          <p:cNvPr id="3" name="Content Placeholder 2">
-            <a:extLst>
-              <a:ext uri="{FF2B5EF4-FFF2-40B4-BE49-F238E27FC236}">
-                <a16:creationId xmlns:a16="http://schemas.microsoft.com/office/drawing/2014/main" id="{0480BC22-BEE3-4E45-80F4-133E05736A9C}"/>
-              </a:ext>
-            </a:extLst>
-          </p:cNvPr>
-          <p:cNvSpPr>
-            <a:spLocks noGrp="1"/>
-          </p:cNvSpPr>
-          <p:nvPr>
-            <p:ph idx="1"/>
-          </p:nvPr>
-        </p:nvSpPr>
-        <p:spPr/>
-        <p:txBody>
-          <a:bodyPr/>
-          <a:lstStyle/>
-          <a:p>
-            <a:endParaRPr lang="en-US" dirty="0"/>
+          <p:cNvPr id="6" name="Content Placeholder 2">
+            <a:extLst>
+              <a:ext uri="{FF2B5EF4-FFF2-40B4-BE49-F238E27FC236}">
+                <a16:creationId xmlns:a16="http://schemas.microsoft.com/office/drawing/2014/main" id="{A9442CA2-6BFB-BC8F-2B85-869A1CFF78C1}"/>
+              </a:ext>
+            </a:extLst>
+          </p:cNvPr>
+          <p:cNvSpPr txBox="1">
+            <a:spLocks/>
+          </p:cNvSpPr>
+          <p:nvPr/>
+        </p:nvSpPr>
+        <p:spPr>
+          <a:xfrm>
+            <a:off x="990600" y="1405731"/>
+            <a:ext cx="10515600" cy="4351338"/>
+          </a:xfrm>
+          <a:prstGeom prst="rect">
+            <a:avLst/>
+          </a:prstGeom>
+        </p:spPr>
+        <p:txBody>
+          <a:bodyPr vert="horz" lIns="91440" tIns="45720" rIns="91440" bIns="45720" rtlCol="0" anchor="ctr">
+            <a:normAutofit/>
+          </a:bodyPr>
+          <a:lstStyle>
+            <a:lvl1pPr marL="0" indent="0" algn="l" defTabSz="914400" rtl="0" eaLnBrk="1" latinLnBrk="0" hangingPunct="1">
+              <a:lnSpc>
+                <a:spcPct val="150000"/>
+              </a:lnSpc>
+              <a:spcBef>
+                <a:spcPts val="1000"/>
+              </a:spcBef>
+              <a:buFont typeface="Arial" panose="020B0604020202020204" pitchFamily="34" charset="0"/>
+              <a:buNone/>
+              <a:defRPr sz="2400" kern="1200">
+                <a:solidFill>
+                  <a:schemeClr val="bg1"/>
+                </a:solidFill>
+                <a:latin typeface="Poppins" panose="00000500000000000000" pitchFamily="2" charset="0"/>
+                <a:ea typeface="+mn-ea"/>
+                <a:cs typeface="Poppins" panose="00000500000000000000" pitchFamily="2" charset="0"/>
+              </a:defRPr>
+            </a:lvl1pPr>
+            <a:lvl2pPr marL="457200" indent="0" algn="l" defTabSz="914400" rtl="0" eaLnBrk="1" latinLnBrk="0" hangingPunct="1">
+              <a:lnSpc>
+                <a:spcPct val="150000"/>
+              </a:lnSpc>
+              <a:spcBef>
+                <a:spcPts val="500"/>
+              </a:spcBef>
+              <a:buFont typeface="Arial" panose="020B0604020202020204" pitchFamily="34" charset="0"/>
+              <a:buNone/>
+              <a:defRPr sz="2000" kern="1200">
+                <a:solidFill>
+                  <a:schemeClr val="bg1"/>
+                </a:solidFill>
+                <a:latin typeface="Poppins" panose="00000500000000000000" pitchFamily="2" charset="0"/>
+                <a:ea typeface="+mn-ea"/>
+                <a:cs typeface="Poppins" panose="00000500000000000000" pitchFamily="2" charset="0"/>
+              </a:defRPr>
+            </a:lvl2pPr>
+            <a:lvl3pPr marL="914400" indent="0" algn="l" defTabSz="914400" rtl="0" eaLnBrk="1" latinLnBrk="0" hangingPunct="1">
+              <a:lnSpc>
+                <a:spcPct val="150000"/>
+              </a:lnSpc>
+              <a:spcBef>
+                <a:spcPts val="500"/>
+              </a:spcBef>
+              <a:buFont typeface="Arial" panose="020B0604020202020204" pitchFamily="34" charset="0"/>
+              <a:buNone/>
+              <a:defRPr sz="1800" kern="1200">
+                <a:solidFill>
+                  <a:schemeClr val="bg1"/>
+                </a:solidFill>
+                <a:latin typeface="Poppins" panose="00000500000000000000" pitchFamily="2" charset="0"/>
+                <a:ea typeface="+mn-ea"/>
+                <a:cs typeface="Poppins" panose="00000500000000000000" pitchFamily="2" charset="0"/>
+              </a:defRPr>
+            </a:lvl3pPr>
+            <a:lvl4pPr marL="1371600" indent="0" algn="l" defTabSz="914400" rtl="0" eaLnBrk="1" latinLnBrk="0" hangingPunct="1">
+              <a:lnSpc>
+                <a:spcPct val="150000"/>
+              </a:lnSpc>
+              <a:spcBef>
+                <a:spcPts val="500"/>
+              </a:spcBef>
+              <a:buFont typeface="Arial" panose="020B0604020202020204" pitchFamily="34" charset="0"/>
+              <a:buNone/>
+              <a:defRPr sz="1600" kern="1200">
+                <a:solidFill>
+                  <a:schemeClr val="bg1"/>
+                </a:solidFill>
+                <a:latin typeface="Poppins" panose="00000500000000000000" pitchFamily="2" charset="0"/>
+                <a:ea typeface="+mn-ea"/>
+                <a:cs typeface="Poppins" panose="00000500000000000000" pitchFamily="2" charset="0"/>
+              </a:defRPr>
+            </a:lvl4pPr>
+            <a:lvl5pPr marL="1828800" indent="0" algn="l" defTabSz="914400" rtl="0" eaLnBrk="1" latinLnBrk="0" hangingPunct="1">
+              <a:lnSpc>
+                <a:spcPct val="150000"/>
+              </a:lnSpc>
+              <a:spcBef>
+                <a:spcPts val="500"/>
+              </a:spcBef>
+              <a:buFont typeface="Arial" panose="020B0604020202020204" pitchFamily="34" charset="0"/>
+              <a:buNone/>
+              <a:defRPr sz="1600" kern="1200">
+                <a:solidFill>
+                  <a:schemeClr val="bg1"/>
+                </a:solidFill>
+                <a:latin typeface="Poppins" panose="00000500000000000000" pitchFamily="2" charset="0"/>
+                <a:ea typeface="+mn-ea"/>
+                <a:cs typeface="Poppins" panose="00000500000000000000" pitchFamily="2" charset="0"/>
+              </a:defRPr>
+            </a:lvl5pPr>
+            <a:lvl6pPr marL="2514600" indent="-228600" algn="l" defTabSz="914400" rtl="0" eaLnBrk="1" latinLnBrk="0" hangingPunct="1">
+              <a:lnSpc>
+                <a:spcPct val="90000"/>
+              </a:lnSpc>
+              <a:spcBef>
+                <a:spcPts val="500"/>
+              </a:spcBef>
+              <a:buFont typeface="Arial" panose="020B0604020202020204" pitchFamily="34" charset="0"/>
+              <a:buChar char="•"/>
+              <a:defRPr sz="1800" kern="1200">
+                <a:solidFill>
+                  <a:schemeClr val="tx1"/>
+                </a:solidFill>
+                <a:latin typeface="+mn-lt"/>
+                <a:ea typeface="+mn-ea"/>
+                <a:cs typeface="+mn-cs"/>
+              </a:defRPr>
+            </a:lvl6pPr>
+            <a:lvl7pPr marL="2971800" indent="-228600" algn="l" defTabSz="914400" rtl="0" eaLnBrk="1" latinLnBrk="0" hangingPunct="1">
+              <a:lnSpc>
+                <a:spcPct val="90000"/>
+              </a:lnSpc>
+              <a:spcBef>
+                <a:spcPts val="500"/>
+              </a:spcBef>
+              <a:buFont typeface="Arial" panose="020B0604020202020204" pitchFamily="34" charset="0"/>
+              <a:buChar char="•"/>
+              <a:defRPr sz="1800" kern="1200">
+                <a:solidFill>
+                  <a:schemeClr val="tx1"/>
+                </a:solidFill>
+                <a:latin typeface="+mn-lt"/>
+                <a:ea typeface="+mn-ea"/>
+                <a:cs typeface="+mn-cs"/>
+              </a:defRPr>
+            </a:lvl7pPr>
+            <a:lvl8pPr marL="3429000" indent="-228600" algn="l" defTabSz="914400" rtl="0" eaLnBrk="1" latinLnBrk="0" hangingPunct="1">
+              <a:lnSpc>
+                <a:spcPct val="90000"/>
+              </a:lnSpc>
+              <a:spcBef>
+                <a:spcPts val="500"/>
+              </a:spcBef>
+              <a:buFont typeface="Arial" panose="020B0604020202020204" pitchFamily="34" charset="0"/>
+              <a:buChar char="•"/>
+              <a:defRPr sz="1800" kern="1200">
+                <a:solidFill>
+                  <a:schemeClr val="tx1"/>
+                </a:solidFill>
+                <a:latin typeface="+mn-lt"/>
+                <a:ea typeface="+mn-ea"/>
+                <a:cs typeface="+mn-cs"/>
+              </a:defRPr>
+            </a:lvl8pPr>
+            <a:lvl9pPr marL="3886200" indent="-228600" algn="l" defTabSz="914400" rtl="0" eaLnBrk="1" latinLnBrk="0" hangingPunct="1">
+              <a:lnSpc>
+                <a:spcPct val="90000"/>
+              </a:lnSpc>
+              <a:spcBef>
+                <a:spcPts val="500"/>
+              </a:spcBef>
+              <a:buFont typeface="Arial" panose="020B0604020202020204" pitchFamily="34" charset="0"/>
+              <a:buChar char="•"/>
+              <a:defRPr sz="1800" kern="1200">
+                <a:solidFill>
+                  <a:schemeClr val="tx1"/>
+                </a:solidFill>
+                <a:latin typeface="+mn-lt"/>
+                <a:ea typeface="+mn-ea"/>
+                <a:cs typeface="+mn-cs"/>
+              </a:defRPr>
+            </a:lvl9pPr>
+          </a:lstStyle>
+          <a:p>
+            <a:pPr algn="ctr"/>
+            <a:r>
+              <a:rPr lang="en-US" sz="4000" dirty="0"/>
+              <a:t>Questions?</a:t>
+            </a:r>
           </a:p>
         </p:txBody>
       </p:sp>
@@ -5901,7 +6116,7 @@
             <a:avLst/>
           </a:prstGeom>
           <a:solidFill>
-            <a:schemeClr val="accent6">
+            <a:schemeClr val="accent4">
               <a:lumMod val="75000"/>
             </a:schemeClr>
           </a:solidFill>
@@ -6389,6 +6604,82 @@
           </a:p>
         </p:txBody>
       </p:sp>
+      <p:pic>
+        <p:nvPicPr>
+          <p:cNvPr id="4" name="Picture 3">
+            <a:extLst>
+              <a:ext uri="{FF2B5EF4-FFF2-40B4-BE49-F238E27FC236}">
+                <a16:creationId xmlns:a16="http://schemas.microsoft.com/office/drawing/2014/main" id="{86397BBF-FD3D-BD0C-5FCD-A897246F7A2E}"/>
+              </a:ext>
+            </a:extLst>
+          </p:cNvPr>
+          <p:cNvPicPr>
+            <a:picLocks noChangeAspect="1"/>
+          </p:cNvPicPr>
+          <p:nvPr/>
+        </p:nvPicPr>
+        <p:blipFill>
+          <a:blip r:embed="rId6"/>
+          <a:stretch>
+            <a:fillRect/>
+          </a:stretch>
+        </p:blipFill>
+        <p:spPr>
+          <a:xfrm>
+            <a:off x="8676586" y="2678050"/>
+            <a:ext cx="2922803" cy="1518879"/>
+          </a:xfrm>
+          <a:prstGeom prst="rect">
+            <a:avLst/>
+          </a:prstGeom>
+        </p:spPr>
+      </p:pic>
+      <p:sp>
+        <p:nvSpPr>
+          <p:cNvPr id="14" name="TextBox 13">
+            <a:extLst>
+              <a:ext uri="{FF2B5EF4-FFF2-40B4-BE49-F238E27FC236}">
+                <a16:creationId xmlns:a16="http://schemas.microsoft.com/office/drawing/2014/main" id="{485C5082-4D8E-EA9A-E910-A68BF9BBBA75}"/>
+              </a:ext>
+            </a:extLst>
+          </p:cNvPr>
+          <p:cNvSpPr txBox="1"/>
+          <p:nvPr/>
+        </p:nvSpPr>
+        <p:spPr>
+          <a:xfrm>
+            <a:off x="8705842" y="1898700"/>
+            <a:ext cx="2914510" cy="620170"/>
+          </a:xfrm>
+          <a:prstGeom prst="rect">
+            <a:avLst/>
+          </a:prstGeom>
+          <a:noFill/>
+        </p:spPr>
+        <p:txBody>
+          <a:bodyPr wrap="square" rtlCol="0">
+            <a:spAutoFit/>
+          </a:bodyPr>
+          <a:lstStyle/>
+          <a:p>
+            <a:pPr algn="ctr">
+              <a:lnSpc>
+                <a:spcPct val="150000"/>
+              </a:lnSpc>
+            </a:pPr>
+            <a:r>
+              <a:rPr lang="en-US" sz="1200" dirty="0">
+                <a:solidFill>
+                  <a:schemeClr val="bg1"/>
+                </a:solidFill>
+                <a:latin typeface="Poppins" panose="00000500000000000000" pitchFamily="2" charset="0"/>
+                <a:cs typeface="Poppins" panose="00000500000000000000" pitchFamily="2" charset="0"/>
+              </a:rPr>
+              <a:t>Information displayed to users on the front-end</a:t>
+            </a:r>
+          </a:p>
+        </p:txBody>
+      </p:sp>
     </p:spTree>
     <p:extLst>
       <p:ext uri="{BB962C8B-B14F-4D97-AF65-F5344CB8AC3E}">
@@ -6914,7 +7205,7 @@
           <a:p>
             <a:r>
               <a:rPr lang="en-US" sz="1800" dirty="0"/>
-              <a:t>		</a:t>
+              <a:t>	&gt; More user guides</a:t>
             </a:r>
           </a:p>
         </p:txBody>

--- a/documentation/NightWatch-Presentation.pptx
+++ b/documentation/NightWatch-Presentation.pptx
@@ -206,7 +206,7 @@
           <a:p>
             <a:fld id="{8E0BAA67-CB56-42F2-869E-C4542014ED58}" type="datetimeFigureOut">
               <a:rPr lang="en-US" smtClean="0"/>
-              <a:t>4/16/2025</a:t>
+              <a:t>4/25/2025</a:t>
             </a:fld>
             <a:endParaRPr lang="en-US" dirty="0"/>
           </a:p>
@@ -794,7 +794,7 @@
           <a:p>
             <a:fld id="{A7C372BC-5DF9-41BD-AE03-E5F083D367A8}" type="datetimeFigureOut">
               <a:rPr lang="en-US" smtClean="0"/>
-              <a:t>4/16/2025</a:t>
+              <a:t>4/25/2025</a:t>
             </a:fld>
             <a:endParaRPr lang="en-US" dirty="0"/>
           </a:p>
@@ -1048,7 +1048,7 @@
           <a:p>
             <a:fld id="{A7C372BC-5DF9-41BD-AE03-E5F083D367A8}" type="datetimeFigureOut">
               <a:rPr lang="en-US" smtClean="0"/>
-              <a:t>4/16/2025</a:t>
+              <a:t>4/25/2025</a:t>
             </a:fld>
             <a:endParaRPr lang="en-US" dirty="0"/>
           </a:p>
@@ -1312,7 +1312,7 @@
           <a:p>
             <a:fld id="{A7C372BC-5DF9-41BD-AE03-E5F083D367A8}" type="datetimeFigureOut">
               <a:rPr lang="en-US" smtClean="0"/>
-              <a:t>4/16/2025</a:t>
+              <a:t>4/25/2025</a:t>
             </a:fld>
             <a:endParaRPr lang="en-US" dirty="0"/>
           </a:p>
@@ -1542,7 +1542,7 @@
             <a:fld id="{A7C372BC-5DF9-41BD-AE03-E5F083D367A8}" type="datetimeFigureOut">
               <a:rPr lang="en-US" smtClean="0"/>
               <a:pPr/>
-              <a:t>4/16/2025</a:t>
+              <a:t>4/25/2025</a:t>
             </a:fld>
             <a:endParaRPr lang="en-US" dirty="0"/>
           </a:p>
@@ -1890,7 +1890,7 @@
           <a:p>
             <a:fld id="{A7C372BC-5DF9-41BD-AE03-E5F083D367A8}" type="datetimeFigureOut">
               <a:rPr lang="en-US" smtClean="0"/>
-              <a:t>4/16/2025</a:t>
+              <a:t>4/25/2025</a:t>
             </a:fld>
             <a:endParaRPr lang="en-US" dirty="0"/>
           </a:p>
@@ -2257,7 +2257,7 @@
           <a:p>
             <a:fld id="{A7C372BC-5DF9-41BD-AE03-E5F083D367A8}" type="datetimeFigureOut">
               <a:rPr lang="en-US" smtClean="0"/>
-              <a:t>4/16/2025</a:t>
+              <a:t>4/25/2025</a:t>
             </a:fld>
             <a:endParaRPr lang="en-US" dirty="0"/>
           </a:p>
@@ -2783,7 +2783,7 @@
           <a:p>
             <a:fld id="{A7C372BC-5DF9-41BD-AE03-E5F083D367A8}" type="datetimeFigureOut">
               <a:rPr lang="en-US" smtClean="0"/>
-              <a:t>4/16/2025</a:t>
+              <a:t>4/25/2025</a:t>
             </a:fld>
             <a:endParaRPr lang="en-US" dirty="0"/>
           </a:p>
@@ -2934,7 +2934,7 @@
           <a:p>
             <a:fld id="{A7C372BC-5DF9-41BD-AE03-E5F083D367A8}" type="datetimeFigureOut">
               <a:rPr lang="en-US" smtClean="0"/>
-              <a:t>4/16/2025</a:t>
+              <a:t>4/25/2025</a:t>
             </a:fld>
             <a:endParaRPr lang="en-US" dirty="0"/>
           </a:p>
@@ -3047,7 +3047,7 @@
           <a:p>
             <a:fld id="{A7C372BC-5DF9-41BD-AE03-E5F083D367A8}" type="datetimeFigureOut">
               <a:rPr lang="en-US" smtClean="0"/>
-              <a:t>4/16/2025</a:t>
+              <a:t>4/25/2025</a:t>
             </a:fld>
             <a:endParaRPr lang="en-US" dirty="0"/>
           </a:p>
@@ -3400,7 +3400,7 @@
           <a:p>
             <a:fld id="{A7C372BC-5DF9-41BD-AE03-E5F083D367A8}" type="datetimeFigureOut">
               <a:rPr lang="en-US" smtClean="0"/>
-              <a:t>4/16/2025</a:t>
+              <a:t>4/25/2025</a:t>
             </a:fld>
             <a:endParaRPr lang="en-US" dirty="0"/>
           </a:p>
@@ -3704,7 +3704,7 @@
           <a:p>
             <a:fld id="{A7C372BC-5DF9-41BD-AE03-E5F083D367A8}" type="datetimeFigureOut">
               <a:rPr lang="en-US" smtClean="0"/>
-              <a:t>4/16/2025</a:t>
+              <a:t>4/25/2025</a:t>
             </a:fld>
             <a:endParaRPr lang="en-US" dirty="0"/>
           </a:p>
@@ -3785,13 +3785,23 @@
         <a:gradFill flip="none" rotWithShape="1">
           <a:gsLst>
             <a:gs pos="0">
-              <a:srgbClr val="23232B"/>
+              <a:srgbClr val="2F4053"/>
+            </a:gs>
+            <a:gs pos="63000">
+              <a:schemeClr val="accent1">
+                <a:lumMod val="95000"/>
+                <a:lumOff val="5000"/>
+              </a:schemeClr>
             </a:gs>
             <a:gs pos="100000">
-              <a:srgbClr val="2F4053"/>
+              <a:schemeClr val="accent1">
+                <a:lumMod val="60000"/>
+              </a:schemeClr>
             </a:gs>
           </a:gsLst>
-          <a:lin ang="5400000" scaled="1"/>
+          <a:path path="circle">
+            <a:fillToRect l="50000" t="130000" r="50000" b="-30000"/>
+          </a:path>
           <a:tileRect/>
         </a:gradFill>
         <a:effectLst/>
@@ -3873,6 +3883,10 @@
           <a:prstGeom prst="rect">
             <a:avLst/>
           </a:prstGeom>
+          <a:noFill/>
+          <a:ln>
+            <a:noFill/>
+          </a:ln>
         </p:spPr>
         <p:txBody>
           <a:bodyPr vert="horz" lIns="91440" tIns="45720" rIns="91440" bIns="45720" rtlCol="0">
@@ -3961,7 +3975,7 @@
             <a:fld id="{A7C372BC-5DF9-41BD-AE03-E5F083D367A8}" type="datetimeFigureOut">
               <a:rPr lang="en-US" smtClean="0"/>
               <a:pPr/>
-              <a:t>4/16/2025</a:t>
+              <a:t>4/25/2025</a:t>
             </a:fld>
             <a:endParaRPr lang="en-US" dirty="0"/>
           </a:p>
@@ -4560,6 +4574,13 @@
   <p:clrMapOvr>
     <a:masterClrMapping/>
   </p:clrMapOvr>
+  <p:timing>
+    <p:tnLst>
+      <p:par>
+        <p:cTn id="1" dur="indefinite" restart="never" nodeType="tmRoot"/>
+      </p:par>
+    </p:tnLst>
+  </p:timing>
 </p:sld>
 </file>
 
@@ -5004,6 +5025,13 @@
   <p:clrMapOvr>
     <a:masterClrMapping/>
   </p:clrMapOvr>
+  <p:timing>
+    <p:tnLst>
+      <p:par>
+        <p:cTn id="1" dur="indefinite" restart="never" nodeType="tmRoot"/>
+      </p:par>
+    </p:tnLst>
+  </p:timing>
 </p:sld>
 </file>
 
@@ -5161,7 +5189,7 @@
           <p:nvPr/>
         </p:nvPicPr>
         <p:blipFill>
-          <a:blip r:embed="rId2">
+          <a:blip r:embed="rId2" cstate="hqprint">
             <a:extLst>
               <a:ext uri="{28A0092B-C50C-407E-A947-70E740481C1C}">
                 <a14:useLocalDpi xmlns:a14="http://schemas.microsoft.com/office/drawing/2010/main" val="0"/>
@@ -5208,7 +5236,7 @@
           <p:nvPr/>
         </p:nvPicPr>
         <p:blipFill>
-          <a:blip r:embed="rId3">
+          <a:blip r:embed="rId3" cstate="hqprint">
             <a:extLst>
               <a:ext uri="{28A0092B-C50C-407E-A947-70E740481C1C}">
                 <a14:useLocalDpi xmlns:a14="http://schemas.microsoft.com/office/drawing/2010/main" val="0"/>
@@ -5255,7 +5283,7 @@
           <p:nvPr/>
         </p:nvPicPr>
         <p:blipFill>
-          <a:blip r:embed="rId4">
+          <a:blip r:embed="rId4" cstate="hqprint">
             <a:extLst>
               <a:ext uri="{28A0092B-C50C-407E-A947-70E740481C1C}">
                 <a14:useLocalDpi xmlns:a14="http://schemas.microsoft.com/office/drawing/2010/main" val="0"/>
@@ -5302,7 +5330,7 @@
           <p:nvPr/>
         </p:nvPicPr>
         <p:blipFill>
-          <a:blip r:embed="rId5">
+          <a:blip r:embed="rId5" cstate="hqprint">
             <a:extLst>
               <a:ext uri="{28A0092B-C50C-407E-A947-70E740481C1C}">
                 <a14:useLocalDpi xmlns:a14="http://schemas.microsoft.com/office/drawing/2010/main" val="0"/>
@@ -5349,7 +5377,7 @@
           <p:nvPr/>
         </p:nvPicPr>
         <p:blipFill>
-          <a:blip r:embed="rId6">
+          <a:blip r:embed="rId6" cstate="hqprint">
             <a:extLst>
               <a:ext uri="{28A0092B-C50C-407E-A947-70E740481C1C}">
                 <a14:useLocalDpi xmlns:a14="http://schemas.microsoft.com/office/drawing/2010/main" val="0"/>
@@ -5391,6 +5419,13 @@
   <p:clrMapOvr>
     <a:masterClrMapping/>
   </p:clrMapOvr>
+  <p:timing>
+    <p:tnLst>
+      <p:par>
+        <p:cTn id="1" dur="indefinite" restart="never" nodeType="tmRoot"/>
+      </p:par>
+    </p:tnLst>
+  </p:timing>
 </p:sld>
 </file>
 
@@ -5796,7 +5831,7 @@
         </p:nvSpPr>
         <p:spPr>
           <a:xfrm>
-            <a:off x="638610" y="163993"/>
+            <a:off x="634253" y="175923"/>
             <a:ext cx="10914780" cy="912099"/>
           </a:xfrm>
         </p:spPr>
@@ -5831,9 +5866,35 @@
           <a:prstGeom prst="rect">
             <a:avLst/>
           </a:prstGeom>
+          <a:gradFill flip="none" rotWithShape="1">
+            <a:gsLst>
+              <a:gs pos="0">
+                <a:srgbClr val="80BEC1">
+                  <a:alpha val="46000"/>
+                </a:srgbClr>
+              </a:gs>
+              <a:gs pos="84000">
+                <a:schemeClr val="accent2">
+                  <a:lumMod val="75000"/>
+                  <a:alpha val="55000"/>
+                </a:schemeClr>
+              </a:gs>
+            </a:gsLst>
+            <a:path path="circle">
+              <a:fillToRect l="50000" t="130000" r="50000" b="-30000"/>
+            </a:path>
+            <a:tileRect/>
+          </a:gradFill>
           <a:ln>
             <a:noFill/>
           </a:ln>
+          <a:effectLst>
+            <a:innerShdw blurRad="711200">
+              <a:schemeClr val="accent6">
+                <a:alpha val="18000"/>
+              </a:schemeClr>
+            </a:innerShdw>
+          </a:effectLst>
         </p:spPr>
         <p:style>
           <a:lnRef idx="2">
@@ -5922,15 +5983,42 @@
           <a:prstGeom prst="rect">
             <a:avLst/>
           </a:prstGeom>
-          <a:solidFill>
-            <a:schemeClr val="accent1">
-              <a:lumMod val="75000"/>
-              <a:lumOff val="25000"/>
-            </a:schemeClr>
-          </a:solidFill>
+          <a:gradFill flip="none" rotWithShape="1">
+            <a:gsLst>
+              <a:gs pos="1000">
+                <a:srgbClr val="6188A2">
+                  <a:alpha val="51000"/>
+                </a:srgbClr>
+              </a:gs>
+              <a:gs pos="46000">
+                <a:schemeClr val="accent2">
+                  <a:lumMod val="95000"/>
+                  <a:lumOff val="5000"/>
+                  <a:alpha val="48000"/>
+                </a:schemeClr>
+              </a:gs>
+              <a:gs pos="100000">
+                <a:schemeClr val="accent2">
+                  <a:lumMod val="60000"/>
+                  <a:alpha val="47000"/>
+                </a:schemeClr>
+              </a:gs>
+            </a:gsLst>
+            <a:path path="circle">
+              <a:fillToRect l="50000" t="130000" r="50000" b="-30000"/>
+            </a:path>
+            <a:tileRect/>
+          </a:gradFill>
           <a:ln>
             <a:noFill/>
           </a:ln>
+          <a:effectLst>
+            <a:innerShdw blurRad="546100">
+              <a:schemeClr val="accent3">
+                <a:alpha val="47000"/>
+              </a:schemeClr>
+            </a:innerShdw>
+          </a:effectLst>
         </p:spPr>
         <p:style>
           <a:lnRef idx="2">
@@ -6019,14 +6107,42 @@
           <a:prstGeom prst="rect">
             <a:avLst/>
           </a:prstGeom>
-          <a:solidFill>
-            <a:schemeClr val="accent5">
-              <a:lumMod val="75000"/>
-            </a:schemeClr>
-          </a:solidFill>
+          <a:gradFill flip="none" rotWithShape="1">
+            <a:gsLst>
+              <a:gs pos="0">
+                <a:srgbClr val="93A3BE">
+                  <a:alpha val="52000"/>
+                </a:srgbClr>
+              </a:gs>
+              <a:gs pos="46000">
+                <a:schemeClr val="accent5">
+                  <a:lumMod val="95000"/>
+                  <a:lumOff val="5000"/>
+                  <a:alpha val="49000"/>
+                </a:schemeClr>
+              </a:gs>
+              <a:gs pos="100000">
+                <a:schemeClr val="accent5">
+                  <a:lumMod val="60000"/>
+                  <a:alpha val="51000"/>
+                </a:schemeClr>
+              </a:gs>
+            </a:gsLst>
+            <a:path path="circle">
+              <a:fillToRect l="50000" t="130000" r="50000" b="-30000"/>
+            </a:path>
+            <a:tileRect/>
+          </a:gradFill>
           <a:ln>
             <a:noFill/>
           </a:ln>
+          <a:effectLst>
+            <a:innerShdw blurRad="571500">
+              <a:schemeClr val="accent3">
+                <a:alpha val="28000"/>
+              </a:schemeClr>
+            </a:innerShdw>
+          </a:effectLst>
         </p:spPr>
         <p:style>
           <a:lnRef idx="2">
@@ -6115,14 +6231,41 @@
           <a:prstGeom prst="rect">
             <a:avLst/>
           </a:prstGeom>
-          <a:solidFill>
-            <a:schemeClr val="accent4">
-              <a:lumMod val="75000"/>
-            </a:schemeClr>
-          </a:solidFill>
+          <a:gradFill flip="none" rotWithShape="1">
+            <a:gsLst>
+              <a:gs pos="0">
+                <a:srgbClr val="827A9D">
+                  <a:alpha val="57000"/>
+                </a:srgbClr>
+              </a:gs>
+              <a:gs pos="44000">
+                <a:schemeClr val="accent4">
+                  <a:lumMod val="50000"/>
+                  <a:alpha val="51000"/>
+                </a:schemeClr>
+              </a:gs>
+              <a:gs pos="100000">
+                <a:schemeClr val="accent4">
+                  <a:lumMod val="50000"/>
+                  <a:alpha val="58000"/>
+                </a:schemeClr>
+              </a:gs>
+            </a:gsLst>
+            <a:path path="circle">
+              <a:fillToRect l="50000" t="130000" r="50000" b="-30000"/>
+            </a:path>
+            <a:tileRect/>
+          </a:gradFill>
           <a:ln>
             <a:noFill/>
           </a:ln>
+          <a:effectLst>
+            <a:innerShdw blurRad="368300">
+              <a:schemeClr val="accent4">
+                <a:alpha val="44000"/>
+              </a:schemeClr>
+            </a:innerShdw>
+          </a:effectLst>
         </p:spPr>
         <p:style>
           <a:lnRef idx="2">
@@ -6206,7 +6349,19 @@
           <p:nvPr/>
         </p:nvPicPr>
         <p:blipFill>
-          <a:blip r:embed="rId2"/>
+          <a:blip r:embed="rId2">
+            <a:extLst>
+              <a:ext uri="{BEBA8EAE-BF5A-486C-A8C5-ECC9F3942E4B}">
+                <a14:imgProps xmlns:a14="http://schemas.microsoft.com/office/drawing/2010/main">
+                  <a14:imgLayer r:embed="rId3">
+                    <a14:imgEffect>
+                      <a14:brightnessContrast contrast="45000"/>
+                    </a14:imgEffect>
+                  </a14:imgLayer>
+                </a14:imgProps>
+              </a:ext>
+            </a:extLst>
+          </a:blip>
           <a:stretch>
             <a:fillRect/>
           </a:stretch>
@@ -6236,7 +6391,19 @@
           <p:nvPr/>
         </p:nvPicPr>
         <p:blipFill>
-          <a:blip r:embed="rId3"/>
+          <a:blip r:embed="rId4">
+            <a:extLst>
+              <a:ext uri="{BEBA8EAE-BF5A-486C-A8C5-ECC9F3942E4B}">
+                <a14:imgProps xmlns:a14="http://schemas.microsoft.com/office/drawing/2010/main">
+                  <a14:imgLayer r:embed="rId5">
+                    <a14:imgEffect>
+                      <a14:brightnessContrast contrast="45000"/>
+                    </a14:imgEffect>
+                  </a14:imgLayer>
+                </a14:imgProps>
+              </a:ext>
+            </a:extLst>
+          </a:blip>
           <a:stretch>
             <a:fillRect/>
           </a:stretch>
@@ -6266,7 +6433,19 @@
           <p:nvPr/>
         </p:nvPicPr>
         <p:blipFill>
-          <a:blip r:embed="rId4"/>
+          <a:blip r:embed="rId6">
+            <a:extLst>
+              <a:ext uri="{BEBA8EAE-BF5A-486C-A8C5-ECC9F3942E4B}">
+                <a14:imgProps xmlns:a14="http://schemas.microsoft.com/office/drawing/2010/main">
+                  <a14:imgLayer r:embed="rId7">
+                    <a14:imgEffect>
+                      <a14:brightnessContrast contrast="45000"/>
+                    </a14:imgEffect>
+                  </a14:imgLayer>
+                </a14:imgProps>
+              </a:ext>
+            </a:extLst>
+          </a:blip>
           <a:stretch>
             <a:fillRect/>
           </a:stretch>
@@ -6296,7 +6475,19 @@
           <p:nvPr/>
         </p:nvPicPr>
         <p:blipFill>
-          <a:blip r:embed="rId5"/>
+          <a:blip r:embed="rId8">
+            <a:extLst>
+              <a:ext uri="{BEBA8EAE-BF5A-486C-A8C5-ECC9F3942E4B}">
+                <a14:imgProps xmlns:a14="http://schemas.microsoft.com/office/drawing/2010/main">
+                  <a14:imgLayer r:embed="rId9">
+                    <a14:imgEffect>
+                      <a14:brightnessContrast contrast="45000"/>
+                    </a14:imgEffect>
+                  </a14:imgLayer>
+                </a14:imgProps>
+              </a:ext>
+            </a:extLst>
+          </a:blip>
           <a:stretch>
             <a:fillRect/>
           </a:stretch>
@@ -6619,14 +6810,14 @@
           <p:nvPr/>
         </p:nvPicPr>
         <p:blipFill>
-          <a:blip r:embed="rId6"/>
+          <a:blip r:embed="rId10"/>
           <a:stretch>
             <a:fillRect/>
           </a:stretch>
         </p:blipFill>
         <p:spPr>
           <a:xfrm>
-            <a:off x="8676586" y="2678050"/>
+            <a:off x="8665270" y="4279396"/>
             <a:ext cx="2922803" cy="1518879"/>
           </a:xfrm>
           <a:prstGeom prst="rect">
@@ -6680,6 +6871,41 @@
           </a:p>
         </p:txBody>
       </p:sp>
+      <p:pic>
+        <p:nvPicPr>
+          <p:cNvPr id="3" name="Picture 2"/>
+          <p:cNvPicPr>
+            <a:picLocks noChangeAspect="1"/>
+          </p:cNvPicPr>
+          <p:nvPr/>
+        </p:nvPicPr>
+        <p:blipFill rotWithShape="1">
+          <a:blip r:embed="rId11">
+            <a:extLst>
+              <a:ext uri="{BEBA8EAE-BF5A-486C-A8C5-ECC9F3942E4B}">
+                <a14:imgProps xmlns:a14="http://schemas.microsoft.com/office/drawing/2010/main">
+                  <a14:imgLayer r:embed="rId12">
+                    <a14:imgEffect>
+                      <a14:brightnessContrast contrast="42000"/>
+                    </a14:imgEffect>
+                  </a14:imgLayer>
+                </a14:imgProps>
+              </a:ext>
+            </a:extLst>
+          </a:blip>
+          <a:srcRect r="11431"/>
+          <a:stretch/>
+        </p:blipFill>
+        <p:spPr>
+          <a:xfrm>
+            <a:off x="8675099" y="2813629"/>
+            <a:ext cx="2903144" cy="1171007"/>
+          </a:xfrm>
+          <a:prstGeom prst="rect">
+            <a:avLst/>
+          </a:prstGeom>
+        </p:spPr>
+      </p:pic>
     </p:spTree>
     <p:extLst>
       <p:ext uri="{BB962C8B-B14F-4D97-AF65-F5344CB8AC3E}">
@@ -7020,7 +7246,15 @@
             </a:pPr>
             <a:r>
               <a:rPr lang="en-US" sz="2400" dirty="0"/>
-              <a:t>Peer feedback &amp; status:</a:t>
+              <a:t>Peer </a:t>
+            </a:r>
+            <a:r>
+              <a:rPr lang="en-US" sz="2400" dirty="0" smtClean="0"/>
+              <a:t>feedback &amp; status</a:t>
+            </a:r>
+            <a:r>
+              <a:rPr lang="en-US" sz="2400" dirty="0"/>
+              <a:t>:</a:t>
             </a:r>
           </a:p>
           <a:p>
